--- a/sprint1_regression/module1_regression_part2.pptx
+++ b/sprint1_regression/module1_regression_part2.pptx
@@ -30,7 +30,14 @@
     <p:sldId id="324" r:id="rId24"/>
     <p:sldId id="325" r:id="rId25"/>
     <p:sldId id="326" r:id="rId26"/>
-    <p:sldId id="263" r:id="rId27"/>
+    <p:sldId id="327" r:id="rId27"/>
+    <p:sldId id="263" r:id="rId28"/>
+    <p:sldId id="328" r:id="rId29"/>
+    <p:sldId id="329" r:id="rId30"/>
+    <p:sldId id="330" r:id="rId31"/>
+    <p:sldId id="331" r:id="rId32"/>
+    <p:sldId id="332" r:id="rId33"/>
+    <p:sldId id="333" r:id="rId34"/>
   </p:sldIdLst>
   <p:sldSz cx="12192000" cy="6858000"/>
   <p:notesSz cx="6858000" cy="9144000"/>
@@ -295,7 +302,7 @@
           <a:p>
             <a:fld id="{DDFBB137-0301-AA46-9135-E844B74EBE2E}" type="datetimeFigureOut">
               <a:rPr lang="en-US" smtClean="0"/>
-              <a:t>4/12/20</a:t>
+              <a:t>4/13/20</a:t>
             </a:fld>
             <a:endParaRPr lang="en-US"/>
           </a:p>
@@ -493,7 +500,7 @@
           <a:p>
             <a:fld id="{DDFBB137-0301-AA46-9135-E844B74EBE2E}" type="datetimeFigureOut">
               <a:rPr lang="en-US" smtClean="0"/>
-              <a:t>4/12/20</a:t>
+              <a:t>4/13/20</a:t>
             </a:fld>
             <a:endParaRPr lang="en-US"/>
           </a:p>
@@ -701,7 +708,7 @@
           <a:p>
             <a:fld id="{DDFBB137-0301-AA46-9135-E844B74EBE2E}" type="datetimeFigureOut">
               <a:rPr lang="en-US" smtClean="0"/>
-              <a:t>4/12/20</a:t>
+              <a:t>4/13/20</a:t>
             </a:fld>
             <a:endParaRPr lang="en-US"/>
           </a:p>
@@ -899,7 +906,7 @@
           <a:p>
             <a:fld id="{DDFBB137-0301-AA46-9135-E844B74EBE2E}" type="datetimeFigureOut">
               <a:rPr lang="en-US" smtClean="0"/>
-              <a:t>4/12/20</a:t>
+              <a:t>4/13/20</a:t>
             </a:fld>
             <a:endParaRPr lang="en-US"/>
           </a:p>
@@ -1174,7 +1181,7 @@
           <a:p>
             <a:fld id="{DDFBB137-0301-AA46-9135-E844B74EBE2E}" type="datetimeFigureOut">
               <a:rPr lang="en-US" smtClean="0"/>
-              <a:t>4/12/20</a:t>
+              <a:t>4/13/20</a:t>
             </a:fld>
             <a:endParaRPr lang="en-US"/>
           </a:p>
@@ -1439,7 +1446,7 @@
           <a:p>
             <a:fld id="{DDFBB137-0301-AA46-9135-E844B74EBE2E}" type="datetimeFigureOut">
               <a:rPr lang="en-US" smtClean="0"/>
-              <a:t>4/12/20</a:t>
+              <a:t>4/13/20</a:t>
             </a:fld>
             <a:endParaRPr lang="en-US"/>
           </a:p>
@@ -1851,7 +1858,7 @@
           <a:p>
             <a:fld id="{DDFBB137-0301-AA46-9135-E844B74EBE2E}" type="datetimeFigureOut">
               <a:rPr lang="en-US" smtClean="0"/>
-              <a:t>4/12/20</a:t>
+              <a:t>4/13/20</a:t>
             </a:fld>
             <a:endParaRPr lang="en-US"/>
           </a:p>
@@ -1992,7 +1999,7 @@
           <a:p>
             <a:fld id="{DDFBB137-0301-AA46-9135-E844B74EBE2E}" type="datetimeFigureOut">
               <a:rPr lang="en-US" smtClean="0"/>
-              <a:t>4/12/20</a:t>
+              <a:t>4/13/20</a:t>
             </a:fld>
             <a:endParaRPr lang="en-US"/>
           </a:p>
@@ -2105,7 +2112,7 @@
           <a:p>
             <a:fld id="{DDFBB137-0301-AA46-9135-E844B74EBE2E}" type="datetimeFigureOut">
               <a:rPr lang="en-US" smtClean="0"/>
-              <a:t>4/12/20</a:t>
+              <a:t>4/13/20</a:t>
             </a:fld>
             <a:endParaRPr lang="en-US"/>
           </a:p>
@@ -2416,7 +2423,7 @@
           <a:p>
             <a:fld id="{DDFBB137-0301-AA46-9135-E844B74EBE2E}" type="datetimeFigureOut">
               <a:rPr lang="en-US" smtClean="0"/>
-              <a:t>4/12/20</a:t>
+              <a:t>4/13/20</a:t>
             </a:fld>
             <a:endParaRPr lang="en-US"/>
           </a:p>
@@ -2704,7 +2711,7 @@
           <a:p>
             <a:fld id="{DDFBB137-0301-AA46-9135-E844B74EBE2E}" type="datetimeFigureOut">
               <a:rPr lang="en-US" smtClean="0"/>
-              <a:t>4/12/20</a:t>
+              <a:t>4/13/20</a:t>
             </a:fld>
             <a:endParaRPr lang="en-US"/>
           </a:p>
@@ -2945,7 +2952,7 @@
           <a:p>
             <a:fld id="{DDFBB137-0301-AA46-9135-E844B74EBE2E}" type="datetimeFigureOut">
               <a:rPr lang="en-US" smtClean="0"/>
-              <a:t>4/12/20</a:t>
+              <a:t>4/13/20</a:t>
             </a:fld>
             <a:endParaRPr lang="en-US"/>
           </a:p>
@@ -3855,8 +3862,8 @@
           </a:fontRef>
         </p:style>
       </p:cxnSp>
-      <mc:AlternateContent xmlns:mc="http://schemas.openxmlformats.org/markup-compatibility/2006">
-        <mc:Choice xmlns:a14="http://schemas.microsoft.com/office/drawing/2010/main" Requires="a14">
+      <mc:AlternateContent xmlns:mc="http://schemas.openxmlformats.org/markup-compatibility/2006" xmlns:a14="http://schemas.microsoft.com/office/drawing/2010/main">
+        <mc:Choice Requires="a14">
           <p:sp>
             <p:nvSpPr>
               <p:cNvPr id="19" name="TextBox 18">
@@ -4060,7 +4067,7 @@
             </p:txBody>
           </p:sp>
         </mc:Choice>
-        <mc:Fallback>
+        <mc:Fallback xmlns="">
           <p:sp>
             <p:nvSpPr>
               <p:cNvPr id="19" name="TextBox 18">
@@ -4311,8 +4318,8 @@
           </p:txBody>
         </p:sp>
       </p:grpSp>
-      <mc:AlternateContent xmlns:mc="http://schemas.openxmlformats.org/markup-compatibility/2006">
-        <mc:Choice xmlns:a14="http://schemas.microsoft.com/office/drawing/2010/main" Requires="a14">
+      <mc:AlternateContent xmlns:mc="http://schemas.openxmlformats.org/markup-compatibility/2006" xmlns:a14="http://schemas.microsoft.com/office/drawing/2010/main">
+        <mc:Choice Requires="a14">
           <p:sp>
             <p:nvSpPr>
               <p:cNvPr id="4" name="TextBox 3">
@@ -4480,7 +4487,7 @@
             </p:txBody>
           </p:sp>
         </mc:Choice>
-        <mc:Fallback>
+        <mc:Fallback xmlns="">
           <p:sp>
             <p:nvSpPr>
               <p:cNvPr id="4" name="TextBox 3">
@@ -4731,8 +4738,8 @@
           </p:txBody>
         </p:sp>
       </p:grpSp>
-      <mc:AlternateContent xmlns:mc="http://schemas.openxmlformats.org/markup-compatibility/2006">
-        <mc:Choice xmlns:a14="http://schemas.microsoft.com/office/drawing/2010/main" Requires="a14">
+      <mc:AlternateContent xmlns:mc="http://schemas.openxmlformats.org/markup-compatibility/2006" xmlns:a14="http://schemas.microsoft.com/office/drawing/2010/main">
+        <mc:Choice Requires="a14">
           <p:sp>
             <p:nvSpPr>
               <p:cNvPr id="4" name="TextBox 3">
@@ -4900,7 +4907,7 @@
             </p:txBody>
           </p:sp>
         </mc:Choice>
-        <mc:Fallback>
+        <mc:Fallback xmlns="">
           <p:sp>
             <p:nvSpPr>
               <p:cNvPr id="4" name="TextBox 3">
@@ -5164,8 +5171,8 @@
           </p:txBody>
         </p:sp>
       </p:grpSp>
-      <mc:AlternateContent xmlns:mc="http://schemas.openxmlformats.org/markup-compatibility/2006">
-        <mc:Choice xmlns:a14="http://schemas.microsoft.com/office/drawing/2010/main" Requires="a14">
+      <mc:AlternateContent xmlns:mc="http://schemas.openxmlformats.org/markup-compatibility/2006" xmlns:a14="http://schemas.microsoft.com/office/drawing/2010/main">
+        <mc:Choice Requires="a14">
           <p:sp>
             <p:nvSpPr>
               <p:cNvPr id="4" name="TextBox 3">
@@ -5341,7 +5348,7 @@
             </p:txBody>
           </p:sp>
         </mc:Choice>
-        <mc:Fallback>
+        <mc:Fallback xmlns="">
           <p:sp>
             <p:nvSpPr>
               <p:cNvPr id="4" name="TextBox 3">
@@ -5462,8 +5469,8 @@
           </a:p>
         </p:txBody>
       </p:sp>
-      <mc:AlternateContent xmlns:mc="http://schemas.openxmlformats.org/markup-compatibility/2006">
-        <mc:Choice xmlns:a14="http://schemas.microsoft.com/office/drawing/2010/main" Requires="a14">
+      <mc:AlternateContent xmlns:mc="http://schemas.openxmlformats.org/markup-compatibility/2006" xmlns:a14="http://schemas.microsoft.com/office/drawing/2010/main">
+        <mc:Choice Requires="a14">
           <p:sp>
             <p:nvSpPr>
               <p:cNvPr id="8" name="TextBox 7">
@@ -5813,7 +5820,7 @@
             </p:txBody>
           </p:sp>
         </mc:Choice>
-        <mc:Fallback>
+        <mc:Fallback xmlns="">
           <p:sp>
             <p:nvSpPr>
               <p:cNvPr id="8" name="TextBox 7">
@@ -13910,8 +13917,8 @@
           </a:fontRef>
         </p:style>
       </p:cxnSp>
-      <mc:AlternateContent xmlns:mc="http://schemas.openxmlformats.org/markup-compatibility/2006">
-        <mc:Choice xmlns:a14="http://schemas.microsoft.com/office/drawing/2010/main" Requires="a14">
+      <mc:AlternateContent xmlns:mc="http://schemas.openxmlformats.org/markup-compatibility/2006" xmlns:a14="http://schemas.microsoft.com/office/drawing/2010/main">
+        <mc:Choice Requires="a14">
           <p:sp>
             <p:nvSpPr>
               <p:cNvPr id="22" name="TextBox 21">
@@ -14125,7 +14132,7 @@
             </p:txBody>
           </p:sp>
         </mc:Choice>
-        <mc:Fallback>
+        <mc:Fallback xmlns="">
           <p:sp>
             <p:nvSpPr>
               <p:cNvPr id="22" name="TextBox 21">
@@ -14903,7 +14910,7 @@
             <a:avLst/>
           </a:prstGeom>
           <a:solidFill>
-            <a:schemeClr val="accent2"/>
+            <a:srgbClr val="7030A0"/>
           </a:solidFill>
           <a:ln>
             <a:noFill/>
@@ -14930,7 +14937,7 @@
           <a:lstStyle/>
           <a:p>
             <a:pPr algn="ctr"/>
-            <a:endParaRPr lang="fr-FR" sz="2400" dirty="0"/>
+            <a:endParaRPr lang="fr-FR" sz="2400"/>
           </a:p>
         </p:txBody>
       </p:sp>
@@ -14949,9 +14956,7 @@
             <a:avLst/>
           </a:prstGeom>
           <a:solidFill>
-            <a:schemeClr val="accent2">
-              <a:lumMod val="50000"/>
-            </a:schemeClr>
+            <a:srgbClr val="240539"/>
           </a:solidFill>
           <a:ln>
             <a:noFill/>
@@ -15196,6 +15201,373 @@
                   <a:schemeClr val="bg1"/>
                 </a:solidFill>
               </a:rPr>
+              <a:t>Implementation</a:t>
+            </a:r>
+            <a:r>
+              <a:rPr lang="fr-FR" sz="3733" dirty="0">
+                <a:solidFill>
+                  <a:schemeClr val="bg1"/>
+                </a:solidFill>
+              </a:rPr>
+              <a:t>: k-</a:t>
+            </a:r>
+            <a:r>
+              <a:rPr lang="fr-FR" sz="3733" dirty="0" err="1">
+                <a:solidFill>
+                  <a:schemeClr val="bg1"/>
+                </a:solidFill>
+              </a:rPr>
+              <a:t>Fold</a:t>
+            </a:r>
+            <a:r>
+              <a:rPr lang="fr-FR" sz="3733" dirty="0">
+                <a:solidFill>
+                  <a:schemeClr val="bg1"/>
+                </a:solidFill>
+              </a:rPr>
+              <a:t> cross validation</a:t>
+            </a:r>
+          </a:p>
+        </p:txBody>
+      </p:sp>
+    </p:spTree>
+    <p:extLst>
+      <p:ext uri="{BB962C8B-B14F-4D97-AF65-F5344CB8AC3E}">
+        <p14:creationId xmlns:p14="http://schemas.microsoft.com/office/powerpoint/2010/main" val="318786116"/>
+      </p:ext>
+    </p:extLst>
+  </p:cSld>
+  <p:clrMapOvr>
+    <a:masterClrMapping/>
+  </p:clrMapOvr>
+</p:sld>
+</file>
+
+<file path=ppt/slides/slide27.xml><?xml version="1.0" encoding="utf-8"?>
+<p:sld xmlns:a="http://schemas.openxmlformats.org/drawingml/2006/main" xmlns:r="http://schemas.openxmlformats.org/officeDocument/2006/relationships" xmlns:p="http://schemas.openxmlformats.org/presentationml/2006/main">
+  <p:cSld>
+    <p:spTree>
+      <p:nvGrpSpPr>
+        <p:cNvPr id="1" name=""/>
+        <p:cNvGrpSpPr/>
+        <p:nvPr/>
+      </p:nvGrpSpPr>
+      <p:grpSpPr>
+        <a:xfrm>
+          <a:off x="0" y="0"/>
+          <a:ext cx="0" cy="0"/>
+          <a:chOff x="0" y="0"/>
+          <a:chExt cx="0" cy="0"/>
+        </a:xfrm>
+      </p:grpSpPr>
+      <p:sp>
+        <p:nvSpPr>
+          <p:cNvPr id="2" name="Rectangle 1"/>
+          <p:cNvSpPr/>
+          <p:nvPr/>
+        </p:nvSpPr>
+        <p:spPr>
+          <a:xfrm>
+            <a:off x="0" y="0"/>
+            <a:ext cx="12192000" cy="6858000"/>
+          </a:xfrm>
+          <a:prstGeom prst="rect">
+            <a:avLst/>
+          </a:prstGeom>
+          <a:solidFill>
+            <a:schemeClr val="accent2"/>
+          </a:solidFill>
+          <a:ln>
+            <a:noFill/>
+          </a:ln>
+        </p:spPr>
+        <p:style>
+          <a:lnRef idx="2">
+            <a:schemeClr val="accent1">
+              <a:shade val="50000"/>
+            </a:schemeClr>
+          </a:lnRef>
+          <a:fillRef idx="1">
+            <a:schemeClr val="accent1"/>
+          </a:fillRef>
+          <a:effectRef idx="0">
+            <a:schemeClr val="accent1"/>
+          </a:effectRef>
+          <a:fontRef idx="minor">
+            <a:schemeClr val="lt1"/>
+          </a:fontRef>
+        </p:style>
+        <p:txBody>
+          <a:bodyPr rtlCol="0" anchor="ctr"/>
+          <a:lstStyle/>
+          <a:p>
+            <a:pPr algn="ctr"/>
+            <a:endParaRPr lang="fr-FR" sz="2400" dirty="0"/>
+          </a:p>
+        </p:txBody>
+      </p:sp>
+      <p:sp>
+        <p:nvSpPr>
+          <p:cNvPr id="3" name="Rectangle 2"/>
+          <p:cNvSpPr/>
+          <p:nvPr/>
+        </p:nvSpPr>
+        <p:spPr>
+          <a:xfrm>
+            <a:off x="0" y="6213309"/>
+            <a:ext cx="12192000" cy="644691"/>
+          </a:xfrm>
+          <a:prstGeom prst="rect">
+            <a:avLst/>
+          </a:prstGeom>
+          <a:solidFill>
+            <a:schemeClr val="accent2">
+              <a:lumMod val="50000"/>
+            </a:schemeClr>
+          </a:solidFill>
+          <a:ln>
+            <a:noFill/>
+          </a:ln>
+        </p:spPr>
+        <p:style>
+          <a:lnRef idx="2">
+            <a:schemeClr val="accent1">
+              <a:shade val="50000"/>
+            </a:schemeClr>
+          </a:lnRef>
+          <a:fillRef idx="1">
+            <a:schemeClr val="accent1"/>
+          </a:fillRef>
+          <a:effectRef idx="0">
+            <a:schemeClr val="accent1"/>
+          </a:effectRef>
+          <a:fontRef idx="minor">
+            <a:schemeClr val="lt1"/>
+          </a:fontRef>
+        </p:style>
+        <p:txBody>
+          <a:bodyPr rtlCol="0" anchor="ctr"/>
+          <a:lstStyle/>
+          <a:p>
+            <a:pPr algn="ctr"/>
+            <a:endParaRPr lang="fr-FR" sz="2400"/>
+          </a:p>
+        </p:txBody>
+      </p:sp>
+      <p:sp>
+        <p:nvSpPr>
+          <p:cNvPr id="4" name="ZoneTexte 3"/>
+          <p:cNvSpPr txBox="1"/>
+          <p:nvPr/>
+        </p:nvSpPr>
+        <p:spPr>
+          <a:xfrm>
+            <a:off x="239350" y="6337969"/>
+            <a:ext cx="3072341" cy="420564"/>
+          </a:xfrm>
+          <a:prstGeom prst="rect">
+            <a:avLst/>
+          </a:prstGeom>
+          <a:noFill/>
+        </p:spPr>
+        <p:txBody>
+          <a:bodyPr wrap="square" rtlCol="0">
+            <a:spAutoFit/>
+          </a:bodyPr>
+          <a:lstStyle/>
+          <a:p>
+            <a:r>
+              <a:rPr lang="fr-FR" sz="2133" dirty="0">
+                <a:solidFill>
+                  <a:schemeClr val="bg1"/>
+                </a:solidFill>
+              </a:rPr>
+              <a:t>Sprint 3 - </a:t>
+            </a:r>
+            <a:r>
+              <a:rPr lang="fr-FR" sz="2133" dirty="0" err="1">
+                <a:solidFill>
+                  <a:schemeClr val="bg1"/>
+                </a:solidFill>
+              </a:rPr>
+              <a:t>Retrieval</a:t>
+            </a:r>
+            <a:endParaRPr lang="fr-FR" sz="2133" dirty="0">
+              <a:solidFill>
+                <a:schemeClr val="bg1"/>
+              </a:solidFill>
+            </a:endParaRPr>
+          </a:p>
+        </p:txBody>
+      </p:sp>
+      <p:sp>
+        <p:nvSpPr>
+          <p:cNvPr id="5" name="Espace réservé du contenu 2"/>
+          <p:cNvSpPr txBox="1">
+            <a:spLocks/>
+          </p:cNvSpPr>
+          <p:nvPr/>
+        </p:nvSpPr>
+        <p:spPr>
+          <a:xfrm>
+            <a:off x="143339" y="2560309"/>
+            <a:ext cx="10972800" cy="868692"/>
+          </a:xfrm>
+          <a:prstGeom prst="rect">
+            <a:avLst/>
+          </a:prstGeom>
+        </p:spPr>
+        <p:txBody>
+          <a:bodyPr>
+            <a:normAutofit/>
+          </a:bodyPr>
+          <a:lstStyle>
+            <a:lvl1pPr marL="342900" indent="-342900" algn="l" defTabSz="914400" rtl="0" eaLnBrk="1" latinLnBrk="0" hangingPunct="1">
+              <a:spcBef>
+                <a:spcPct val="20000"/>
+              </a:spcBef>
+              <a:buFont typeface="Arial" panose="020B0604020202020204" pitchFamily="34" charset="0"/>
+              <a:buChar char="•"/>
+              <a:defRPr sz="3200" kern="1200">
+                <a:solidFill>
+                  <a:schemeClr val="tx1"/>
+                </a:solidFill>
+                <a:latin typeface="+mn-lt"/>
+                <a:ea typeface="+mn-ea"/>
+                <a:cs typeface="+mn-cs"/>
+              </a:defRPr>
+            </a:lvl1pPr>
+            <a:lvl2pPr marL="742950" indent="-285750" algn="l" defTabSz="914400" rtl="0" eaLnBrk="1" latinLnBrk="0" hangingPunct="1">
+              <a:spcBef>
+                <a:spcPct val="20000"/>
+              </a:spcBef>
+              <a:buFont typeface="Arial" panose="020B0604020202020204" pitchFamily="34" charset="0"/>
+              <a:buChar char="–"/>
+              <a:defRPr sz="2800" kern="1200">
+                <a:solidFill>
+                  <a:schemeClr val="tx1"/>
+                </a:solidFill>
+                <a:latin typeface="+mn-lt"/>
+                <a:ea typeface="+mn-ea"/>
+                <a:cs typeface="+mn-cs"/>
+              </a:defRPr>
+            </a:lvl2pPr>
+            <a:lvl3pPr marL="1143000" indent="-228600" algn="l" defTabSz="914400" rtl="0" eaLnBrk="1" latinLnBrk="0" hangingPunct="1">
+              <a:spcBef>
+                <a:spcPct val="20000"/>
+              </a:spcBef>
+              <a:buFont typeface="Arial" panose="020B0604020202020204" pitchFamily="34" charset="0"/>
+              <a:buChar char="•"/>
+              <a:defRPr sz="2400" kern="1200">
+                <a:solidFill>
+                  <a:schemeClr val="tx1"/>
+                </a:solidFill>
+                <a:latin typeface="+mn-lt"/>
+                <a:ea typeface="+mn-ea"/>
+                <a:cs typeface="+mn-cs"/>
+              </a:defRPr>
+            </a:lvl3pPr>
+            <a:lvl4pPr marL="1600200" indent="-228600" algn="l" defTabSz="914400" rtl="0" eaLnBrk="1" latinLnBrk="0" hangingPunct="1">
+              <a:spcBef>
+                <a:spcPct val="20000"/>
+              </a:spcBef>
+              <a:buFont typeface="Arial" panose="020B0604020202020204" pitchFamily="34" charset="0"/>
+              <a:buChar char="–"/>
+              <a:defRPr sz="2000" kern="1200">
+                <a:solidFill>
+                  <a:schemeClr val="tx1"/>
+                </a:solidFill>
+                <a:latin typeface="+mn-lt"/>
+                <a:ea typeface="+mn-ea"/>
+                <a:cs typeface="+mn-cs"/>
+              </a:defRPr>
+            </a:lvl4pPr>
+            <a:lvl5pPr marL="2057400" indent="-228600" algn="l" defTabSz="914400" rtl="0" eaLnBrk="1" latinLnBrk="0" hangingPunct="1">
+              <a:spcBef>
+                <a:spcPct val="20000"/>
+              </a:spcBef>
+              <a:buFont typeface="Arial" panose="020B0604020202020204" pitchFamily="34" charset="0"/>
+              <a:buChar char="»"/>
+              <a:defRPr sz="2000" kern="1200">
+                <a:solidFill>
+                  <a:schemeClr val="tx1"/>
+                </a:solidFill>
+                <a:latin typeface="+mn-lt"/>
+                <a:ea typeface="+mn-ea"/>
+                <a:cs typeface="+mn-cs"/>
+              </a:defRPr>
+            </a:lvl5pPr>
+            <a:lvl6pPr marL="2514600" indent="-228600" algn="l" defTabSz="914400" rtl="0" eaLnBrk="1" latinLnBrk="0" hangingPunct="1">
+              <a:spcBef>
+                <a:spcPct val="20000"/>
+              </a:spcBef>
+              <a:buFont typeface="Arial" panose="020B0604020202020204" pitchFamily="34" charset="0"/>
+              <a:buChar char="•"/>
+              <a:defRPr sz="2000" kern="1200">
+                <a:solidFill>
+                  <a:schemeClr val="tx1"/>
+                </a:solidFill>
+                <a:latin typeface="+mn-lt"/>
+                <a:ea typeface="+mn-ea"/>
+                <a:cs typeface="+mn-cs"/>
+              </a:defRPr>
+            </a:lvl6pPr>
+            <a:lvl7pPr marL="2971800" indent="-228600" algn="l" defTabSz="914400" rtl="0" eaLnBrk="1" latinLnBrk="0" hangingPunct="1">
+              <a:spcBef>
+                <a:spcPct val="20000"/>
+              </a:spcBef>
+              <a:buFont typeface="Arial" panose="020B0604020202020204" pitchFamily="34" charset="0"/>
+              <a:buChar char="•"/>
+              <a:defRPr sz="2000" kern="1200">
+                <a:solidFill>
+                  <a:schemeClr val="tx1"/>
+                </a:solidFill>
+                <a:latin typeface="+mn-lt"/>
+                <a:ea typeface="+mn-ea"/>
+                <a:cs typeface="+mn-cs"/>
+              </a:defRPr>
+            </a:lvl7pPr>
+            <a:lvl8pPr marL="3429000" indent="-228600" algn="l" defTabSz="914400" rtl="0" eaLnBrk="1" latinLnBrk="0" hangingPunct="1">
+              <a:spcBef>
+                <a:spcPct val="20000"/>
+              </a:spcBef>
+              <a:buFont typeface="Arial" panose="020B0604020202020204" pitchFamily="34" charset="0"/>
+              <a:buChar char="•"/>
+              <a:defRPr sz="2000" kern="1200">
+                <a:solidFill>
+                  <a:schemeClr val="tx1"/>
+                </a:solidFill>
+                <a:latin typeface="+mn-lt"/>
+                <a:ea typeface="+mn-ea"/>
+                <a:cs typeface="+mn-cs"/>
+              </a:defRPr>
+            </a:lvl8pPr>
+            <a:lvl9pPr marL="3886200" indent="-228600" algn="l" defTabSz="914400" rtl="0" eaLnBrk="1" latinLnBrk="0" hangingPunct="1">
+              <a:spcBef>
+                <a:spcPct val="20000"/>
+              </a:spcBef>
+              <a:buFont typeface="Arial" panose="020B0604020202020204" pitchFamily="34" charset="0"/>
+              <a:buChar char="•"/>
+              <a:defRPr sz="2000" kern="1200">
+                <a:solidFill>
+                  <a:schemeClr val="tx1"/>
+                </a:solidFill>
+                <a:latin typeface="+mn-lt"/>
+                <a:ea typeface="+mn-ea"/>
+                <a:cs typeface="+mn-cs"/>
+              </a:defRPr>
+            </a:lvl9pPr>
+          </a:lstStyle>
+          <a:p>
+            <a:pPr marL="0" indent="0">
+              <a:buNone/>
+            </a:pPr>
+            <a:r>
+              <a:rPr lang="fr-FR" sz="3733" dirty="0" err="1">
+                <a:solidFill>
+                  <a:schemeClr val="bg1"/>
+                </a:solidFill>
+              </a:rPr>
               <a:t>Task</a:t>
             </a:r>
             <a:r>
@@ -15212,7 +15584,7 @@
                   <a:schemeClr val="bg1"/>
                 </a:solidFill>
               </a:rPr>
-              <a:t>making predictions from data</a:t>
+              <a:t>feature selection</a:t>
             </a:r>
             <a:endParaRPr lang="fr-FR" sz="3733" dirty="0">
               <a:solidFill>
@@ -15226,6 +15598,645 @@
     <p:extLst>
       <p:ext uri="{BB962C8B-B14F-4D97-AF65-F5344CB8AC3E}">
         <p14:creationId xmlns:p14="http://schemas.microsoft.com/office/powerpoint/2010/main" val="390333254"/>
+      </p:ext>
+    </p:extLst>
+  </p:cSld>
+  <p:clrMapOvr>
+    <a:masterClrMapping/>
+  </p:clrMapOvr>
+</p:sld>
+</file>
+
+<file path=ppt/slides/slide28.xml><?xml version="1.0" encoding="utf-8"?>
+<p:sld xmlns:a="http://schemas.openxmlformats.org/drawingml/2006/main" xmlns:r="http://schemas.openxmlformats.org/officeDocument/2006/relationships" xmlns:p="http://schemas.openxmlformats.org/presentationml/2006/main">
+  <p:cSld>
+    <p:spTree>
+      <p:nvGrpSpPr>
+        <p:cNvPr id="1" name=""/>
+        <p:cNvGrpSpPr/>
+        <p:nvPr/>
+      </p:nvGrpSpPr>
+      <p:grpSpPr>
+        <a:xfrm>
+          <a:off x="0" y="0"/>
+          <a:ext cx="0" cy="0"/>
+          <a:chOff x="0" y="0"/>
+          <a:chExt cx="0" cy="0"/>
+        </a:xfrm>
+      </p:grpSpPr>
+      <p:sp>
+        <p:nvSpPr>
+          <p:cNvPr id="2" name="Titre 1"/>
+          <p:cNvSpPr>
+            <a:spLocks noGrp="1"/>
+          </p:cNvSpPr>
+          <p:nvPr>
+            <p:ph type="title"/>
+          </p:nvPr>
+        </p:nvSpPr>
+        <p:spPr>
+          <a:xfrm>
+            <a:off x="609600" y="0"/>
+            <a:ext cx="10972800" cy="1143000"/>
+          </a:xfrm>
+        </p:spPr>
+        <p:txBody>
+          <a:bodyPr/>
+          <a:lstStyle/>
+          <a:p>
+            <a:r>
+              <a:rPr lang="fr-FR" dirty="0" err="1"/>
+              <a:t>Why</a:t>
+            </a:r>
+            <a:r>
+              <a:rPr lang="fr-FR" dirty="0"/>
+              <a:t> </a:t>
+            </a:r>
+            <a:r>
+              <a:rPr lang="fr-FR" dirty="0" err="1"/>
+              <a:t>feature</a:t>
+            </a:r>
+            <a:r>
+              <a:rPr lang="fr-FR" dirty="0"/>
+              <a:t> </a:t>
+            </a:r>
+            <a:r>
+              <a:rPr lang="fr-FR" dirty="0" err="1"/>
+              <a:t>selections</a:t>
+            </a:r>
+            <a:r>
+              <a:rPr lang="fr-FR" dirty="0"/>
+              <a:t>?</a:t>
+            </a:r>
+          </a:p>
+        </p:txBody>
+      </p:sp>
+      <p:grpSp>
+        <p:nvGrpSpPr>
+          <p:cNvPr id="25" name="Groupe 11">
+            <a:extLst>
+              <a:ext uri="{FF2B5EF4-FFF2-40B4-BE49-F238E27FC236}">
+                <a16:creationId xmlns:a16="http://schemas.microsoft.com/office/drawing/2014/main" id="{74176E09-9AA5-0241-BEA5-B948101EEBBF}"/>
+              </a:ext>
+            </a:extLst>
+          </p:cNvPr>
+          <p:cNvGrpSpPr/>
+          <p:nvPr/>
+        </p:nvGrpSpPr>
+        <p:grpSpPr>
+          <a:xfrm>
+            <a:off x="-13856" y="6214952"/>
+            <a:ext cx="12205855" cy="643054"/>
+            <a:chOff x="0" y="4661210"/>
+            <a:chExt cx="9144000" cy="482290"/>
+          </a:xfrm>
+        </p:grpSpPr>
+        <p:sp>
+          <p:nvSpPr>
+            <p:cNvPr id="26" name="Rectangle 25">
+              <a:extLst>
+                <a:ext uri="{FF2B5EF4-FFF2-40B4-BE49-F238E27FC236}">
+                  <a16:creationId xmlns:a16="http://schemas.microsoft.com/office/drawing/2014/main" id="{301A1338-074F-F444-A2E0-000D4375D974}"/>
+                </a:ext>
+              </a:extLst>
+            </p:cNvPr>
+            <p:cNvSpPr/>
+            <p:nvPr/>
+          </p:nvSpPr>
+          <p:spPr>
+            <a:xfrm>
+              <a:off x="0" y="4661210"/>
+              <a:ext cx="9144000" cy="482290"/>
+            </a:xfrm>
+            <a:prstGeom prst="rect">
+              <a:avLst/>
+            </a:prstGeom>
+            <a:solidFill>
+              <a:schemeClr val="tx1">
+                <a:lumMod val="65000"/>
+                <a:lumOff val="35000"/>
+              </a:schemeClr>
+            </a:solidFill>
+            <a:ln>
+              <a:solidFill>
+                <a:schemeClr val="tx1">
+                  <a:lumMod val="65000"/>
+                  <a:lumOff val="35000"/>
+                </a:schemeClr>
+              </a:solidFill>
+            </a:ln>
+          </p:spPr>
+          <p:style>
+            <a:lnRef idx="2">
+              <a:schemeClr val="dk1">
+                <a:shade val="50000"/>
+              </a:schemeClr>
+            </a:lnRef>
+            <a:fillRef idx="1">
+              <a:schemeClr val="dk1"/>
+            </a:fillRef>
+            <a:effectRef idx="0">
+              <a:schemeClr val="dk1"/>
+            </a:effectRef>
+            <a:fontRef idx="minor">
+              <a:schemeClr val="lt1"/>
+            </a:fontRef>
+          </p:style>
+          <p:txBody>
+            <a:bodyPr rtlCol="0" anchor="ctr"/>
+            <a:lstStyle/>
+            <a:p>
+              <a:pPr algn="ctr"/>
+              <a:endParaRPr lang="fr-FR" sz="2400"/>
+            </a:p>
+          </p:txBody>
+        </p:sp>
+        <p:sp>
+          <p:nvSpPr>
+            <p:cNvPr id="27" name="ZoneTexte 10">
+              <a:extLst>
+                <a:ext uri="{FF2B5EF4-FFF2-40B4-BE49-F238E27FC236}">
+                  <a16:creationId xmlns:a16="http://schemas.microsoft.com/office/drawing/2014/main" id="{D46FE952-5588-3B45-BA19-AFA5BAE79FC2}"/>
+                </a:ext>
+              </a:extLst>
+            </p:cNvPr>
+            <p:cNvSpPr txBox="1"/>
+            <p:nvPr/>
+          </p:nvSpPr>
+          <p:spPr>
+            <a:xfrm>
+              <a:off x="179512" y="4753476"/>
+              <a:ext cx="2304256" cy="315423"/>
+            </a:xfrm>
+            <a:prstGeom prst="rect">
+              <a:avLst/>
+            </a:prstGeom>
+            <a:noFill/>
+            <a:ln>
+              <a:solidFill>
+                <a:schemeClr val="tx1">
+                  <a:lumMod val="65000"/>
+                  <a:lumOff val="35000"/>
+                </a:schemeClr>
+              </a:solidFill>
+            </a:ln>
+          </p:spPr>
+          <p:txBody>
+            <a:bodyPr wrap="square" rtlCol="0">
+              <a:spAutoFit/>
+            </a:bodyPr>
+            <a:lstStyle/>
+            <a:p>
+              <a:r>
+                <a:rPr lang="fr-FR" sz="2133" dirty="0">
+                  <a:solidFill>
+                    <a:schemeClr val="bg1"/>
+                  </a:solidFill>
+                </a:rPr>
+                <a:t>Sprint 1 - </a:t>
+              </a:r>
+              <a:r>
+                <a:rPr lang="fr-FR" sz="2133" dirty="0" err="1">
+                  <a:solidFill>
+                    <a:schemeClr val="bg1"/>
+                  </a:solidFill>
+                </a:rPr>
+                <a:t>Regression</a:t>
+              </a:r>
+              <a:endParaRPr lang="fr-FR" sz="2133" dirty="0">
+                <a:solidFill>
+                  <a:schemeClr val="bg1"/>
+                </a:solidFill>
+              </a:endParaRPr>
+            </a:p>
+          </p:txBody>
+        </p:sp>
+      </p:grpSp>
+      <p:sp>
+        <p:nvSpPr>
+          <p:cNvPr id="3" name="TextBox 2">
+            <a:extLst>
+              <a:ext uri="{FF2B5EF4-FFF2-40B4-BE49-F238E27FC236}">
+                <a16:creationId xmlns:a16="http://schemas.microsoft.com/office/drawing/2014/main" id="{465C2E49-EA71-C74B-91ED-745E7F3F8B22}"/>
+              </a:ext>
+            </a:extLst>
+          </p:cNvPr>
+          <p:cNvSpPr txBox="1"/>
+          <p:nvPr/>
+        </p:nvSpPr>
+        <p:spPr>
+          <a:xfrm>
+            <a:off x="831272" y="1565564"/>
+            <a:ext cx="10875819" cy="2185214"/>
+          </a:xfrm>
+          <a:prstGeom prst="rect">
+            <a:avLst/>
+          </a:prstGeom>
+          <a:noFill/>
+        </p:spPr>
+        <p:txBody>
+          <a:bodyPr wrap="square" rtlCol="0">
+            <a:spAutoFit/>
+          </a:bodyPr>
+          <a:lstStyle/>
+          <a:p>
+            <a:r>
+              <a:rPr lang="en-US" sz="2800" b="1" dirty="0"/>
+              <a:t>Efficiency :</a:t>
+            </a:r>
+          </a:p>
+          <a:p>
+            <a:r>
+              <a:rPr lang="en-US" sz="2000" dirty="0"/>
+              <a:t>	- If size(w) is very large, each prediction is expensive</a:t>
+            </a:r>
+          </a:p>
+          <a:p>
+            <a:r>
+              <a:rPr lang="en-US" sz="2000" dirty="0"/>
+              <a:t>	- If w sparse, the computational cost only depends on the # of non-zero w</a:t>
+            </a:r>
+          </a:p>
+          <a:p>
+            <a:endParaRPr lang="en-US" sz="2000" dirty="0"/>
+          </a:p>
+          <a:p>
+            <a:r>
+              <a:rPr lang="en-US" sz="2800" b="1" dirty="0"/>
+              <a:t>Interpretability:</a:t>
+            </a:r>
+          </a:p>
+          <a:p>
+            <a:r>
+              <a:rPr lang="en-US" sz="2000" dirty="0"/>
+              <a:t>	- Which features are relevant for prediction?</a:t>
+            </a:r>
+          </a:p>
+        </p:txBody>
+      </p:sp>
+    </p:spTree>
+    <p:extLst>
+      <p:ext uri="{BB962C8B-B14F-4D97-AF65-F5344CB8AC3E}">
+        <p14:creationId xmlns:p14="http://schemas.microsoft.com/office/powerpoint/2010/main" val="3425572006"/>
+      </p:ext>
+    </p:extLst>
+  </p:cSld>
+  <p:clrMapOvr>
+    <a:masterClrMapping/>
+  </p:clrMapOvr>
+</p:sld>
+</file>
+
+<file path=ppt/slides/slide29.xml><?xml version="1.0" encoding="utf-8"?>
+<p:sld xmlns:a="http://schemas.openxmlformats.org/drawingml/2006/main" xmlns:r="http://schemas.openxmlformats.org/officeDocument/2006/relationships" xmlns:p="http://schemas.openxmlformats.org/presentationml/2006/main">
+  <p:cSld>
+    <p:spTree>
+      <p:nvGrpSpPr>
+        <p:cNvPr id="1" name=""/>
+        <p:cNvGrpSpPr/>
+        <p:nvPr/>
+      </p:nvGrpSpPr>
+      <p:grpSpPr>
+        <a:xfrm>
+          <a:off x="0" y="0"/>
+          <a:ext cx="0" cy="0"/>
+          <a:chOff x="0" y="0"/>
+          <a:chExt cx="0" cy="0"/>
+        </a:xfrm>
+      </p:grpSpPr>
+      <p:sp>
+        <p:nvSpPr>
+          <p:cNvPr id="2" name="Rectangle 1"/>
+          <p:cNvSpPr/>
+          <p:nvPr/>
+        </p:nvSpPr>
+        <p:spPr>
+          <a:xfrm>
+            <a:off x="0" y="0"/>
+            <a:ext cx="12192000" cy="6858000"/>
+          </a:xfrm>
+          <a:prstGeom prst="rect">
+            <a:avLst/>
+          </a:prstGeom>
+          <a:ln/>
+        </p:spPr>
+        <p:style>
+          <a:lnRef idx="2">
+            <a:schemeClr val="accent5">
+              <a:shade val="50000"/>
+            </a:schemeClr>
+          </a:lnRef>
+          <a:fillRef idx="1">
+            <a:schemeClr val="accent5"/>
+          </a:fillRef>
+          <a:effectRef idx="0">
+            <a:schemeClr val="accent5"/>
+          </a:effectRef>
+          <a:fontRef idx="minor">
+            <a:schemeClr val="lt1"/>
+          </a:fontRef>
+        </p:style>
+        <p:txBody>
+          <a:bodyPr rtlCol="0" anchor="ctr"/>
+          <a:lstStyle/>
+          <a:p>
+            <a:pPr algn="ctr"/>
+            <a:endParaRPr lang="fr-FR" sz="2400"/>
+          </a:p>
+        </p:txBody>
+      </p:sp>
+      <p:sp>
+        <p:nvSpPr>
+          <p:cNvPr id="3" name="Rectangle 2"/>
+          <p:cNvSpPr/>
+          <p:nvPr/>
+        </p:nvSpPr>
+        <p:spPr>
+          <a:xfrm>
+            <a:off x="0" y="6213309"/>
+            <a:ext cx="12192000" cy="644691"/>
+          </a:xfrm>
+          <a:prstGeom prst="rect">
+            <a:avLst/>
+          </a:prstGeom>
+          <a:solidFill>
+            <a:schemeClr val="accent5">
+              <a:lumMod val="50000"/>
+            </a:schemeClr>
+          </a:solidFill>
+          <a:ln>
+            <a:noFill/>
+          </a:ln>
+        </p:spPr>
+        <p:style>
+          <a:lnRef idx="2">
+            <a:schemeClr val="accent1">
+              <a:shade val="50000"/>
+            </a:schemeClr>
+          </a:lnRef>
+          <a:fillRef idx="1">
+            <a:schemeClr val="accent1"/>
+          </a:fillRef>
+          <a:effectRef idx="0">
+            <a:schemeClr val="accent1"/>
+          </a:effectRef>
+          <a:fontRef idx="minor">
+            <a:schemeClr val="lt1"/>
+          </a:fontRef>
+        </p:style>
+        <p:txBody>
+          <a:bodyPr rtlCol="0" anchor="ctr"/>
+          <a:lstStyle/>
+          <a:p>
+            <a:pPr algn="ctr"/>
+            <a:endParaRPr lang="fr-FR" sz="2400"/>
+          </a:p>
+        </p:txBody>
+      </p:sp>
+      <p:sp>
+        <p:nvSpPr>
+          <p:cNvPr id="4" name="ZoneTexte 3"/>
+          <p:cNvSpPr txBox="1"/>
+          <p:nvPr/>
+        </p:nvSpPr>
+        <p:spPr>
+          <a:xfrm>
+            <a:off x="239350" y="6337969"/>
+            <a:ext cx="3072341" cy="420564"/>
+          </a:xfrm>
+          <a:prstGeom prst="rect">
+            <a:avLst/>
+          </a:prstGeom>
+          <a:noFill/>
+        </p:spPr>
+        <p:txBody>
+          <a:bodyPr wrap="square" rtlCol="0">
+            <a:spAutoFit/>
+          </a:bodyPr>
+          <a:lstStyle/>
+          <a:p>
+            <a:r>
+              <a:rPr lang="fr-FR" sz="2133" dirty="0">
+                <a:solidFill>
+                  <a:schemeClr val="bg1"/>
+                </a:solidFill>
+              </a:rPr>
+              <a:t>Sprint 3 - </a:t>
+            </a:r>
+            <a:r>
+              <a:rPr lang="fr-FR" sz="2133" dirty="0" err="1">
+                <a:solidFill>
+                  <a:schemeClr val="bg1"/>
+                </a:solidFill>
+              </a:rPr>
+              <a:t>Retrieval</a:t>
+            </a:r>
+            <a:endParaRPr lang="fr-FR" sz="2133" dirty="0">
+              <a:solidFill>
+                <a:schemeClr val="bg1"/>
+              </a:solidFill>
+            </a:endParaRPr>
+          </a:p>
+        </p:txBody>
+      </p:sp>
+      <p:sp>
+        <p:nvSpPr>
+          <p:cNvPr id="5" name="Espace réservé du contenu 2"/>
+          <p:cNvSpPr txBox="1">
+            <a:spLocks/>
+          </p:cNvSpPr>
+          <p:nvPr/>
+        </p:nvSpPr>
+        <p:spPr>
+          <a:xfrm>
+            <a:off x="143339" y="2560309"/>
+            <a:ext cx="10972800" cy="868692"/>
+          </a:xfrm>
+          <a:prstGeom prst="rect">
+            <a:avLst/>
+          </a:prstGeom>
+        </p:spPr>
+        <p:txBody>
+          <a:bodyPr>
+            <a:normAutofit/>
+          </a:bodyPr>
+          <a:lstStyle>
+            <a:lvl1pPr marL="342900" indent="-342900" algn="l" defTabSz="914400" rtl="0" eaLnBrk="1" latinLnBrk="0" hangingPunct="1">
+              <a:spcBef>
+                <a:spcPct val="20000"/>
+              </a:spcBef>
+              <a:buFont typeface="Arial" panose="020B0604020202020204" pitchFamily="34" charset="0"/>
+              <a:buChar char="•"/>
+              <a:defRPr sz="3200" kern="1200">
+                <a:solidFill>
+                  <a:schemeClr val="tx1"/>
+                </a:solidFill>
+                <a:latin typeface="+mn-lt"/>
+                <a:ea typeface="+mn-ea"/>
+                <a:cs typeface="+mn-cs"/>
+              </a:defRPr>
+            </a:lvl1pPr>
+            <a:lvl2pPr marL="742950" indent="-285750" algn="l" defTabSz="914400" rtl="0" eaLnBrk="1" latinLnBrk="0" hangingPunct="1">
+              <a:spcBef>
+                <a:spcPct val="20000"/>
+              </a:spcBef>
+              <a:buFont typeface="Arial" panose="020B0604020202020204" pitchFamily="34" charset="0"/>
+              <a:buChar char="–"/>
+              <a:defRPr sz="2800" kern="1200">
+                <a:solidFill>
+                  <a:schemeClr val="tx1"/>
+                </a:solidFill>
+                <a:latin typeface="+mn-lt"/>
+                <a:ea typeface="+mn-ea"/>
+                <a:cs typeface="+mn-cs"/>
+              </a:defRPr>
+            </a:lvl2pPr>
+            <a:lvl3pPr marL="1143000" indent="-228600" algn="l" defTabSz="914400" rtl="0" eaLnBrk="1" latinLnBrk="0" hangingPunct="1">
+              <a:spcBef>
+                <a:spcPct val="20000"/>
+              </a:spcBef>
+              <a:buFont typeface="Arial" panose="020B0604020202020204" pitchFamily="34" charset="0"/>
+              <a:buChar char="•"/>
+              <a:defRPr sz="2400" kern="1200">
+                <a:solidFill>
+                  <a:schemeClr val="tx1"/>
+                </a:solidFill>
+                <a:latin typeface="+mn-lt"/>
+                <a:ea typeface="+mn-ea"/>
+                <a:cs typeface="+mn-cs"/>
+              </a:defRPr>
+            </a:lvl3pPr>
+            <a:lvl4pPr marL="1600200" indent="-228600" algn="l" defTabSz="914400" rtl="0" eaLnBrk="1" latinLnBrk="0" hangingPunct="1">
+              <a:spcBef>
+                <a:spcPct val="20000"/>
+              </a:spcBef>
+              <a:buFont typeface="Arial" panose="020B0604020202020204" pitchFamily="34" charset="0"/>
+              <a:buChar char="–"/>
+              <a:defRPr sz="2000" kern="1200">
+                <a:solidFill>
+                  <a:schemeClr val="tx1"/>
+                </a:solidFill>
+                <a:latin typeface="+mn-lt"/>
+                <a:ea typeface="+mn-ea"/>
+                <a:cs typeface="+mn-cs"/>
+              </a:defRPr>
+            </a:lvl4pPr>
+            <a:lvl5pPr marL="2057400" indent="-228600" algn="l" defTabSz="914400" rtl="0" eaLnBrk="1" latinLnBrk="0" hangingPunct="1">
+              <a:spcBef>
+                <a:spcPct val="20000"/>
+              </a:spcBef>
+              <a:buFont typeface="Arial" panose="020B0604020202020204" pitchFamily="34" charset="0"/>
+              <a:buChar char="»"/>
+              <a:defRPr sz="2000" kern="1200">
+                <a:solidFill>
+                  <a:schemeClr val="tx1"/>
+                </a:solidFill>
+                <a:latin typeface="+mn-lt"/>
+                <a:ea typeface="+mn-ea"/>
+                <a:cs typeface="+mn-cs"/>
+              </a:defRPr>
+            </a:lvl5pPr>
+            <a:lvl6pPr marL="2514600" indent="-228600" algn="l" defTabSz="914400" rtl="0" eaLnBrk="1" latinLnBrk="0" hangingPunct="1">
+              <a:spcBef>
+                <a:spcPct val="20000"/>
+              </a:spcBef>
+              <a:buFont typeface="Arial" panose="020B0604020202020204" pitchFamily="34" charset="0"/>
+              <a:buChar char="•"/>
+              <a:defRPr sz="2000" kern="1200">
+                <a:solidFill>
+                  <a:schemeClr val="tx1"/>
+                </a:solidFill>
+                <a:latin typeface="+mn-lt"/>
+                <a:ea typeface="+mn-ea"/>
+                <a:cs typeface="+mn-cs"/>
+              </a:defRPr>
+            </a:lvl6pPr>
+            <a:lvl7pPr marL="2971800" indent="-228600" algn="l" defTabSz="914400" rtl="0" eaLnBrk="1" latinLnBrk="0" hangingPunct="1">
+              <a:spcBef>
+                <a:spcPct val="20000"/>
+              </a:spcBef>
+              <a:buFont typeface="Arial" panose="020B0604020202020204" pitchFamily="34" charset="0"/>
+              <a:buChar char="•"/>
+              <a:defRPr sz="2000" kern="1200">
+                <a:solidFill>
+                  <a:schemeClr val="tx1"/>
+                </a:solidFill>
+                <a:latin typeface="+mn-lt"/>
+                <a:ea typeface="+mn-ea"/>
+                <a:cs typeface="+mn-cs"/>
+              </a:defRPr>
+            </a:lvl7pPr>
+            <a:lvl8pPr marL="3429000" indent="-228600" algn="l" defTabSz="914400" rtl="0" eaLnBrk="1" latinLnBrk="0" hangingPunct="1">
+              <a:spcBef>
+                <a:spcPct val="20000"/>
+              </a:spcBef>
+              <a:buFont typeface="Arial" panose="020B0604020202020204" pitchFamily="34" charset="0"/>
+              <a:buChar char="•"/>
+              <a:defRPr sz="2000" kern="1200">
+                <a:solidFill>
+                  <a:schemeClr val="tx1"/>
+                </a:solidFill>
+                <a:latin typeface="+mn-lt"/>
+                <a:ea typeface="+mn-ea"/>
+                <a:cs typeface="+mn-cs"/>
+              </a:defRPr>
+            </a:lvl8pPr>
+            <a:lvl9pPr marL="3886200" indent="-228600" algn="l" defTabSz="914400" rtl="0" eaLnBrk="1" latinLnBrk="0" hangingPunct="1">
+              <a:spcBef>
+                <a:spcPct val="20000"/>
+              </a:spcBef>
+              <a:buFont typeface="Arial" panose="020B0604020202020204" pitchFamily="34" charset="0"/>
+              <a:buChar char="•"/>
+              <a:defRPr sz="2000" kern="1200">
+                <a:solidFill>
+                  <a:schemeClr val="tx1"/>
+                </a:solidFill>
+                <a:latin typeface="+mn-lt"/>
+                <a:ea typeface="+mn-ea"/>
+                <a:cs typeface="+mn-cs"/>
+              </a:defRPr>
+            </a:lvl9pPr>
+          </a:lstStyle>
+          <a:p>
+            <a:pPr marL="0" indent="0">
+              <a:buNone/>
+            </a:pPr>
+            <a:r>
+              <a:rPr lang="fr-FR" sz="3733" dirty="0" err="1">
+                <a:solidFill>
+                  <a:schemeClr val="bg1"/>
+                </a:solidFill>
+              </a:rPr>
+              <a:t>Algorithm</a:t>
+            </a:r>
+            <a:r>
+              <a:rPr lang="fr-FR" sz="3733" dirty="0">
+                <a:solidFill>
+                  <a:schemeClr val="bg1"/>
+                </a:solidFill>
+              </a:rPr>
+              <a:t>: Lasso </a:t>
+            </a:r>
+            <a:r>
+              <a:rPr lang="fr-FR" sz="3733" dirty="0" err="1">
+                <a:solidFill>
+                  <a:schemeClr val="bg1"/>
+                </a:solidFill>
+              </a:rPr>
+              <a:t>regression</a:t>
+            </a:r>
+            <a:endParaRPr lang="fr-FR" sz="3733" dirty="0">
+              <a:solidFill>
+                <a:schemeClr val="bg1"/>
+              </a:solidFill>
+            </a:endParaRPr>
+          </a:p>
+        </p:txBody>
+      </p:sp>
+    </p:spTree>
+    <p:extLst>
+      <p:ext uri="{BB962C8B-B14F-4D97-AF65-F5344CB8AC3E}">
+        <p14:creationId xmlns:p14="http://schemas.microsoft.com/office/powerpoint/2010/main" val="4247019543"/>
       </p:ext>
     </p:extLst>
   </p:cSld>
@@ -15805,6 +16816,4614 @@
     <p:extLst>
       <p:ext uri="{BB962C8B-B14F-4D97-AF65-F5344CB8AC3E}">
         <p14:creationId xmlns:p14="http://schemas.microsoft.com/office/powerpoint/2010/main" val="4124421368"/>
+      </p:ext>
+    </p:extLst>
+  </p:cSld>
+  <p:clrMapOvr>
+    <a:masterClrMapping/>
+  </p:clrMapOvr>
+</p:sld>
+</file>
+
+<file path=ppt/slides/slide30.xml><?xml version="1.0" encoding="utf-8"?>
+<p:sld xmlns:a="http://schemas.openxmlformats.org/drawingml/2006/main" xmlns:r="http://schemas.openxmlformats.org/officeDocument/2006/relationships" xmlns:p="http://schemas.openxmlformats.org/presentationml/2006/main">
+  <p:cSld>
+    <p:spTree>
+      <p:nvGrpSpPr>
+        <p:cNvPr id="1" name=""/>
+        <p:cNvGrpSpPr/>
+        <p:nvPr/>
+      </p:nvGrpSpPr>
+      <p:grpSpPr>
+        <a:xfrm>
+          <a:off x="0" y="0"/>
+          <a:ext cx="0" cy="0"/>
+          <a:chOff x="0" y="0"/>
+          <a:chExt cx="0" cy="0"/>
+        </a:xfrm>
+      </p:grpSpPr>
+      <p:sp>
+        <p:nvSpPr>
+          <p:cNvPr id="2" name="Titre 1"/>
+          <p:cNvSpPr>
+            <a:spLocks noGrp="1"/>
+          </p:cNvSpPr>
+          <p:nvPr>
+            <p:ph type="title"/>
+          </p:nvPr>
+        </p:nvSpPr>
+        <p:spPr>
+          <a:xfrm>
+            <a:off x="609600" y="0"/>
+            <a:ext cx="10972800" cy="1143000"/>
+          </a:xfrm>
+        </p:spPr>
+        <p:txBody>
+          <a:bodyPr/>
+          <a:lstStyle/>
+          <a:p>
+            <a:r>
+              <a:rPr lang="fr-FR" dirty="0"/>
+              <a:t>Ridge </a:t>
+            </a:r>
+            <a:r>
+              <a:rPr lang="fr-FR" dirty="0" err="1"/>
+              <a:t>regression</a:t>
+            </a:r>
+            <a:r>
+              <a:rPr lang="fr-FR" dirty="0"/>
+              <a:t>: L</a:t>
+            </a:r>
+            <a:r>
+              <a:rPr lang="fr-FR" baseline="-25000" dirty="0"/>
+              <a:t>2 </a:t>
+            </a:r>
+            <a:r>
+              <a:rPr lang="fr-FR" dirty="0" err="1"/>
+              <a:t>regularized</a:t>
+            </a:r>
+            <a:r>
+              <a:rPr lang="fr-FR" dirty="0"/>
+              <a:t> </a:t>
+            </a:r>
+            <a:r>
+              <a:rPr lang="fr-FR" dirty="0" err="1"/>
+              <a:t>regression</a:t>
+            </a:r>
+            <a:endParaRPr lang="fr-FR" dirty="0"/>
+          </a:p>
+        </p:txBody>
+      </p:sp>
+      <p:grpSp>
+        <p:nvGrpSpPr>
+          <p:cNvPr id="25" name="Groupe 11">
+            <a:extLst>
+              <a:ext uri="{FF2B5EF4-FFF2-40B4-BE49-F238E27FC236}">
+                <a16:creationId xmlns:a16="http://schemas.microsoft.com/office/drawing/2014/main" id="{74176E09-9AA5-0241-BEA5-B948101EEBBF}"/>
+              </a:ext>
+            </a:extLst>
+          </p:cNvPr>
+          <p:cNvGrpSpPr/>
+          <p:nvPr/>
+        </p:nvGrpSpPr>
+        <p:grpSpPr>
+          <a:xfrm>
+            <a:off x="-13856" y="6214952"/>
+            <a:ext cx="12205855" cy="643054"/>
+            <a:chOff x="0" y="4661210"/>
+            <a:chExt cx="9144000" cy="482290"/>
+          </a:xfrm>
+        </p:grpSpPr>
+        <p:sp>
+          <p:nvSpPr>
+            <p:cNvPr id="26" name="Rectangle 25">
+              <a:extLst>
+                <a:ext uri="{FF2B5EF4-FFF2-40B4-BE49-F238E27FC236}">
+                  <a16:creationId xmlns:a16="http://schemas.microsoft.com/office/drawing/2014/main" id="{301A1338-074F-F444-A2E0-000D4375D974}"/>
+                </a:ext>
+              </a:extLst>
+            </p:cNvPr>
+            <p:cNvSpPr/>
+            <p:nvPr/>
+          </p:nvSpPr>
+          <p:spPr>
+            <a:xfrm>
+              <a:off x="0" y="4661210"/>
+              <a:ext cx="9144000" cy="482290"/>
+            </a:xfrm>
+            <a:prstGeom prst="rect">
+              <a:avLst/>
+            </a:prstGeom>
+            <a:solidFill>
+              <a:schemeClr val="tx1">
+                <a:lumMod val="65000"/>
+                <a:lumOff val="35000"/>
+              </a:schemeClr>
+            </a:solidFill>
+            <a:ln>
+              <a:solidFill>
+                <a:schemeClr val="tx1">
+                  <a:lumMod val="65000"/>
+                  <a:lumOff val="35000"/>
+                </a:schemeClr>
+              </a:solidFill>
+            </a:ln>
+          </p:spPr>
+          <p:style>
+            <a:lnRef idx="2">
+              <a:schemeClr val="dk1">
+                <a:shade val="50000"/>
+              </a:schemeClr>
+            </a:lnRef>
+            <a:fillRef idx="1">
+              <a:schemeClr val="dk1"/>
+            </a:fillRef>
+            <a:effectRef idx="0">
+              <a:schemeClr val="dk1"/>
+            </a:effectRef>
+            <a:fontRef idx="minor">
+              <a:schemeClr val="lt1"/>
+            </a:fontRef>
+          </p:style>
+          <p:txBody>
+            <a:bodyPr rtlCol="0" anchor="ctr"/>
+            <a:lstStyle/>
+            <a:p>
+              <a:pPr algn="ctr"/>
+              <a:endParaRPr lang="fr-FR" sz="2400"/>
+            </a:p>
+          </p:txBody>
+        </p:sp>
+        <p:sp>
+          <p:nvSpPr>
+            <p:cNvPr id="27" name="ZoneTexte 10">
+              <a:extLst>
+                <a:ext uri="{FF2B5EF4-FFF2-40B4-BE49-F238E27FC236}">
+                  <a16:creationId xmlns:a16="http://schemas.microsoft.com/office/drawing/2014/main" id="{D46FE952-5588-3B45-BA19-AFA5BAE79FC2}"/>
+                </a:ext>
+              </a:extLst>
+            </p:cNvPr>
+            <p:cNvSpPr txBox="1"/>
+            <p:nvPr/>
+          </p:nvSpPr>
+          <p:spPr>
+            <a:xfrm>
+              <a:off x="179512" y="4753476"/>
+              <a:ext cx="2304256" cy="315423"/>
+            </a:xfrm>
+            <a:prstGeom prst="rect">
+              <a:avLst/>
+            </a:prstGeom>
+            <a:noFill/>
+            <a:ln>
+              <a:solidFill>
+                <a:schemeClr val="tx1">
+                  <a:lumMod val="65000"/>
+                  <a:lumOff val="35000"/>
+                </a:schemeClr>
+              </a:solidFill>
+            </a:ln>
+          </p:spPr>
+          <p:txBody>
+            <a:bodyPr wrap="square" rtlCol="0">
+              <a:spAutoFit/>
+            </a:bodyPr>
+            <a:lstStyle/>
+            <a:p>
+              <a:r>
+                <a:rPr lang="fr-FR" sz="2133" dirty="0">
+                  <a:solidFill>
+                    <a:schemeClr val="bg1"/>
+                  </a:solidFill>
+                </a:rPr>
+                <a:t>Sprint 1 - </a:t>
+              </a:r>
+              <a:r>
+                <a:rPr lang="fr-FR" sz="2133" dirty="0" err="1">
+                  <a:solidFill>
+                    <a:schemeClr val="bg1"/>
+                  </a:solidFill>
+                </a:rPr>
+                <a:t>Regression</a:t>
+              </a:r>
+              <a:endParaRPr lang="fr-FR" sz="2133" dirty="0">
+                <a:solidFill>
+                  <a:schemeClr val="bg1"/>
+                </a:solidFill>
+              </a:endParaRPr>
+            </a:p>
+          </p:txBody>
+        </p:sp>
+      </p:grpSp>
+      <mc:AlternateContent xmlns:mc="http://schemas.openxmlformats.org/markup-compatibility/2006">
+        <mc:Choice xmlns:a14="http://schemas.microsoft.com/office/drawing/2010/main" Requires="a14">
+          <p:sp>
+            <p:nvSpPr>
+              <p:cNvPr id="7" name="TextBox 6">
+                <a:extLst>
+                  <a:ext uri="{FF2B5EF4-FFF2-40B4-BE49-F238E27FC236}">
+                    <a16:creationId xmlns:a16="http://schemas.microsoft.com/office/drawing/2014/main" id="{D2D2926A-7AFD-3C4B-82BE-1085A7876967}"/>
+                  </a:ext>
+                </a:extLst>
+              </p:cNvPr>
+              <p:cNvSpPr txBox="1"/>
+              <p:nvPr/>
+            </p:nvSpPr>
+            <p:spPr>
+              <a:xfrm>
+                <a:off x="893618" y="1385454"/>
+                <a:ext cx="10404764" cy="1026435"/>
+              </a:xfrm>
+              <a:prstGeom prst="rect">
+                <a:avLst/>
+              </a:prstGeom>
+              <a:noFill/>
+            </p:spPr>
+            <p:txBody>
+              <a:bodyPr wrap="square" rtlCol="0">
+                <a:spAutoFit/>
+              </a:bodyPr>
+              <a:lstStyle/>
+              <a:p>
+                <a:r>
+                  <a:rPr lang="en-US" sz="2800" dirty="0"/>
+                  <a:t>Total cost = </a:t>
+                </a:r>
+                <a:r>
+                  <a:rPr lang="en-US" sz="2800" dirty="0">
+                    <a:solidFill>
+                      <a:schemeClr val="accent5"/>
+                    </a:solidFill>
+                  </a:rPr>
+                  <a:t>measure of fit </a:t>
+                </a:r>
+                <a:r>
+                  <a:rPr lang="en-US" sz="2800" dirty="0"/>
+                  <a:t>+ </a:t>
+                </a:r>
+                <a:r>
+                  <a:rPr lang="en-US" sz="2800" dirty="0">
+                    <a:solidFill>
+                      <a:schemeClr val="accent2"/>
+                    </a:solidFill>
+                  </a:rPr>
+                  <a:t>measure of magnitude of coefficients</a:t>
+                </a:r>
+              </a:p>
+              <a:p>
+                <a:r>
+                  <a:rPr lang="en-US" sz="2800" dirty="0"/>
+                  <a:t>Total cost = </a:t>
+                </a:r>
+                <a:r>
+                  <a:rPr lang="en-US" sz="2800" dirty="0">
+                    <a:solidFill>
+                      <a:schemeClr val="accent5"/>
+                    </a:solidFill>
+                  </a:rPr>
+                  <a:t>RSS(w) </a:t>
+                </a:r>
+                <a:r>
+                  <a:rPr lang="en-US" sz="2800" dirty="0"/>
+                  <a:t>+ </a:t>
+                </a:r>
+                <a:r>
+                  <a:rPr lang="en-US" sz="2800" dirty="0" err="1"/>
+                  <a:t>ƛ</a:t>
+                </a:r>
+                <a:r>
+                  <a:rPr lang="en-US" sz="2800" dirty="0">
+                    <a:solidFill>
+                      <a:schemeClr val="accent2"/>
+                    </a:solidFill>
+                  </a:rPr>
+                  <a:t> </a:t>
+                </a:r>
+                <a14:m>
+                  <m:oMath xmlns:m="http://schemas.openxmlformats.org/officeDocument/2006/math">
+                    <m:nary>
+                      <m:naryPr>
+                        <m:chr m:val="∑"/>
+                        <m:ctrlPr>
+                          <a:rPr lang="en-US" sz="2800" i="1">
+                            <a:solidFill>
+                              <a:schemeClr val="accent2"/>
+                            </a:solidFill>
+                            <a:latin typeface="Cambria Math" panose="02040503050406030204" pitchFamily="18" charset="0"/>
+                          </a:rPr>
+                        </m:ctrlPr>
+                      </m:naryPr>
+                      <m:sub>
+                        <m:r>
+                          <m:rPr>
+                            <m:brk m:alnAt="23"/>
+                          </m:rPr>
+                          <a:rPr lang="fr-FR" sz="2800" i="1">
+                            <a:solidFill>
+                              <a:schemeClr val="accent2"/>
+                            </a:solidFill>
+                            <a:latin typeface="Cambria Math" panose="02040503050406030204" pitchFamily="18" charset="0"/>
+                          </a:rPr>
+                          <m:t>𝑗</m:t>
+                        </m:r>
+                        <m:r>
+                          <a:rPr lang="fr-FR" sz="2800" i="1">
+                            <a:solidFill>
+                              <a:schemeClr val="accent2"/>
+                            </a:solidFill>
+                            <a:latin typeface="Cambria Math" panose="02040503050406030204" pitchFamily="18" charset="0"/>
+                          </a:rPr>
+                          <m:t>=0</m:t>
+                        </m:r>
+                      </m:sub>
+                      <m:sup>
+                        <m:r>
+                          <a:rPr lang="fr-FR" sz="2800" i="1">
+                            <a:solidFill>
+                              <a:schemeClr val="accent2"/>
+                            </a:solidFill>
+                            <a:latin typeface="Cambria Math" panose="02040503050406030204" pitchFamily="18" charset="0"/>
+                          </a:rPr>
+                          <m:t>𝐷</m:t>
+                        </m:r>
+                      </m:sup>
+                      <m:e>
+                        <m:r>
+                          <a:rPr lang="fr-FR" sz="2800" i="1">
+                            <a:solidFill>
+                              <a:schemeClr val="accent2"/>
+                            </a:solidFill>
+                            <a:latin typeface="Cambria Math" panose="02040503050406030204" pitchFamily="18" charset="0"/>
+                          </a:rPr>
+                          <m:t>𝑤</m:t>
+                        </m:r>
+                        <m:r>
+                          <a:rPr lang="fr-FR" sz="2800" i="1" baseline="-25000">
+                            <a:solidFill>
+                              <a:schemeClr val="accent2"/>
+                            </a:solidFill>
+                            <a:latin typeface="Cambria Math" panose="02040503050406030204" pitchFamily="18" charset="0"/>
+                          </a:rPr>
+                          <m:t>𝑗</m:t>
+                        </m:r>
+                        <m:r>
+                          <a:rPr lang="fr-FR" sz="2800" i="1" baseline="30000">
+                            <a:solidFill>
+                              <a:schemeClr val="accent2"/>
+                            </a:solidFill>
+                            <a:latin typeface="Cambria Math" panose="02040503050406030204" pitchFamily="18" charset="0"/>
+                          </a:rPr>
+                          <m:t>2</m:t>
+                        </m:r>
+                      </m:e>
+                    </m:nary>
+                  </m:oMath>
+                </a14:m>
+                <a:endParaRPr lang="en-US" sz="2800" dirty="0">
+                  <a:solidFill>
+                    <a:schemeClr val="accent2"/>
+                  </a:solidFill>
+                </a:endParaRPr>
+              </a:p>
+            </p:txBody>
+          </p:sp>
+        </mc:Choice>
+        <mc:Fallback>
+          <p:sp>
+            <p:nvSpPr>
+              <p:cNvPr id="7" name="TextBox 6">
+                <a:extLst>
+                  <a:ext uri="{FF2B5EF4-FFF2-40B4-BE49-F238E27FC236}">
+                    <a16:creationId xmlns:a16="http://schemas.microsoft.com/office/drawing/2014/main" id="{D2D2926A-7AFD-3C4B-82BE-1085A7876967}"/>
+                  </a:ext>
+                </a:extLst>
+              </p:cNvPr>
+              <p:cNvSpPr txBox="1">
+                <a:spLocks noRot="1" noChangeAspect="1" noMove="1" noResize="1" noEditPoints="1" noAdjustHandles="1" noChangeArrowheads="1" noChangeShapeType="1" noTextEdit="1"/>
+              </p:cNvSpPr>
+              <p:nvPr/>
+            </p:nvSpPr>
+            <p:spPr>
+              <a:xfrm>
+                <a:off x="893618" y="1385454"/>
+                <a:ext cx="10404764" cy="1026435"/>
+              </a:xfrm>
+              <a:prstGeom prst="rect">
+                <a:avLst/>
+              </a:prstGeom>
+              <a:blipFill>
+                <a:blip r:embed="rId2"/>
+                <a:stretch>
+                  <a:fillRect l="-1096" t="-20732" b="-92683"/>
+                </a:stretch>
+              </a:blipFill>
+            </p:spPr>
+            <p:txBody>
+              <a:bodyPr/>
+              <a:lstStyle/>
+              <a:p>
+                <a:r>
+                  <a:rPr lang="en-US">
+                    <a:noFill/>
+                  </a:rPr>
+                  <a:t> </a:t>
+                </a:r>
+              </a:p>
+            </p:txBody>
+          </p:sp>
+        </mc:Fallback>
+      </mc:AlternateContent>
+      <p:sp>
+        <p:nvSpPr>
+          <p:cNvPr id="4" name="TextBox 3">
+            <a:extLst>
+              <a:ext uri="{FF2B5EF4-FFF2-40B4-BE49-F238E27FC236}">
+                <a16:creationId xmlns:a16="http://schemas.microsoft.com/office/drawing/2014/main" id="{68507F57-A367-7942-830E-C31B8E4D73A1}"/>
+              </a:ext>
+            </a:extLst>
+          </p:cNvPr>
+          <p:cNvSpPr txBox="1"/>
+          <p:nvPr/>
+        </p:nvSpPr>
+        <p:spPr>
+          <a:xfrm>
+            <a:off x="2798618" y="2951946"/>
+            <a:ext cx="6206836" cy="954107"/>
+          </a:xfrm>
+          <a:prstGeom prst="rect">
+            <a:avLst/>
+          </a:prstGeom>
+        </p:spPr>
+        <p:style>
+          <a:lnRef idx="2">
+            <a:schemeClr val="accent2"/>
+          </a:lnRef>
+          <a:fillRef idx="1">
+            <a:schemeClr val="lt1"/>
+          </a:fillRef>
+          <a:effectRef idx="0">
+            <a:schemeClr val="accent2"/>
+          </a:effectRef>
+          <a:fontRef idx="minor">
+            <a:schemeClr val="dk1"/>
+          </a:fontRef>
+        </p:style>
+        <p:txBody>
+          <a:bodyPr wrap="square" rtlCol="0">
+            <a:spAutoFit/>
+          </a:bodyPr>
+          <a:lstStyle/>
+          <a:p>
+            <a:pPr algn="ctr"/>
+            <a:r>
+              <a:rPr lang="en-US" sz="2800" dirty="0"/>
+              <a:t>Encourage small weights w </a:t>
+            </a:r>
+          </a:p>
+          <a:p>
+            <a:pPr algn="ctr"/>
+            <a:r>
+              <a:rPr lang="en-US" sz="2800" i="1" dirty="0"/>
+              <a:t>But not exactly 0 </a:t>
+            </a:r>
+            <a:r>
+              <a:rPr lang="en-US" sz="2800" dirty="0"/>
+              <a:t>!</a:t>
+            </a:r>
+          </a:p>
+        </p:txBody>
+      </p:sp>
+      <p:cxnSp>
+        <p:nvCxnSpPr>
+          <p:cNvPr id="6" name="Straight Arrow Connector 5">
+            <a:extLst>
+              <a:ext uri="{FF2B5EF4-FFF2-40B4-BE49-F238E27FC236}">
+                <a16:creationId xmlns:a16="http://schemas.microsoft.com/office/drawing/2014/main" id="{20302609-3C66-044C-A6EF-633F4A64C6C8}"/>
+              </a:ext>
+            </a:extLst>
+          </p:cNvPr>
+          <p:cNvCxnSpPr>
+            <a:cxnSpLocks/>
+          </p:cNvCxnSpPr>
+          <p:nvPr/>
+        </p:nvCxnSpPr>
+        <p:spPr>
+          <a:xfrm flipV="1">
+            <a:off x="775855" y="4281056"/>
+            <a:ext cx="0" cy="1759526"/>
+          </a:xfrm>
+          <a:prstGeom prst="straightConnector1">
+            <a:avLst/>
+          </a:prstGeom>
+          <a:ln>
+            <a:tailEnd type="triangle"/>
+          </a:ln>
+        </p:spPr>
+        <p:style>
+          <a:lnRef idx="1">
+            <a:schemeClr val="accent1"/>
+          </a:lnRef>
+          <a:fillRef idx="0">
+            <a:schemeClr val="accent1"/>
+          </a:fillRef>
+          <a:effectRef idx="0">
+            <a:schemeClr val="accent1"/>
+          </a:effectRef>
+          <a:fontRef idx="minor">
+            <a:schemeClr val="tx1"/>
+          </a:fontRef>
+        </p:style>
+      </p:cxnSp>
+      <p:cxnSp>
+        <p:nvCxnSpPr>
+          <p:cNvPr id="9" name="Straight Arrow Connector 8">
+            <a:extLst>
+              <a:ext uri="{FF2B5EF4-FFF2-40B4-BE49-F238E27FC236}">
+                <a16:creationId xmlns:a16="http://schemas.microsoft.com/office/drawing/2014/main" id="{3A494D79-CA40-FC40-A5C9-3047D1376573}"/>
+              </a:ext>
+            </a:extLst>
+          </p:cNvPr>
+          <p:cNvCxnSpPr>
+            <a:cxnSpLocks/>
+          </p:cNvCxnSpPr>
+          <p:nvPr/>
+        </p:nvCxnSpPr>
+        <p:spPr>
+          <a:xfrm>
+            <a:off x="789709" y="5320146"/>
+            <a:ext cx="4710545" cy="0"/>
+          </a:xfrm>
+          <a:prstGeom prst="straightConnector1">
+            <a:avLst/>
+          </a:prstGeom>
+          <a:ln>
+            <a:tailEnd type="triangle"/>
+          </a:ln>
+        </p:spPr>
+        <p:style>
+          <a:lnRef idx="1">
+            <a:schemeClr val="accent1"/>
+          </a:lnRef>
+          <a:fillRef idx="0">
+            <a:schemeClr val="accent1"/>
+          </a:fillRef>
+          <a:effectRef idx="0">
+            <a:schemeClr val="accent1"/>
+          </a:effectRef>
+          <a:fontRef idx="minor">
+            <a:schemeClr val="tx1"/>
+          </a:fontRef>
+        </p:style>
+      </p:cxnSp>
+      <p:sp>
+        <p:nvSpPr>
+          <p:cNvPr id="10" name="TextBox 9">
+            <a:extLst>
+              <a:ext uri="{FF2B5EF4-FFF2-40B4-BE49-F238E27FC236}">
+                <a16:creationId xmlns:a16="http://schemas.microsoft.com/office/drawing/2014/main" id="{A73B7ECC-0112-3B4A-83B7-66F7251A1B6D}"/>
+              </a:ext>
+            </a:extLst>
+          </p:cNvPr>
+          <p:cNvSpPr txBox="1"/>
+          <p:nvPr/>
+        </p:nvSpPr>
+        <p:spPr>
+          <a:xfrm>
+            <a:off x="5417128" y="5791200"/>
+            <a:ext cx="401782" cy="369332"/>
+          </a:xfrm>
+          <a:prstGeom prst="rect">
+            <a:avLst/>
+          </a:prstGeom>
+          <a:noFill/>
+        </p:spPr>
+        <p:txBody>
+          <a:bodyPr wrap="square" rtlCol="0">
+            <a:spAutoFit/>
+          </a:bodyPr>
+          <a:lstStyle/>
+          <a:p>
+            <a:r>
+              <a:rPr lang="en-US" dirty="0"/>
+              <a:t> </a:t>
+            </a:r>
+            <a:r>
+              <a:rPr lang="en-US" dirty="0" err="1"/>
+              <a:t>ƛ</a:t>
+            </a:r>
+            <a:r>
+              <a:rPr lang="en-US" dirty="0">
+                <a:solidFill>
+                  <a:schemeClr val="accent2"/>
+                </a:solidFill>
+              </a:rPr>
+              <a:t> </a:t>
+            </a:r>
+            <a:endParaRPr lang="en-US" dirty="0"/>
+          </a:p>
+        </p:txBody>
+      </p:sp>
+      <p:sp>
+        <p:nvSpPr>
+          <p:cNvPr id="14" name="TextBox 13">
+            <a:extLst>
+              <a:ext uri="{FF2B5EF4-FFF2-40B4-BE49-F238E27FC236}">
+                <a16:creationId xmlns:a16="http://schemas.microsoft.com/office/drawing/2014/main" id="{A72E1C14-C351-BC4E-AC6A-5C438D118CAB}"/>
+              </a:ext>
+            </a:extLst>
+          </p:cNvPr>
+          <p:cNvSpPr txBox="1"/>
+          <p:nvPr/>
+        </p:nvSpPr>
+        <p:spPr>
+          <a:xfrm rot="16200000">
+            <a:off x="123482" y="4088299"/>
+            <a:ext cx="399367" cy="646331"/>
+          </a:xfrm>
+          <a:prstGeom prst="rect">
+            <a:avLst/>
+          </a:prstGeom>
+          <a:noFill/>
+        </p:spPr>
+        <p:txBody>
+          <a:bodyPr wrap="square" rtlCol="0">
+            <a:spAutoFit/>
+          </a:bodyPr>
+          <a:lstStyle/>
+          <a:p>
+            <a:r>
+              <a:rPr lang="en-US" dirty="0"/>
+              <a:t> </a:t>
+            </a:r>
+            <a:r>
+              <a:rPr lang="en-US" dirty="0" err="1"/>
+              <a:t>w</a:t>
+            </a:r>
+            <a:r>
+              <a:rPr lang="en-US" baseline="-25000" dirty="0" err="1"/>
+              <a:t>j</a:t>
+            </a:r>
+            <a:r>
+              <a:rPr lang="en-US" dirty="0">
+                <a:solidFill>
+                  <a:schemeClr val="accent2"/>
+                </a:solidFill>
+              </a:rPr>
+              <a:t> </a:t>
+            </a:r>
+            <a:endParaRPr lang="en-US" dirty="0"/>
+          </a:p>
+        </p:txBody>
+      </p:sp>
+      <p:sp>
+        <p:nvSpPr>
+          <p:cNvPr id="17" name="TextBox 16">
+            <a:extLst>
+              <a:ext uri="{FF2B5EF4-FFF2-40B4-BE49-F238E27FC236}">
+                <a16:creationId xmlns:a16="http://schemas.microsoft.com/office/drawing/2014/main" id="{4DAE7269-3D7C-A74A-A7E5-168D91C4C487}"/>
+              </a:ext>
+            </a:extLst>
+          </p:cNvPr>
+          <p:cNvSpPr txBox="1"/>
+          <p:nvPr/>
+        </p:nvSpPr>
+        <p:spPr>
+          <a:xfrm>
+            <a:off x="400573" y="5141198"/>
+            <a:ext cx="399367" cy="369332"/>
+          </a:xfrm>
+          <a:prstGeom prst="rect">
+            <a:avLst/>
+          </a:prstGeom>
+          <a:noFill/>
+        </p:spPr>
+        <p:txBody>
+          <a:bodyPr wrap="square" rtlCol="0">
+            <a:spAutoFit/>
+          </a:bodyPr>
+          <a:lstStyle/>
+          <a:p>
+            <a:r>
+              <a:rPr lang="en-US" dirty="0"/>
+              <a:t> 0</a:t>
+            </a:r>
+          </a:p>
+        </p:txBody>
+      </p:sp>
+      <p:sp>
+        <p:nvSpPr>
+          <p:cNvPr id="13" name="Freeform 12">
+            <a:extLst>
+              <a:ext uri="{FF2B5EF4-FFF2-40B4-BE49-F238E27FC236}">
+                <a16:creationId xmlns:a16="http://schemas.microsoft.com/office/drawing/2014/main" id="{19EEB0B3-CFF0-BA42-A050-7CDCAC15AA6B}"/>
+              </a:ext>
+            </a:extLst>
+          </p:cNvPr>
+          <p:cNvSpPr/>
+          <p:nvPr/>
+        </p:nvSpPr>
+        <p:spPr>
+          <a:xfrm>
+            <a:off x="831273" y="5375564"/>
+            <a:ext cx="4627418" cy="623454"/>
+          </a:xfrm>
+          <a:custGeom>
+            <a:avLst/>
+            <a:gdLst>
+              <a:gd name="connsiteX0" fmla="*/ 0 w 4627418"/>
+              <a:gd name="connsiteY0" fmla="*/ 623454 h 623454"/>
+              <a:gd name="connsiteX1" fmla="*/ 277091 w 4627418"/>
+              <a:gd name="connsiteY1" fmla="*/ 152400 h 623454"/>
+              <a:gd name="connsiteX2" fmla="*/ 1108363 w 4627418"/>
+              <a:gd name="connsiteY2" fmla="*/ 55418 h 623454"/>
+              <a:gd name="connsiteX3" fmla="*/ 4599709 w 4627418"/>
+              <a:gd name="connsiteY3" fmla="*/ 13854 h 623454"/>
+              <a:gd name="connsiteX4" fmla="*/ 4599709 w 4627418"/>
+              <a:gd name="connsiteY4" fmla="*/ 13854 h 623454"/>
+              <a:gd name="connsiteX5" fmla="*/ 4627418 w 4627418"/>
+              <a:gd name="connsiteY5" fmla="*/ 0 h 623454"/>
+            </a:gdLst>
+            <a:ahLst/>
+            <a:cxnLst>
+              <a:cxn ang="0">
+                <a:pos x="connsiteX0" y="connsiteY0"/>
+              </a:cxn>
+              <a:cxn ang="0">
+                <a:pos x="connsiteX1" y="connsiteY1"/>
+              </a:cxn>
+              <a:cxn ang="0">
+                <a:pos x="connsiteX2" y="connsiteY2"/>
+              </a:cxn>
+              <a:cxn ang="0">
+                <a:pos x="connsiteX3" y="connsiteY3"/>
+              </a:cxn>
+              <a:cxn ang="0">
+                <a:pos x="connsiteX4" y="connsiteY4"/>
+              </a:cxn>
+              <a:cxn ang="0">
+                <a:pos x="connsiteX5" y="connsiteY5"/>
+              </a:cxn>
+            </a:cxnLst>
+            <a:rect l="l" t="t" r="r" b="b"/>
+            <a:pathLst>
+              <a:path w="4627418" h="623454">
+                <a:moveTo>
+                  <a:pt x="0" y="623454"/>
+                </a:moveTo>
+                <a:cubicBezTo>
+                  <a:pt x="46182" y="435263"/>
+                  <a:pt x="92364" y="247073"/>
+                  <a:pt x="277091" y="152400"/>
+                </a:cubicBezTo>
+                <a:cubicBezTo>
+                  <a:pt x="461818" y="57727"/>
+                  <a:pt x="387927" y="78509"/>
+                  <a:pt x="1108363" y="55418"/>
+                </a:cubicBezTo>
+                <a:cubicBezTo>
+                  <a:pt x="1828799" y="32327"/>
+                  <a:pt x="4599709" y="13854"/>
+                  <a:pt x="4599709" y="13854"/>
+                </a:cubicBezTo>
+                <a:lnTo>
+                  <a:pt x="4599709" y="13854"/>
+                </a:lnTo>
+                <a:lnTo>
+                  <a:pt x="4627418" y="0"/>
+                </a:lnTo>
+              </a:path>
+            </a:pathLst>
+          </a:custGeom>
+        </p:spPr>
+        <p:style>
+          <a:lnRef idx="1">
+            <a:schemeClr val="accent3"/>
+          </a:lnRef>
+          <a:fillRef idx="0">
+            <a:schemeClr val="accent3"/>
+          </a:fillRef>
+          <a:effectRef idx="0">
+            <a:schemeClr val="accent3"/>
+          </a:effectRef>
+          <a:fontRef idx="minor">
+            <a:schemeClr val="tx1"/>
+          </a:fontRef>
+        </p:style>
+        <p:txBody>
+          <a:bodyPr rtlCol="0" anchor="ctr"/>
+          <a:lstStyle/>
+          <a:p>
+            <a:pPr algn="ctr"/>
+            <a:endParaRPr lang="en-US"/>
+          </a:p>
+        </p:txBody>
+      </p:sp>
+      <p:sp>
+        <p:nvSpPr>
+          <p:cNvPr id="15" name="Freeform 14">
+            <a:extLst>
+              <a:ext uri="{FF2B5EF4-FFF2-40B4-BE49-F238E27FC236}">
+                <a16:creationId xmlns:a16="http://schemas.microsoft.com/office/drawing/2014/main" id="{22003FCF-2675-5341-8EA2-CC1C7A2E5786}"/>
+              </a:ext>
+            </a:extLst>
+          </p:cNvPr>
+          <p:cNvSpPr/>
+          <p:nvPr/>
+        </p:nvSpPr>
+        <p:spPr>
+          <a:xfrm>
+            <a:off x="831273" y="4502727"/>
+            <a:ext cx="4475018" cy="637309"/>
+          </a:xfrm>
+          <a:custGeom>
+            <a:avLst/>
+            <a:gdLst>
+              <a:gd name="connsiteX0" fmla="*/ 0 w 4475018"/>
+              <a:gd name="connsiteY0" fmla="*/ 0 h 637309"/>
+              <a:gd name="connsiteX1" fmla="*/ 609600 w 4475018"/>
+              <a:gd name="connsiteY1" fmla="*/ 526473 h 637309"/>
+              <a:gd name="connsiteX2" fmla="*/ 2410691 w 4475018"/>
+              <a:gd name="connsiteY2" fmla="*/ 609600 h 637309"/>
+              <a:gd name="connsiteX3" fmla="*/ 4475018 w 4475018"/>
+              <a:gd name="connsiteY3" fmla="*/ 637309 h 637309"/>
+            </a:gdLst>
+            <a:ahLst/>
+            <a:cxnLst>
+              <a:cxn ang="0">
+                <a:pos x="connsiteX0" y="connsiteY0"/>
+              </a:cxn>
+              <a:cxn ang="0">
+                <a:pos x="connsiteX1" y="connsiteY1"/>
+              </a:cxn>
+              <a:cxn ang="0">
+                <a:pos x="connsiteX2" y="connsiteY2"/>
+              </a:cxn>
+              <a:cxn ang="0">
+                <a:pos x="connsiteX3" y="connsiteY3"/>
+              </a:cxn>
+            </a:cxnLst>
+            <a:rect l="l" t="t" r="r" b="b"/>
+            <a:pathLst>
+              <a:path w="4475018" h="637309">
+                <a:moveTo>
+                  <a:pt x="0" y="0"/>
+                </a:moveTo>
+                <a:cubicBezTo>
+                  <a:pt x="103909" y="212436"/>
+                  <a:pt x="207818" y="424873"/>
+                  <a:pt x="609600" y="526473"/>
+                </a:cubicBezTo>
+                <a:cubicBezTo>
+                  <a:pt x="1011382" y="628073"/>
+                  <a:pt x="1766455" y="591127"/>
+                  <a:pt x="2410691" y="609600"/>
+                </a:cubicBezTo>
+                <a:cubicBezTo>
+                  <a:pt x="3054927" y="628073"/>
+                  <a:pt x="3764972" y="632691"/>
+                  <a:pt x="4475018" y="637309"/>
+                </a:cubicBezTo>
+              </a:path>
+            </a:pathLst>
+          </a:custGeom>
+        </p:spPr>
+        <p:style>
+          <a:lnRef idx="2">
+            <a:schemeClr val="dk1"/>
+          </a:lnRef>
+          <a:fillRef idx="0">
+            <a:schemeClr val="dk1"/>
+          </a:fillRef>
+          <a:effectRef idx="1">
+            <a:schemeClr val="dk1"/>
+          </a:effectRef>
+          <a:fontRef idx="minor">
+            <a:schemeClr val="tx1"/>
+          </a:fontRef>
+        </p:style>
+        <p:txBody>
+          <a:bodyPr rtlCol="0" anchor="ctr"/>
+          <a:lstStyle/>
+          <a:p>
+            <a:pPr algn="ctr"/>
+            <a:endParaRPr lang="en-US"/>
+          </a:p>
+        </p:txBody>
+      </p:sp>
+      <p:sp>
+        <p:nvSpPr>
+          <p:cNvPr id="16" name="Freeform 15">
+            <a:extLst>
+              <a:ext uri="{FF2B5EF4-FFF2-40B4-BE49-F238E27FC236}">
+                <a16:creationId xmlns:a16="http://schemas.microsoft.com/office/drawing/2014/main" id="{4624EB80-34F0-3F4F-8132-E6533A9EFE0C}"/>
+              </a:ext>
+            </a:extLst>
+          </p:cNvPr>
+          <p:cNvSpPr/>
+          <p:nvPr/>
+        </p:nvSpPr>
+        <p:spPr>
+          <a:xfrm>
+            <a:off x="872836" y="4308764"/>
+            <a:ext cx="4461164" cy="748145"/>
+          </a:xfrm>
+          <a:custGeom>
+            <a:avLst/>
+            <a:gdLst>
+              <a:gd name="connsiteX0" fmla="*/ 0 w 4461164"/>
+              <a:gd name="connsiteY0" fmla="*/ 0 h 748145"/>
+              <a:gd name="connsiteX1" fmla="*/ 443346 w 4461164"/>
+              <a:gd name="connsiteY1" fmla="*/ 568036 h 748145"/>
+              <a:gd name="connsiteX2" fmla="*/ 2036619 w 4461164"/>
+              <a:gd name="connsiteY2" fmla="*/ 692727 h 748145"/>
+              <a:gd name="connsiteX3" fmla="*/ 4461164 w 4461164"/>
+              <a:gd name="connsiteY3" fmla="*/ 748145 h 748145"/>
+            </a:gdLst>
+            <a:ahLst/>
+            <a:cxnLst>
+              <a:cxn ang="0">
+                <a:pos x="connsiteX0" y="connsiteY0"/>
+              </a:cxn>
+              <a:cxn ang="0">
+                <a:pos x="connsiteX1" y="connsiteY1"/>
+              </a:cxn>
+              <a:cxn ang="0">
+                <a:pos x="connsiteX2" y="connsiteY2"/>
+              </a:cxn>
+              <a:cxn ang="0">
+                <a:pos x="connsiteX3" y="connsiteY3"/>
+              </a:cxn>
+            </a:cxnLst>
+            <a:rect l="l" t="t" r="r" b="b"/>
+            <a:pathLst>
+              <a:path w="4461164" h="748145">
+                <a:moveTo>
+                  <a:pt x="0" y="0"/>
+                </a:moveTo>
+                <a:cubicBezTo>
+                  <a:pt x="51955" y="226291"/>
+                  <a:pt x="103910" y="452582"/>
+                  <a:pt x="443346" y="568036"/>
+                </a:cubicBezTo>
+                <a:cubicBezTo>
+                  <a:pt x="782783" y="683491"/>
+                  <a:pt x="1366983" y="662709"/>
+                  <a:pt x="2036619" y="692727"/>
+                </a:cubicBezTo>
+                <a:cubicBezTo>
+                  <a:pt x="2706255" y="722745"/>
+                  <a:pt x="3583709" y="735445"/>
+                  <a:pt x="4461164" y="748145"/>
+                </a:cubicBezTo>
+              </a:path>
+            </a:pathLst>
+          </a:custGeom>
+        </p:spPr>
+        <p:style>
+          <a:lnRef idx="1">
+            <a:schemeClr val="accent6"/>
+          </a:lnRef>
+          <a:fillRef idx="0">
+            <a:schemeClr val="accent6"/>
+          </a:fillRef>
+          <a:effectRef idx="0">
+            <a:schemeClr val="accent6"/>
+          </a:effectRef>
+          <a:fontRef idx="minor">
+            <a:schemeClr val="tx1"/>
+          </a:fontRef>
+        </p:style>
+        <p:txBody>
+          <a:bodyPr rtlCol="0" anchor="ctr"/>
+          <a:lstStyle/>
+          <a:p>
+            <a:pPr algn="ctr"/>
+            <a:endParaRPr lang="en-US"/>
+          </a:p>
+        </p:txBody>
+      </p:sp>
+      <p:sp>
+        <p:nvSpPr>
+          <p:cNvPr id="18" name="Freeform 17">
+            <a:extLst>
+              <a:ext uri="{FF2B5EF4-FFF2-40B4-BE49-F238E27FC236}">
+                <a16:creationId xmlns:a16="http://schemas.microsoft.com/office/drawing/2014/main" id="{75B2E3C6-150F-3F47-8AAD-3B42DE3BE2E1}"/>
+              </a:ext>
+            </a:extLst>
+          </p:cNvPr>
+          <p:cNvSpPr/>
+          <p:nvPr/>
+        </p:nvSpPr>
+        <p:spPr>
+          <a:xfrm>
+            <a:off x="872836" y="4890655"/>
+            <a:ext cx="4530437" cy="360218"/>
+          </a:xfrm>
+          <a:custGeom>
+            <a:avLst/>
+            <a:gdLst>
+              <a:gd name="connsiteX0" fmla="*/ 0 w 4530437"/>
+              <a:gd name="connsiteY0" fmla="*/ 0 h 360218"/>
+              <a:gd name="connsiteX1" fmla="*/ 346364 w 4530437"/>
+              <a:gd name="connsiteY1" fmla="*/ 277090 h 360218"/>
+              <a:gd name="connsiteX2" fmla="*/ 955964 w 4530437"/>
+              <a:gd name="connsiteY2" fmla="*/ 318654 h 360218"/>
+              <a:gd name="connsiteX3" fmla="*/ 4530437 w 4530437"/>
+              <a:gd name="connsiteY3" fmla="*/ 360218 h 360218"/>
+            </a:gdLst>
+            <a:ahLst/>
+            <a:cxnLst>
+              <a:cxn ang="0">
+                <a:pos x="connsiteX0" y="connsiteY0"/>
+              </a:cxn>
+              <a:cxn ang="0">
+                <a:pos x="connsiteX1" y="connsiteY1"/>
+              </a:cxn>
+              <a:cxn ang="0">
+                <a:pos x="connsiteX2" y="connsiteY2"/>
+              </a:cxn>
+              <a:cxn ang="0">
+                <a:pos x="connsiteX3" y="connsiteY3"/>
+              </a:cxn>
+            </a:cxnLst>
+            <a:rect l="l" t="t" r="r" b="b"/>
+            <a:pathLst>
+              <a:path w="4530437" h="360218">
+                <a:moveTo>
+                  <a:pt x="0" y="0"/>
+                </a:moveTo>
+                <a:cubicBezTo>
+                  <a:pt x="93518" y="111990"/>
+                  <a:pt x="187037" y="223981"/>
+                  <a:pt x="346364" y="277090"/>
+                </a:cubicBezTo>
+                <a:cubicBezTo>
+                  <a:pt x="505691" y="330199"/>
+                  <a:pt x="955964" y="318654"/>
+                  <a:pt x="955964" y="318654"/>
+                </a:cubicBezTo>
+                <a:lnTo>
+                  <a:pt x="4530437" y="360218"/>
+                </a:lnTo>
+              </a:path>
+            </a:pathLst>
+          </a:custGeom>
+        </p:spPr>
+        <p:style>
+          <a:lnRef idx="1">
+            <a:schemeClr val="accent2"/>
+          </a:lnRef>
+          <a:fillRef idx="0">
+            <a:schemeClr val="accent2"/>
+          </a:fillRef>
+          <a:effectRef idx="0">
+            <a:schemeClr val="accent2"/>
+          </a:effectRef>
+          <a:fontRef idx="minor">
+            <a:schemeClr val="tx1"/>
+          </a:fontRef>
+        </p:style>
+        <p:txBody>
+          <a:bodyPr rtlCol="0" anchor="ctr"/>
+          <a:lstStyle/>
+          <a:p>
+            <a:pPr algn="ctr"/>
+            <a:endParaRPr lang="en-US"/>
+          </a:p>
+        </p:txBody>
+      </p:sp>
+      <p:cxnSp>
+        <p:nvCxnSpPr>
+          <p:cNvPr id="20" name="Straight Connector 19">
+            <a:extLst>
+              <a:ext uri="{FF2B5EF4-FFF2-40B4-BE49-F238E27FC236}">
+                <a16:creationId xmlns:a16="http://schemas.microsoft.com/office/drawing/2014/main" id="{33D2EFF4-B08F-4540-87A2-7D5142FEE4AE}"/>
+              </a:ext>
+            </a:extLst>
+          </p:cNvPr>
+          <p:cNvCxnSpPr>
+            <a:cxnSpLocks/>
+          </p:cNvCxnSpPr>
+          <p:nvPr/>
+        </p:nvCxnSpPr>
+        <p:spPr>
+          <a:xfrm>
+            <a:off x="5902036" y="4572002"/>
+            <a:ext cx="193964" cy="0"/>
+          </a:xfrm>
+          <a:prstGeom prst="line">
+            <a:avLst/>
+          </a:prstGeom>
+        </p:spPr>
+        <p:style>
+          <a:lnRef idx="1">
+            <a:schemeClr val="accent1"/>
+          </a:lnRef>
+          <a:fillRef idx="0">
+            <a:schemeClr val="accent1"/>
+          </a:fillRef>
+          <a:effectRef idx="0">
+            <a:schemeClr val="accent1"/>
+          </a:effectRef>
+          <a:fontRef idx="minor">
+            <a:schemeClr val="tx1"/>
+          </a:fontRef>
+        </p:style>
+      </p:cxnSp>
+      <p:cxnSp>
+        <p:nvCxnSpPr>
+          <p:cNvPr id="24" name="Straight Connector 23">
+            <a:extLst>
+              <a:ext uri="{FF2B5EF4-FFF2-40B4-BE49-F238E27FC236}">
+                <a16:creationId xmlns:a16="http://schemas.microsoft.com/office/drawing/2014/main" id="{3C13DE10-18D4-304A-86D7-40FCF4CE7B1A}"/>
+              </a:ext>
+            </a:extLst>
+          </p:cNvPr>
+          <p:cNvCxnSpPr/>
+          <p:nvPr/>
+        </p:nvCxnSpPr>
+        <p:spPr>
+          <a:xfrm>
+            <a:off x="5902036" y="4738258"/>
+            <a:ext cx="193964" cy="0"/>
+          </a:xfrm>
+          <a:prstGeom prst="line">
+            <a:avLst/>
+          </a:prstGeom>
+        </p:spPr>
+        <p:style>
+          <a:lnRef idx="1">
+            <a:schemeClr val="accent3"/>
+          </a:lnRef>
+          <a:fillRef idx="0">
+            <a:schemeClr val="accent3"/>
+          </a:fillRef>
+          <a:effectRef idx="0">
+            <a:schemeClr val="accent3"/>
+          </a:effectRef>
+          <a:fontRef idx="minor">
+            <a:schemeClr val="tx1"/>
+          </a:fontRef>
+        </p:style>
+      </p:cxnSp>
+      <p:cxnSp>
+        <p:nvCxnSpPr>
+          <p:cNvPr id="28" name="Straight Connector 27">
+            <a:extLst>
+              <a:ext uri="{FF2B5EF4-FFF2-40B4-BE49-F238E27FC236}">
+                <a16:creationId xmlns:a16="http://schemas.microsoft.com/office/drawing/2014/main" id="{EC687FAB-85D4-5442-8AA3-36223D8EA4FC}"/>
+              </a:ext>
+            </a:extLst>
+          </p:cNvPr>
+          <p:cNvCxnSpPr/>
+          <p:nvPr/>
+        </p:nvCxnSpPr>
+        <p:spPr>
+          <a:xfrm>
+            <a:off x="5902036" y="4904511"/>
+            <a:ext cx="193964" cy="0"/>
+          </a:xfrm>
+          <a:prstGeom prst="line">
+            <a:avLst/>
+          </a:prstGeom>
+        </p:spPr>
+        <p:style>
+          <a:lnRef idx="1">
+            <a:schemeClr val="accent6"/>
+          </a:lnRef>
+          <a:fillRef idx="0">
+            <a:schemeClr val="accent6"/>
+          </a:fillRef>
+          <a:effectRef idx="0">
+            <a:schemeClr val="accent6"/>
+          </a:effectRef>
+          <a:fontRef idx="minor">
+            <a:schemeClr val="tx1"/>
+          </a:fontRef>
+        </p:style>
+      </p:cxnSp>
+      <p:cxnSp>
+        <p:nvCxnSpPr>
+          <p:cNvPr id="29" name="Straight Connector 28">
+            <a:extLst>
+              <a:ext uri="{FF2B5EF4-FFF2-40B4-BE49-F238E27FC236}">
+                <a16:creationId xmlns:a16="http://schemas.microsoft.com/office/drawing/2014/main" id="{7EEFC959-E287-E343-B0AB-9F2088D501C8}"/>
+              </a:ext>
+            </a:extLst>
+          </p:cNvPr>
+          <p:cNvCxnSpPr/>
+          <p:nvPr/>
+        </p:nvCxnSpPr>
+        <p:spPr>
+          <a:xfrm>
+            <a:off x="5902036" y="5070767"/>
+            <a:ext cx="193964" cy="0"/>
+          </a:xfrm>
+          <a:prstGeom prst="line">
+            <a:avLst/>
+          </a:prstGeom>
+        </p:spPr>
+        <p:style>
+          <a:lnRef idx="1">
+            <a:schemeClr val="dk1"/>
+          </a:lnRef>
+          <a:fillRef idx="0">
+            <a:schemeClr val="dk1"/>
+          </a:fillRef>
+          <a:effectRef idx="0">
+            <a:schemeClr val="dk1"/>
+          </a:effectRef>
+          <a:fontRef idx="minor">
+            <a:schemeClr val="tx1"/>
+          </a:fontRef>
+        </p:style>
+      </p:cxnSp>
+      <p:sp>
+        <p:nvSpPr>
+          <p:cNvPr id="22" name="TextBox 21">
+            <a:extLst>
+              <a:ext uri="{FF2B5EF4-FFF2-40B4-BE49-F238E27FC236}">
+                <a16:creationId xmlns:a16="http://schemas.microsoft.com/office/drawing/2014/main" id="{7F5D5296-37A8-494C-8FE9-D19334CFB795}"/>
+              </a:ext>
+            </a:extLst>
+          </p:cNvPr>
+          <p:cNvSpPr txBox="1"/>
+          <p:nvPr/>
+        </p:nvSpPr>
+        <p:spPr>
+          <a:xfrm>
+            <a:off x="6096000" y="4419600"/>
+            <a:ext cx="1413164" cy="769441"/>
+          </a:xfrm>
+          <a:prstGeom prst="rect">
+            <a:avLst/>
+          </a:prstGeom>
+          <a:noFill/>
+        </p:spPr>
+        <p:txBody>
+          <a:bodyPr wrap="square" rtlCol="0">
+            <a:spAutoFit/>
+          </a:bodyPr>
+          <a:lstStyle/>
+          <a:p>
+            <a:r>
+              <a:rPr lang="en-US" sz="1100" dirty="0"/>
+              <a:t>Feature 1</a:t>
+            </a:r>
+          </a:p>
+          <a:p>
+            <a:r>
+              <a:rPr lang="en-US" sz="1100" dirty="0"/>
+              <a:t>Feature 2</a:t>
+            </a:r>
+          </a:p>
+          <a:p>
+            <a:r>
+              <a:rPr lang="en-US" sz="1100" dirty="0"/>
+              <a:t>Feature 3</a:t>
+            </a:r>
+          </a:p>
+          <a:p>
+            <a:r>
+              <a:rPr lang="en-US" sz="1100" dirty="0"/>
+              <a:t>Feature 4</a:t>
+            </a:r>
+          </a:p>
+        </p:txBody>
+      </p:sp>
+      <p:sp>
+        <p:nvSpPr>
+          <p:cNvPr id="23" name="TextBox 22">
+            <a:extLst>
+              <a:ext uri="{FF2B5EF4-FFF2-40B4-BE49-F238E27FC236}">
+                <a16:creationId xmlns:a16="http://schemas.microsoft.com/office/drawing/2014/main" id="{13BE67AC-E4D5-724D-BF67-68575F32F764}"/>
+              </a:ext>
+            </a:extLst>
+          </p:cNvPr>
+          <p:cNvSpPr txBox="1"/>
+          <p:nvPr/>
+        </p:nvSpPr>
+        <p:spPr>
+          <a:xfrm>
+            <a:off x="7467601" y="4475018"/>
+            <a:ext cx="4336472" cy="1200329"/>
+          </a:xfrm>
+          <a:prstGeom prst="rect">
+            <a:avLst/>
+          </a:prstGeom>
+          <a:noFill/>
+        </p:spPr>
+        <p:txBody>
+          <a:bodyPr wrap="square" rtlCol="0">
+            <a:spAutoFit/>
+          </a:bodyPr>
+          <a:lstStyle/>
+          <a:p>
+            <a:r>
+              <a:rPr lang="en-US" dirty="0"/>
+              <a:t>Could we use feature regularization to shrink some coefficients to 0 ?</a:t>
+            </a:r>
+          </a:p>
+          <a:p>
+            <a:endParaRPr lang="en-US" dirty="0"/>
+          </a:p>
+          <a:p>
+            <a:r>
+              <a:rPr lang="en-US" dirty="0"/>
+              <a:t>(removing certain features from the model)</a:t>
+            </a:r>
+          </a:p>
+        </p:txBody>
+      </p:sp>
+    </p:spTree>
+    <p:extLst>
+      <p:ext uri="{BB962C8B-B14F-4D97-AF65-F5344CB8AC3E}">
+        <p14:creationId xmlns:p14="http://schemas.microsoft.com/office/powerpoint/2010/main" val="2365925964"/>
+      </p:ext>
+    </p:extLst>
+  </p:cSld>
+  <p:clrMapOvr>
+    <a:masterClrMapping/>
+  </p:clrMapOvr>
+</p:sld>
+</file>
+
+<file path=ppt/slides/slide31.xml><?xml version="1.0" encoding="utf-8"?>
+<p:sld xmlns:a="http://schemas.openxmlformats.org/drawingml/2006/main" xmlns:r="http://schemas.openxmlformats.org/officeDocument/2006/relationships" xmlns:p="http://schemas.openxmlformats.org/presentationml/2006/main">
+  <p:cSld>
+    <p:spTree>
+      <p:nvGrpSpPr>
+        <p:cNvPr id="1" name=""/>
+        <p:cNvGrpSpPr/>
+        <p:nvPr/>
+      </p:nvGrpSpPr>
+      <p:grpSpPr>
+        <a:xfrm>
+          <a:off x="0" y="0"/>
+          <a:ext cx="0" cy="0"/>
+          <a:chOff x="0" y="0"/>
+          <a:chExt cx="0" cy="0"/>
+        </a:xfrm>
+      </p:grpSpPr>
+      <p:sp>
+        <p:nvSpPr>
+          <p:cNvPr id="2" name="Titre 1"/>
+          <p:cNvSpPr>
+            <a:spLocks noGrp="1"/>
+          </p:cNvSpPr>
+          <p:nvPr>
+            <p:ph type="title"/>
+          </p:nvPr>
+        </p:nvSpPr>
+        <p:spPr>
+          <a:xfrm>
+            <a:off x="609600" y="0"/>
+            <a:ext cx="10972800" cy="1143000"/>
+          </a:xfrm>
+        </p:spPr>
+        <p:txBody>
+          <a:bodyPr/>
+          <a:lstStyle/>
+          <a:p>
+            <a:r>
+              <a:rPr lang="fr-FR" dirty="0"/>
+              <a:t>Lasso </a:t>
+            </a:r>
+            <a:r>
+              <a:rPr lang="fr-FR" dirty="0" err="1"/>
+              <a:t>regression</a:t>
+            </a:r>
+            <a:r>
+              <a:rPr lang="fr-FR" dirty="0"/>
+              <a:t> : L</a:t>
+            </a:r>
+            <a:r>
+              <a:rPr lang="fr-FR" baseline="-25000" dirty="0"/>
+              <a:t>1</a:t>
+            </a:r>
+            <a:r>
+              <a:rPr lang="fr-FR" dirty="0"/>
+              <a:t> </a:t>
+            </a:r>
+            <a:r>
+              <a:rPr lang="fr-FR" dirty="0" err="1"/>
+              <a:t>regularized</a:t>
+            </a:r>
+            <a:r>
+              <a:rPr lang="fr-FR" dirty="0"/>
+              <a:t> </a:t>
+            </a:r>
+            <a:r>
+              <a:rPr lang="fr-FR" dirty="0" err="1"/>
+              <a:t>regression</a:t>
+            </a:r>
+            <a:endParaRPr lang="fr-FR" dirty="0"/>
+          </a:p>
+        </p:txBody>
+      </p:sp>
+      <p:grpSp>
+        <p:nvGrpSpPr>
+          <p:cNvPr id="25" name="Groupe 11">
+            <a:extLst>
+              <a:ext uri="{FF2B5EF4-FFF2-40B4-BE49-F238E27FC236}">
+                <a16:creationId xmlns:a16="http://schemas.microsoft.com/office/drawing/2014/main" id="{74176E09-9AA5-0241-BEA5-B948101EEBBF}"/>
+              </a:ext>
+            </a:extLst>
+          </p:cNvPr>
+          <p:cNvGrpSpPr/>
+          <p:nvPr/>
+        </p:nvGrpSpPr>
+        <p:grpSpPr>
+          <a:xfrm>
+            <a:off x="-13856" y="6214952"/>
+            <a:ext cx="12205855" cy="643054"/>
+            <a:chOff x="0" y="4661210"/>
+            <a:chExt cx="9144000" cy="482290"/>
+          </a:xfrm>
+        </p:grpSpPr>
+        <p:sp>
+          <p:nvSpPr>
+            <p:cNvPr id="26" name="Rectangle 25">
+              <a:extLst>
+                <a:ext uri="{FF2B5EF4-FFF2-40B4-BE49-F238E27FC236}">
+                  <a16:creationId xmlns:a16="http://schemas.microsoft.com/office/drawing/2014/main" id="{301A1338-074F-F444-A2E0-000D4375D974}"/>
+                </a:ext>
+              </a:extLst>
+            </p:cNvPr>
+            <p:cNvSpPr/>
+            <p:nvPr/>
+          </p:nvSpPr>
+          <p:spPr>
+            <a:xfrm>
+              <a:off x="0" y="4661210"/>
+              <a:ext cx="9144000" cy="482290"/>
+            </a:xfrm>
+            <a:prstGeom prst="rect">
+              <a:avLst/>
+            </a:prstGeom>
+            <a:solidFill>
+              <a:schemeClr val="tx1">
+                <a:lumMod val="65000"/>
+                <a:lumOff val="35000"/>
+              </a:schemeClr>
+            </a:solidFill>
+            <a:ln>
+              <a:solidFill>
+                <a:schemeClr val="tx1">
+                  <a:lumMod val="65000"/>
+                  <a:lumOff val="35000"/>
+                </a:schemeClr>
+              </a:solidFill>
+            </a:ln>
+          </p:spPr>
+          <p:style>
+            <a:lnRef idx="2">
+              <a:schemeClr val="dk1">
+                <a:shade val="50000"/>
+              </a:schemeClr>
+            </a:lnRef>
+            <a:fillRef idx="1">
+              <a:schemeClr val="dk1"/>
+            </a:fillRef>
+            <a:effectRef idx="0">
+              <a:schemeClr val="dk1"/>
+            </a:effectRef>
+            <a:fontRef idx="minor">
+              <a:schemeClr val="lt1"/>
+            </a:fontRef>
+          </p:style>
+          <p:txBody>
+            <a:bodyPr rtlCol="0" anchor="ctr"/>
+            <a:lstStyle/>
+            <a:p>
+              <a:pPr algn="ctr"/>
+              <a:endParaRPr lang="fr-FR" sz="2400"/>
+            </a:p>
+          </p:txBody>
+        </p:sp>
+        <p:sp>
+          <p:nvSpPr>
+            <p:cNvPr id="27" name="ZoneTexte 10">
+              <a:extLst>
+                <a:ext uri="{FF2B5EF4-FFF2-40B4-BE49-F238E27FC236}">
+                  <a16:creationId xmlns:a16="http://schemas.microsoft.com/office/drawing/2014/main" id="{D46FE952-5588-3B45-BA19-AFA5BAE79FC2}"/>
+                </a:ext>
+              </a:extLst>
+            </p:cNvPr>
+            <p:cNvSpPr txBox="1"/>
+            <p:nvPr/>
+          </p:nvSpPr>
+          <p:spPr>
+            <a:xfrm>
+              <a:off x="179512" y="4753476"/>
+              <a:ext cx="2304256" cy="315423"/>
+            </a:xfrm>
+            <a:prstGeom prst="rect">
+              <a:avLst/>
+            </a:prstGeom>
+            <a:noFill/>
+            <a:ln>
+              <a:solidFill>
+                <a:schemeClr val="tx1">
+                  <a:lumMod val="65000"/>
+                  <a:lumOff val="35000"/>
+                </a:schemeClr>
+              </a:solidFill>
+            </a:ln>
+          </p:spPr>
+          <p:txBody>
+            <a:bodyPr wrap="square" rtlCol="0">
+              <a:spAutoFit/>
+            </a:bodyPr>
+            <a:lstStyle/>
+            <a:p>
+              <a:r>
+                <a:rPr lang="fr-FR" sz="2133" dirty="0">
+                  <a:solidFill>
+                    <a:schemeClr val="bg1"/>
+                  </a:solidFill>
+                </a:rPr>
+                <a:t>Sprint 1 - </a:t>
+              </a:r>
+              <a:r>
+                <a:rPr lang="fr-FR" sz="2133" dirty="0" err="1">
+                  <a:solidFill>
+                    <a:schemeClr val="bg1"/>
+                  </a:solidFill>
+                </a:rPr>
+                <a:t>Regression</a:t>
+              </a:r>
+              <a:endParaRPr lang="fr-FR" sz="2133" dirty="0">
+                <a:solidFill>
+                  <a:schemeClr val="bg1"/>
+                </a:solidFill>
+              </a:endParaRPr>
+            </a:p>
+          </p:txBody>
+        </p:sp>
+      </p:grpSp>
+      <mc:AlternateContent xmlns:mc="http://schemas.openxmlformats.org/markup-compatibility/2006">
+        <mc:Choice xmlns:a14="http://schemas.microsoft.com/office/drawing/2010/main" Requires="a14">
+          <p:sp>
+            <p:nvSpPr>
+              <p:cNvPr id="7" name="TextBox 6">
+                <a:extLst>
+                  <a:ext uri="{FF2B5EF4-FFF2-40B4-BE49-F238E27FC236}">
+                    <a16:creationId xmlns:a16="http://schemas.microsoft.com/office/drawing/2014/main" id="{4228D178-2F13-474F-9C9D-7636147BD40E}"/>
+                  </a:ext>
+                </a:extLst>
+              </p:cNvPr>
+              <p:cNvSpPr txBox="1"/>
+              <p:nvPr/>
+            </p:nvSpPr>
+            <p:spPr>
+              <a:xfrm>
+                <a:off x="893618" y="1385454"/>
+                <a:ext cx="10404764" cy="1026435"/>
+              </a:xfrm>
+              <a:prstGeom prst="rect">
+                <a:avLst/>
+              </a:prstGeom>
+              <a:noFill/>
+            </p:spPr>
+            <p:txBody>
+              <a:bodyPr wrap="square" rtlCol="0">
+                <a:spAutoFit/>
+              </a:bodyPr>
+              <a:lstStyle/>
+              <a:p>
+                <a:r>
+                  <a:rPr lang="en-US" sz="2800" dirty="0"/>
+                  <a:t>Total cost = </a:t>
+                </a:r>
+                <a:r>
+                  <a:rPr lang="en-US" sz="2800" dirty="0">
+                    <a:solidFill>
+                      <a:schemeClr val="accent5"/>
+                    </a:solidFill>
+                  </a:rPr>
+                  <a:t>measure of fit </a:t>
+                </a:r>
+                <a:r>
+                  <a:rPr lang="en-US" sz="2800" dirty="0"/>
+                  <a:t>+ </a:t>
+                </a:r>
+                <a:r>
+                  <a:rPr lang="en-US" sz="2800" dirty="0">
+                    <a:solidFill>
+                      <a:schemeClr val="accent2"/>
+                    </a:solidFill>
+                  </a:rPr>
+                  <a:t>measure of magnitude of coefficients</a:t>
+                </a:r>
+              </a:p>
+              <a:p>
+                <a:r>
+                  <a:rPr lang="en-US" sz="2800" dirty="0"/>
+                  <a:t>Total cost = </a:t>
+                </a:r>
+                <a:r>
+                  <a:rPr lang="en-US" sz="2800" dirty="0">
+                    <a:solidFill>
+                      <a:schemeClr val="accent5"/>
+                    </a:solidFill>
+                  </a:rPr>
+                  <a:t>RSS(w) </a:t>
+                </a:r>
+                <a:r>
+                  <a:rPr lang="en-US" sz="2800" dirty="0"/>
+                  <a:t>+ </a:t>
+                </a:r>
+                <a:r>
+                  <a:rPr lang="en-US" sz="2800" dirty="0" err="1"/>
+                  <a:t>ƛ</a:t>
+                </a:r>
+                <a:r>
+                  <a:rPr lang="en-US" sz="2800" dirty="0">
+                    <a:solidFill>
+                      <a:schemeClr val="accent2"/>
+                    </a:solidFill>
+                  </a:rPr>
+                  <a:t> </a:t>
+                </a:r>
+                <a14:m>
+                  <m:oMath xmlns:m="http://schemas.openxmlformats.org/officeDocument/2006/math">
+                    <m:nary>
+                      <m:naryPr>
+                        <m:chr m:val="∑"/>
+                        <m:ctrlPr>
+                          <a:rPr lang="en-US" sz="2800" i="1">
+                            <a:solidFill>
+                              <a:schemeClr val="accent2"/>
+                            </a:solidFill>
+                            <a:latin typeface="Cambria Math" panose="02040503050406030204" pitchFamily="18" charset="0"/>
+                          </a:rPr>
+                        </m:ctrlPr>
+                      </m:naryPr>
+                      <m:sub>
+                        <m:r>
+                          <m:rPr>
+                            <m:brk m:alnAt="23"/>
+                          </m:rPr>
+                          <a:rPr lang="fr-FR" sz="2800" i="1">
+                            <a:solidFill>
+                              <a:schemeClr val="accent2"/>
+                            </a:solidFill>
+                            <a:latin typeface="Cambria Math" panose="02040503050406030204" pitchFamily="18" charset="0"/>
+                          </a:rPr>
+                          <m:t>𝑗</m:t>
+                        </m:r>
+                        <m:r>
+                          <a:rPr lang="fr-FR" sz="2800" i="1">
+                            <a:solidFill>
+                              <a:schemeClr val="accent2"/>
+                            </a:solidFill>
+                            <a:latin typeface="Cambria Math" panose="02040503050406030204" pitchFamily="18" charset="0"/>
+                          </a:rPr>
+                          <m:t>=0</m:t>
+                        </m:r>
+                      </m:sub>
+                      <m:sup>
+                        <m:r>
+                          <a:rPr lang="fr-FR" sz="2800" i="1">
+                            <a:solidFill>
+                              <a:schemeClr val="accent2"/>
+                            </a:solidFill>
+                            <a:latin typeface="Cambria Math" panose="02040503050406030204" pitchFamily="18" charset="0"/>
+                          </a:rPr>
+                          <m:t>𝐷</m:t>
+                        </m:r>
+                      </m:sup>
+                      <m:e>
+                        <m:r>
+                          <a:rPr lang="fr-FR" sz="2800" b="0" i="1" smtClean="0">
+                            <a:solidFill>
+                              <a:schemeClr val="accent2"/>
+                            </a:solidFill>
+                            <a:latin typeface="Cambria Math" panose="02040503050406030204" pitchFamily="18" charset="0"/>
+                          </a:rPr>
+                          <m:t>||</m:t>
+                        </m:r>
+                        <m:r>
+                          <a:rPr lang="fr-FR" sz="2800" i="1">
+                            <a:solidFill>
+                              <a:schemeClr val="accent2"/>
+                            </a:solidFill>
+                            <a:latin typeface="Cambria Math" panose="02040503050406030204" pitchFamily="18" charset="0"/>
+                          </a:rPr>
+                          <m:t>𝑤</m:t>
+                        </m:r>
+                        <m:r>
+                          <a:rPr lang="fr-FR" sz="2800" i="1" baseline="-25000">
+                            <a:solidFill>
+                              <a:schemeClr val="accent2"/>
+                            </a:solidFill>
+                            <a:latin typeface="Cambria Math" panose="02040503050406030204" pitchFamily="18" charset="0"/>
+                          </a:rPr>
+                          <m:t>𝑗</m:t>
+                        </m:r>
+                        <m:r>
+                          <a:rPr lang="fr-FR" sz="2800" b="0" i="1" smtClean="0">
+                            <a:solidFill>
+                              <a:schemeClr val="accent2"/>
+                            </a:solidFill>
+                            <a:latin typeface="Cambria Math" panose="02040503050406030204" pitchFamily="18" charset="0"/>
+                          </a:rPr>
+                          <m:t>||</m:t>
+                        </m:r>
+                      </m:e>
+                    </m:nary>
+                  </m:oMath>
+                </a14:m>
+                <a:endParaRPr lang="en-US" sz="2800" dirty="0">
+                  <a:solidFill>
+                    <a:schemeClr val="accent2"/>
+                  </a:solidFill>
+                </a:endParaRPr>
+              </a:p>
+            </p:txBody>
+          </p:sp>
+        </mc:Choice>
+        <mc:Fallback>
+          <p:sp>
+            <p:nvSpPr>
+              <p:cNvPr id="7" name="TextBox 6">
+                <a:extLst>
+                  <a:ext uri="{FF2B5EF4-FFF2-40B4-BE49-F238E27FC236}">
+                    <a16:creationId xmlns:a16="http://schemas.microsoft.com/office/drawing/2014/main" id="{4228D178-2F13-474F-9C9D-7636147BD40E}"/>
+                  </a:ext>
+                </a:extLst>
+              </p:cNvPr>
+              <p:cNvSpPr txBox="1">
+                <a:spLocks noRot="1" noChangeAspect="1" noMove="1" noResize="1" noEditPoints="1" noAdjustHandles="1" noChangeArrowheads="1" noChangeShapeType="1" noTextEdit="1"/>
+              </p:cNvSpPr>
+              <p:nvPr/>
+            </p:nvSpPr>
+            <p:spPr>
+              <a:xfrm>
+                <a:off x="893618" y="1385454"/>
+                <a:ext cx="10404764" cy="1026435"/>
+              </a:xfrm>
+              <a:prstGeom prst="rect">
+                <a:avLst/>
+              </a:prstGeom>
+              <a:blipFill>
+                <a:blip r:embed="rId2"/>
+                <a:stretch>
+                  <a:fillRect l="-1096" t="-20732" b="-92683"/>
+                </a:stretch>
+              </a:blipFill>
+            </p:spPr>
+            <p:txBody>
+              <a:bodyPr/>
+              <a:lstStyle/>
+              <a:p>
+                <a:r>
+                  <a:rPr lang="en-US">
+                    <a:noFill/>
+                  </a:rPr>
+                  <a:t> </a:t>
+                </a:r>
+              </a:p>
+            </p:txBody>
+          </p:sp>
+        </mc:Fallback>
+      </mc:AlternateContent>
+      <p:cxnSp>
+        <p:nvCxnSpPr>
+          <p:cNvPr id="5" name="Straight Arrow Connector 4">
+            <a:extLst>
+              <a:ext uri="{FF2B5EF4-FFF2-40B4-BE49-F238E27FC236}">
+                <a16:creationId xmlns:a16="http://schemas.microsoft.com/office/drawing/2014/main" id="{4297C34E-97C6-F040-8BA9-93200FFBECAA}"/>
+              </a:ext>
+            </a:extLst>
+          </p:cNvPr>
+          <p:cNvCxnSpPr>
+            <a:cxnSpLocks/>
+          </p:cNvCxnSpPr>
+          <p:nvPr/>
+        </p:nvCxnSpPr>
+        <p:spPr>
+          <a:xfrm flipH="1" flipV="1">
+            <a:off x="5237019" y="2507674"/>
+            <a:ext cx="1094508" cy="568035"/>
+          </a:xfrm>
+          <a:prstGeom prst="straightConnector1">
+            <a:avLst/>
+          </a:prstGeom>
+          <a:ln w="19050">
+            <a:tailEnd type="triangle"/>
+          </a:ln>
+        </p:spPr>
+        <p:style>
+          <a:lnRef idx="2">
+            <a:schemeClr val="dk1"/>
+          </a:lnRef>
+          <a:fillRef idx="0">
+            <a:schemeClr val="dk1"/>
+          </a:fillRef>
+          <a:effectRef idx="1">
+            <a:schemeClr val="dk1"/>
+          </a:effectRef>
+          <a:fontRef idx="minor">
+            <a:schemeClr val="tx1"/>
+          </a:fontRef>
+        </p:style>
+      </p:cxnSp>
+      <p:sp>
+        <p:nvSpPr>
+          <p:cNvPr id="8" name="TextBox 7">
+            <a:extLst>
+              <a:ext uri="{FF2B5EF4-FFF2-40B4-BE49-F238E27FC236}">
+                <a16:creationId xmlns:a16="http://schemas.microsoft.com/office/drawing/2014/main" id="{3984E6BE-A900-DE40-8CB8-18B6F89FF0D5}"/>
+              </a:ext>
+            </a:extLst>
+          </p:cNvPr>
+          <p:cNvSpPr txBox="1"/>
+          <p:nvPr/>
+        </p:nvSpPr>
+        <p:spPr>
+          <a:xfrm>
+            <a:off x="6317673" y="2923309"/>
+            <a:ext cx="3103418" cy="369332"/>
+          </a:xfrm>
+          <a:prstGeom prst="rect">
+            <a:avLst/>
+          </a:prstGeom>
+          <a:noFill/>
+        </p:spPr>
+        <p:txBody>
+          <a:bodyPr wrap="square" rtlCol="0">
+            <a:spAutoFit/>
+          </a:bodyPr>
+          <a:lstStyle/>
+          <a:p>
+            <a:r>
+              <a:rPr lang="en-US" dirty="0"/>
+              <a:t>Leads to sparse solutions!</a:t>
+            </a:r>
+          </a:p>
+        </p:txBody>
+      </p:sp>
+      <p:cxnSp>
+        <p:nvCxnSpPr>
+          <p:cNvPr id="14" name="Straight Arrow Connector 13">
+            <a:extLst>
+              <a:ext uri="{FF2B5EF4-FFF2-40B4-BE49-F238E27FC236}">
+                <a16:creationId xmlns:a16="http://schemas.microsoft.com/office/drawing/2014/main" id="{8FA71D05-DBF7-CC49-854A-275D84E71A9A}"/>
+              </a:ext>
+            </a:extLst>
+          </p:cNvPr>
+          <p:cNvCxnSpPr>
+            <a:cxnSpLocks/>
+          </p:cNvCxnSpPr>
+          <p:nvPr/>
+        </p:nvCxnSpPr>
+        <p:spPr>
+          <a:xfrm flipV="1">
+            <a:off x="3560618" y="2382984"/>
+            <a:ext cx="498765" cy="595743"/>
+          </a:xfrm>
+          <a:prstGeom prst="straightConnector1">
+            <a:avLst/>
+          </a:prstGeom>
+          <a:ln w="19050">
+            <a:tailEnd type="triangle"/>
+          </a:ln>
+        </p:spPr>
+        <p:style>
+          <a:lnRef idx="2">
+            <a:schemeClr val="dk1"/>
+          </a:lnRef>
+          <a:fillRef idx="0">
+            <a:schemeClr val="dk1"/>
+          </a:fillRef>
+          <a:effectRef idx="1">
+            <a:schemeClr val="dk1"/>
+          </a:effectRef>
+          <a:fontRef idx="minor">
+            <a:schemeClr val="tx1"/>
+          </a:fontRef>
+        </p:style>
+      </p:cxnSp>
+      <p:sp>
+        <p:nvSpPr>
+          <p:cNvPr id="15" name="TextBox 14">
+            <a:extLst>
+              <a:ext uri="{FF2B5EF4-FFF2-40B4-BE49-F238E27FC236}">
+                <a16:creationId xmlns:a16="http://schemas.microsoft.com/office/drawing/2014/main" id="{8A7EE052-9B42-5D45-9D55-B0E4643C591C}"/>
+              </a:ext>
+            </a:extLst>
+          </p:cNvPr>
+          <p:cNvSpPr txBox="1"/>
+          <p:nvPr/>
+        </p:nvSpPr>
+        <p:spPr>
+          <a:xfrm>
+            <a:off x="2355273" y="3059668"/>
+            <a:ext cx="3103418" cy="369332"/>
+          </a:xfrm>
+          <a:prstGeom prst="rect">
+            <a:avLst/>
+          </a:prstGeom>
+          <a:noFill/>
+        </p:spPr>
+        <p:txBody>
+          <a:bodyPr wrap="square" rtlCol="0">
+            <a:spAutoFit/>
+          </a:bodyPr>
+          <a:lstStyle/>
+          <a:p>
+            <a:r>
+              <a:rPr lang="en-US" dirty="0"/>
+              <a:t>Tuning parameter</a:t>
+            </a:r>
+          </a:p>
+        </p:txBody>
+      </p:sp>
+      <mc:AlternateContent xmlns:mc="http://schemas.openxmlformats.org/markup-compatibility/2006">
+        <mc:Choice xmlns:a14="http://schemas.microsoft.com/office/drawing/2010/main" Requires="a14">
+          <p:sp>
+            <p:nvSpPr>
+              <p:cNvPr id="17" name="TextBox 16">
+                <a:extLst>
+                  <a:ext uri="{FF2B5EF4-FFF2-40B4-BE49-F238E27FC236}">
+                    <a16:creationId xmlns:a16="http://schemas.microsoft.com/office/drawing/2014/main" id="{81132DE2-CD45-FF46-8421-F5A779750E00}"/>
+                  </a:ext>
+                </a:extLst>
+              </p:cNvPr>
+              <p:cNvSpPr txBox="1"/>
+              <p:nvPr/>
+            </p:nvSpPr>
+            <p:spPr>
+              <a:xfrm>
+                <a:off x="637310" y="3678382"/>
+                <a:ext cx="10668000" cy="2606226"/>
+              </a:xfrm>
+              <a:prstGeom prst="rect">
+                <a:avLst/>
+              </a:prstGeom>
+              <a:noFill/>
+            </p:spPr>
+            <p:txBody>
+              <a:bodyPr wrap="square" rtlCol="0">
+                <a:spAutoFit/>
+              </a:bodyPr>
+              <a:lstStyle/>
+              <a:p>
+                <a:r>
+                  <a:rPr lang="en-US" sz="2000" dirty="0"/>
+                  <a:t>If </a:t>
+                </a:r>
+                <a:r>
+                  <a:rPr lang="en-US" sz="2000" dirty="0" err="1">
+                    <a:solidFill>
+                      <a:schemeClr val="accent2"/>
+                    </a:solidFill>
+                  </a:rPr>
+                  <a:t>ƛ</a:t>
+                </a:r>
+                <a:r>
+                  <a:rPr lang="en-US" sz="2000" dirty="0">
+                    <a:solidFill>
+                      <a:schemeClr val="accent2"/>
+                    </a:solidFill>
+                  </a:rPr>
+                  <a:t> = 0</a:t>
+                </a:r>
+              </a:p>
+              <a:p>
+                <a:r>
+                  <a:rPr lang="en-US" sz="2000" dirty="0">
+                    <a:solidFill>
+                      <a:schemeClr val="accent2"/>
+                    </a:solidFill>
+                  </a:rPr>
+                  <a:t>	</a:t>
+                </a:r>
+                <a:r>
+                  <a:rPr lang="en-US" sz="2000" dirty="0"/>
+                  <a:t>the objective is to minimize RSS(w) as previously described -&gt; </a:t>
+                </a:r>
+                <a:r>
+                  <a:rPr lang="en-US" sz="2000" dirty="0" err="1"/>
+                  <a:t>w</a:t>
+                </a:r>
+                <a:r>
+                  <a:rPr lang="en-US" sz="2000" baseline="30000" dirty="0" err="1"/>
+                  <a:t>LS</a:t>
+                </a:r>
+                <a:endParaRPr lang="en-US" sz="2000" baseline="30000" dirty="0"/>
+              </a:p>
+              <a:p>
+                <a:r>
+                  <a:rPr lang="en-US" sz="2000" dirty="0"/>
+                  <a:t>If</a:t>
+                </a:r>
+                <a:r>
+                  <a:rPr lang="en-US" sz="2000" dirty="0">
+                    <a:solidFill>
+                      <a:schemeClr val="accent2"/>
+                    </a:solidFill>
+                  </a:rPr>
+                  <a:t> </a:t>
+                </a:r>
+                <a:r>
+                  <a:rPr lang="en-US" sz="2000" dirty="0" err="1">
+                    <a:solidFill>
+                      <a:schemeClr val="accent2"/>
+                    </a:solidFill>
+                  </a:rPr>
+                  <a:t>ƛ</a:t>
+                </a:r>
+                <a:r>
+                  <a:rPr lang="en-US" sz="2000" dirty="0">
+                    <a:solidFill>
+                      <a:schemeClr val="accent2"/>
+                    </a:solidFill>
+                  </a:rPr>
+                  <a:t> = ∞</a:t>
+                </a:r>
+              </a:p>
+              <a:p>
+                <a:r>
+                  <a:rPr lang="en-US" sz="2000" dirty="0">
+                    <a:solidFill>
+                      <a:schemeClr val="accent2"/>
+                    </a:solidFill>
+                  </a:rPr>
+                  <a:t>	</a:t>
+                </a:r>
+                <a:r>
+                  <a:rPr lang="en-US" sz="2000" dirty="0"/>
+                  <a:t>For solutions where w = 0, then total cost = ∞</a:t>
+                </a:r>
+              </a:p>
+              <a:p>
+                <a:r>
+                  <a:rPr lang="en-US" sz="2000" dirty="0"/>
+                  <a:t>	The minimizing solution is w = 0</a:t>
+                </a:r>
+              </a:p>
+              <a:p>
+                <a:r>
+                  <a:rPr lang="en-US" sz="2000" dirty="0"/>
+                  <a:t>If </a:t>
+                </a:r>
+                <a:r>
+                  <a:rPr lang="en-US" sz="2000" dirty="0" err="1">
+                    <a:solidFill>
+                      <a:schemeClr val="accent2"/>
+                    </a:solidFill>
+                  </a:rPr>
+                  <a:t>ƛ</a:t>
+                </a:r>
+                <a:r>
+                  <a:rPr lang="en-US" sz="2000" dirty="0">
+                    <a:solidFill>
+                      <a:schemeClr val="accent2"/>
+                    </a:solidFill>
+                  </a:rPr>
+                  <a:t> is reasonable</a:t>
+                </a:r>
+              </a:p>
+              <a:p>
+                <a:r>
+                  <a:rPr lang="en-US" sz="2000" dirty="0">
+                    <a:solidFill>
+                      <a:schemeClr val="accent2"/>
+                    </a:solidFill>
+                  </a:rPr>
+                  <a:t>	</a:t>
+                </a:r>
+                <a:r>
+                  <a:rPr lang="en-US" sz="2000" dirty="0"/>
+                  <a:t>Then 0 ≤ </a:t>
+                </a:r>
+                <a14:m>
+                  <m:oMath xmlns:m="http://schemas.openxmlformats.org/officeDocument/2006/math">
+                    <m:nary>
+                      <m:naryPr>
+                        <m:chr m:val="∑"/>
+                        <m:ctrlPr>
+                          <a:rPr lang="en-US" sz="2000" i="1">
+                            <a:solidFill>
+                              <a:schemeClr val="accent2"/>
+                            </a:solidFill>
+                            <a:latin typeface="Cambria Math" panose="02040503050406030204" pitchFamily="18" charset="0"/>
+                          </a:rPr>
+                        </m:ctrlPr>
+                      </m:naryPr>
+                      <m:sub>
+                        <m:r>
+                          <m:rPr>
+                            <m:brk m:alnAt="23"/>
+                          </m:rPr>
+                          <a:rPr lang="fr-FR" sz="2000" i="1">
+                            <a:solidFill>
+                              <a:schemeClr val="accent2"/>
+                            </a:solidFill>
+                            <a:latin typeface="Cambria Math" panose="02040503050406030204" pitchFamily="18" charset="0"/>
+                          </a:rPr>
+                          <m:t>𝑗</m:t>
+                        </m:r>
+                        <m:r>
+                          <a:rPr lang="fr-FR" sz="2000" i="1">
+                            <a:solidFill>
+                              <a:schemeClr val="accent2"/>
+                            </a:solidFill>
+                            <a:latin typeface="Cambria Math" panose="02040503050406030204" pitchFamily="18" charset="0"/>
+                          </a:rPr>
+                          <m:t>=0</m:t>
+                        </m:r>
+                      </m:sub>
+                      <m:sup>
+                        <m:r>
+                          <a:rPr lang="fr-FR" sz="2000" i="1">
+                            <a:solidFill>
+                              <a:schemeClr val="accent2"/>
+                            </a:solidFill>
+                            <a:latin typeface="Cambria Math" panose="02040503050406030204" pitchFamily="18" charset="0"/>
+                          </a:rPr>
+                          <m:t>𝐷</m:t>
+                        </m:r>
+                      </m:sup>
+                      <m:e>
+                        <m:r>
+                          <a:rPr lang="fr-FR" sz="2000" b="0" i="1" smtClean="0">
+                            <a:solidFill>
+                              <a:schemeClr val="accent2"/>
+                            </a:solidFill>
+                            <a:latin typeface="Cambria Math" panose="02040503050406030204" pitchFamily="18" charset="0"/>
+                          </a:rPr>
+                          <m:t>||</m:t>
+                        </m:r>
+                        <m:r>
+                          <a:rPr lang="fr-FR" sz="2000" i="1">
+                            <a:solidFill>
+                              <a:schemeClr val="accent2"/>
+                            </a:solidFill>
+                            <a:latin typeface="Cambria Math" panose="02040503050406030204" pitchFamily="18" charset="0"/>
+                          </a:rPr>
+                          <m:t>𝑤</m:t>
+                        </m:r>
+                        <m:r>
+                          <a:rPr lang="fr-FR" sz="2000" i="1" baseline="-25000">
+                            <a:solidFill>
+                              <a:schemeClr val="accent2"/>
+                            </a:solidFill>
+                            <a:latin typeface="Cambria Math" panose="02040503050406030204" pitchFamily="18" charset="0"/>
+                          </a:rPr>
+                          <m:t>𝑗</m:t>
+                        </m:r>
+                        <m:r>
+                          <a:rPr lang="fr-FR" sz="2000" b="0" i="1" smtClean="0">
+                            <a:solidFill>
+                              <a:schemeClr val="accent2"/>
+                            </a:solidFill>
+                            <a:latin typeface="Cambria Math" panose="02040503050406030204" pitchFamily="18" charset="0"/>
+                          </a:rPr>
+                          <m:t>||</m:t>
+                        </m:r>
+                      </m:e>
+                    </m:nary>
+                  </m:oMath>
+                </a14:m>
+                <a:r>
+                  <a:rPr lang="en-US" sz="2000" dirty="0"/>
+                  <a:t>  ≤</a:t>
+                </a:r>
+                <a:r>
+                  <a:rPr lang="en-US" sz="2000" dirty="0">
+                    <a:solidFill>
+                      <a:schemeClr val="accent2"/>
+                    </a:solidFill>
+                  </a:rPr>
+                  <a:t> </a:t>
+                </a:r>
+                <a14:m>
+                  <m:oMath xmlns:m="http://schemas.openxmlformats.org/officeDocument/2006/math">
+                    <m:nary>
+                      <m:naryPr>
+                        <m:chr m:val="∑"/>
+                        <m:ctrlPr>
+                          <a:rPr lang="en-US" sz="2000" i="1">
+                            <a:solidFill>
+                              <a:schemeClr val="accent2"/>
+                            </a:solidFill>
+                            <a:latin typeface="Cambria Math" panose="02040503050406030204" pitchFamily="18" charset="0"/>
+                          </a:rPr>
+                        </m:ctrlPr>
+                      </m:naryPr>
+                      <m:sub>
+                        <m:r>
+                          <m:rPr>
+                            <m:brk m:alnAt="23"/>
+                          </m:rPr>
+                          <a:rPr lang="fr-FR" sz="2000" i="1">
+                            <a:solidFill>
+                              <a:schemeClr val="accent2"/>
+                            </a:solidFill>
+                            <a:latin typeface="Cambria Math" panose="02040503050406030204" pitchFamily="18" charset="0"/>
+                          </a:rPr>
+                          <m:t>𝑗</m:t>
+                        </m:r>
+                        <m:r>
+                          <a:rPr lang="fr-FR" sz="2000" i="1">
+                            <a:solidFill>
+                              <a:schemeClr val="accent2"/>
+                            </a:solidFill>
+                            <a:latin typeface="Cambria Math" panose="02040503050406030204" pitchFamily="18" charset="0"/>
+                          </a:rPr>
+                          <m:t>=0</m:t>
+                        </m:r>
+                      </m:sub>
+                      <m:sup>
+                        <m:r>
+                          <a:rPr lang="fr-FR" sz="2000" i="1">
+                            <a:solidFill>
+                              <a:schemeClr val="accent2"/>
+                            </a:solidFill>
+                            <a:latin typeface="Cambria Math" panose="02040503050406030204" pitchFamily="18" charset="0"/>
+                          </a:rPr>
+                          <m:t>𝐷</m:t>
+                        </m:r>
+                      </m:sup>
+                      <m:e>
+                        <m:r>
+                          <a:rPr lang="fr-FR" sz="2000" b="0" i="1" smtClean="0">
+                            <a:solidFill>
+                              <a:schemeClr val="accent2"/>
+                            </a:solidFill>
+                            <a:latin typeface="Cambria Math" panose="02040503050406030204" pitchFamily="18" charset="0"/>
+                          </a:rPr>
+                          <m:t>|</m:t>
+                        </m:r>
+                        <m:d>
+                          <m:dPr>
+                            <m:begChr m:val="|"/>
+                            <m:endChr m:val="|"/>
+                            <m:ctrlPr>
+                              <a:rPr lang="fr-FR" sz="2000" b="0" i="1" smtClean="0">
+                                <a:solidFill>
+                                  <a:schemeClr val="accent2"/>
+                                </a:solidFill>
+                                <a:latin typeface="Cambria Math" panose="02040503050406030204" pitchFamily="18" charset="0"/>
+                              </a:rPr>
+                            </m:ctrlPr>
+                          </m:dPr>
+                          <m:e>
+                            <m:r>
+                              <a:rPr lang="fr-FR" sz="2000" i="1">
+                                <a:solidFill>
+                                  <a:schemeClr val="accent2"/>
+                                </a:solidFill>
+                                <a:latin typeface="Cambria Math" panose="02040503050406030204" pitchFamily="18" charset="0"/>
+                              </a:rPr>
+                              <m:t>𝑤</m:t>
+                            </m:r>
+                            <m:r>
+                              <a:rPr lang="fr-FR" sz="2000" b="0" i="1" baseline="30000" smtClean="0">
+                                <a:solidFill>
+                                  <a:schemeClr val="accent2"/>
+                                </a:solidFill>
+                                <a:latin typeface="Cambria Math" panose="02040503050406030204" pitchFamily="18" charset="0"/>
+                              </a:rPr>
+                              <m:t>𝐿𝑆</m:t>
+                            </m:r>
+                            <m:r>
+                              <a:rPr lang="fr-FR" sz="2000" i="1" baseline="-25000">
+                                <a:solidFill>
+                                  <a:schemeClr val="accent2"/>
+                                </a:solidFill>
+                                <a:latin typeface="Cambria Math" panose="02040503050406030204" pitchFamily="18" charset="0"/>
+                              </a:rPr>
+                              <m:t>𝑗</m:t>
+                            </m:r>
+                          </m:e>
+                        </m:d>
+                        <m:r>
+                          <a:rPr lang="fr-FR" sz="2000" b="0" i="1" smtClean="0">
+                            <a:solidFill>
+                              <a:schemeClr val="accent2"/>
+                            </a:solidFill>
+                            <a:latin typeface="Cambria Math" panose="02040503050406030204" pitchFamily="18" charset="0"/>
+                          </a:rPr>
+                          <m:t>|</m:t>
+                        </m:r>
+                      </m:e>
+                    </m:nary>
+                  </m:oMath>
+                </a14:m>
+                <a:endParaRPr lang="en-US" sz="2000" dirty="0"/>
+              </a:p>
+              <a:p>
+                <a:endParaRPr lang="en-US" sz="2000" dirty="0"/>
+              </a:p>
+            </p:txBody>
+          </p:sp>
+        </mc:Choice>
+        <mc:Fallback>
+          <p:sp>
+            <p:nvSpPr>
+              <p:cNvPr id="17" name="TextBox 16">
+                <a:extLst>
+                  <a:ext uri="{FF2B5EF4-FFF2-40B4-BE49-F238E27FC236}">
+                    <a16:creationId xmlns:a16="http://schemas.microsoft.com/office/drawing/2014/main" id="{81132DE2-CD45-FF46-8421-F5A779750E00}"/>
+                  </a:ext>
+                </a:extLst>
+              </p:cNvPr>
+              <p:cNvSpPr txBox="1">
+                <a:spLocks noRot="1" noChangeAspect="1" noMove="1" noResize="1" noEditPoints="1" noAdjustHandles="1" noChangeArrowheads="1" noChangeShapeType="1" noTextEdit="1"/>
+              </p:cNvSpPr>
+              <p:nvPr/>
+            </p:nvSpPr>
+            <p:spPr>
+              <a:xfrm>
+                <a:off x="637310" y="3678382"/>
+                <a:ext cx="10668000" cy="2606226"/>
+              </a:xfrm>
+              <a:prstGeom prst="rect">
+                <a:avLst/>
+              </a:prstGeom>
+              <a:blipFill>
+                <a:blip r:embed="rId3"/>
+                <a:stretch>
+                  <a:fillRect l="-476" t="-971" b="-13592"/>
+                </a:stretch>
+              </a:blipFill>
+            </p:spPr>
+            <p:txBody>
+              <a:bodyPr/>
+              <a:lstStyle/>
+              <a:p>
+                <a:r>
+                  <a:rPr lang="en-US">
+                    <a:noFill/>
+                  </a:rPr>
+                  <a:t> </a:t>
+                </a:r>
+              </a:p>
+            </p:txBody>
+          </p:sp>
+        </mc:Fallback>
+      </mc:AlternateContent>
+    </p:spTree>
+    <p:extLst>
+      <p:ext uri="{BB962C8B-B14F-4D97-AF65-F5344CB8AC3E}">
+        <p14:creationId xmlns:p14="http://schemas.microsoft.com/office/powerpoint/2010/main" val="961422819"/>
+      </p:ext>
+    </p:extLst>
+  </p:cSld>
+  <p:clrMapOvr>
+    <a:masterClrMapping/>
+  </p:clrMapOvr>
+</p:sld>
+</file>
+
+<file path=ppt/slides/slide32.xml><?xml version="1.0" encoding="utf-8"?>
+<p:sld xmlns:a="http://schemas.openxmlformats.org/drawingml/2006/main" xmlns:r="http://schemas.openxmlformats.org/officeDocument/2006/relationships" xmlns:p="http://schemas.openxmlformats.org/presentationml/2006/main">
+  <p:cSld>
+    <p:spTree>
+      <p:nvGrpSpPr>
+        <p:cNvPr id="1" name=""/>
+        <p:cNvGrpSpPr/>
+        <p:nvPr/>
+      </p:nvGrpSpPr>
+      <p:grpSpPr>
+        <a:xfrm>
+          <a:off x="0" y="0"/>
+          <a:ext cx="0" cy="0"/>
+          <a:chOff x="0" y="0"/>
+          <a:chExt cx="0" cy="0"/>
+        </a:xfrm>
+      </p:grpSpPr>
+      <p:sp>
+        <p:nvSpPr>
+          <p:cNvPr id="2" name="Titre 1"/>
+          <p:cNvSpPr>
+            <a:spLocks noGrp="1"/>
+          </p:cNvSpPr>
+          <p:nvPr>
+            <p:ph type="title"/>
+          </p:nvPr>
+        </p:nvSpPr>
+        <p:spPr>
+          <a:xfrm>
+            <a:off x="609600" y="0"/>
+            <a:ext cx="10972800" cy="1143000"/>
+          </a:xfrm>
+        </p:spPr>
+        <p:txBody>
+          <a:bodyPr/>
+          <a:lstStyle/>
+          <a:p>
+            <a:r>
+              <a:rPr lang="fr-FR" dirty="0"/>
+              <a:t>Lasso </a:t>
+            </a:r>
+            <a:r>
+              <a:rPr lang="fr-FR" dirty="0" err="1"/>
+              <a:t>regression</a:t>
+            </a:r>
+            <a:r>
+              <a:rPr lang="fr-FR" dirty="0"/>
+              <a:t> : L</a:t>
+            </a:r>
+            <a:r>
+              <a:rPr lang="fr-FR" baseline="-25000" dirty="0"/>
+              <a:t>1</a:t>
+            </a:r>
+            <a:r>
+              <a:rPr lang="fr-FR" dirty="0"/>
+              <a:t> </a:t>
+            </a:r>
+            <a:r>
+              <a:rPr lang="fr-FR" dirty="0" err="1"/>
+              <a:t>regularized</a:t>
+            </a:r>
+            <a:r>
+              <a:rPr lang="fr-FR" dirty="0"/>
+              <a:t> </a:t>
+            </a:r>
+            <a:r>
+              <a:rPr lang="fr-FR" dirty="0" err="1"/>
+              <a:t>regression</a:t>
+            </a:r>
+            <a:endParaRPr lang="fr-FR" dirty="0"/>
+          </a:p>
+        </p:txBody>
+      </p:sp>
+      <p:grpSp>
+        <p:nvGrpSpPr>
+          <p:cNvPr id="25" name="Groupe 11">
+            <a:extLst>
+              <a:ext uri="{FF2B5EF4-FFF2-40B4-BE49-F238E27FC236}">
+                <a16:creationId xmlns:a16="http://schemas.microsoft.com/office/drawing/2014/main" id="{74176E09-9AA5-0241-BEA5-B948101EEBBF}"/>
+              </a:ext>
+            </a:extLst>
+          </p:cNvPr>
+          <p:cNvGrpSpPr/>
+          <p:nvPr/>
+        </p:nvGrpSpPr>
+        <p:grpSpPr>
+          <a:xfrm>
+            <a:off x="-13856" y="6214952"/>
+            <a:ext cx="12205855" cy="643054"/>
+            <a:chOff x="0" y="4661210"/>
+            <a:chExt cx="9144000" cy="482290"/>
+          </a:xfrm>
+        </p:grpSpPr>
+        <p:sp>
+          <p:nvSpPr>
+            <p:cNvPr id="26" name="Rectangle 25">
+              <a:extLst>
+                <a:ext uri="{FF2B5EF4-FFF2-40B4-BE49-F238E27FC236}">
+                  <a16:creationId xmlns:a16="http://schemas.microsoft.com/office/drawing/2014/main" id="{301A1338-074F-F444-A2E0-000D4375D974}"/>
+                </a:ext>
+              </a:extLst>
+            </p:cNvPr>
+            <p:cNvSpPr/>
+            <p:nvPr/>
+          </p:nvSpPr>
+          <p:spPr>
+            <a:xfrm>
+              <a:off x="0" y="4661210"/>
+              <a:ext cx="9144000" cy="482290"/>
+            </a:xfrm>
+            <a:prstGeom prst="rect">
+              <a:avLst/>
+            </a:prstGeom>
+            <a:solidFill>
+              <a:schemeClr val="tx1">
+                <a:lumMod val="65000"/>
+                <a:lumOff val="35000"/>
+              </a:schemeClr>
+            </a:solidFill>
+            <a:ln>
+              <a:solidFill>
+                <a:schemeClr val="tx1">
+                  <a:lumMod val="65000"/>
+                  <a:lumOff val="35000"/>
+                </a:schemeClr>
+              </a:solidFill>
+            </a:ln>
+          </p:spPr>
+          <p:style>
+            <a:lnRef idx="2">
+              <a:schemeClr val="dk1">
+                <a:shade val="50000"/>
+              </a:schemeClr>
+            </a:lnRef>
+            <a:fillRef idx="1">
+              <a:schemeClr val="dk1"/>
+            </a:fillRef>
+            <a:effectRef idx="0">
+              <a:schemeClr val="dk1"/>
+            </a:effectRef>
+            <a:fontRef idx="minor">
+              <a:schemeClr val="lt1"/>
+            </a:fontRef>
+          </p:style>
+          <p:txBody>
+            <a:bodyPr rtlCol="0" anchor="ctr"/>
+            <a:lstStyle/>
+            <a:p>
+              <a:pPr algn="ctr"/>
+              <a:endParaRPr lang="fr-FR" sz="2400"/>
+            </a:p>
+          </p:txBody>
+        </p:sp>
+        <p:sp>
+          <p:nvSpPr>
+            <p:cNvPr id="27" name="ZoneTexte 10">
+              <a:extLst>
+                <a:ext uri="{FF2B5EF4-FFF2-40B4-BE49-F238E27FC236}">
+                  <a16:creationId xmlns:a16="http://schemas.microsoft.com/office/drawing/2014/main" id="{D46FE952-5588-3B45-BA19-AFA5BAE79FC2}"/>
+                </a:ext>
+              </a:extLst>
+            </p:cNvPr>
+            <p:cNvSpPr txBox="1"/>
+            <p:nvPr/>
+          </p:nvSpPr>
+          <p:spPr>
+            <a:xfrm>
+              <a:off x="179512" y="4753476"/>
+              <a:ext cx="2304256" cy="315423"/>
+            </a:xfrm>
+            <a:prstGeom prst="rect">
+              <a:avLst/>
+            </a:prstGeom>
+            <a:noFill/>
+            <a:ln>
+              <a:solidFill>
+                <a:schemeClr val="tx1">
+                  <a:lumMod val="65000"/>
+                  <a:lumOff val="35000"/>
+                </a:schemeClr>
+              </a:solidFill>
+            </a:ln>
+          </p:spPr>
+          <p:txBody>
+            <a:bodyPr wrap="square" rtlCol="0">
+              <a:spAutoFit/>
+            </a:bodyPr>
+            <a:lstStyle/>
+            <a:p>
+              <a:r>
+                <a:rPr lang="fr-FR" sz="2133" dirty="0">
+                  <a:solidFill>
+                    <a:schemeClr val="bg1"/>
+                  </a:solidFill>
+                </a:rPr>
+                <a:t>Sprint 1 - </a:t>
+              </a:r>
+              <a:r>
+                <a:rPr lang="fr-FR" sz="2133" dirty="0" err="1">
+                  <a:solidFill>
+                    <a:schemeClr val="bg1"/>
+                  </a:solidFill>
+                </a:rPr>
+                <a:t>Regression</a:t>
+              </a:r>
+              <a:endParaRPr lang="fr-FR" sz="2133" dirty="0">
+                <a:solidFill>
+                  <a:schemeClr val="bg1"/>
+                </a:solidFill>
+              </a:endParaRPr>
+            </a:p>
+          </p:txBody>
+        </p:sp>
+      </p:grpSp>
+      <p:grpSp>
+        <p:nvGrpSpPr>
+          <p:cNvPr id="4" name="Group 3">
+            <a:extLst>
+              <a:ext uri="{FF2B5EF4-FFF2-40B4-BE49-F238E27FC236}">
+                <a16:creationId xmlns:a16="http://schemas.microsoft.com/office/drawing/2014/main" id="{E1125197-43AD-C544-BC74-2CB9DEF9EF49}"/>
+              </a:ext>
+            </a:extLst>
+          </p:cNvPr>
+          <p:cNvGrpSpPr/>
+          <p:nvPr/>
+        </p:nvGrpSpPr>
+        <p:grpSpPr>
+          <a:xfrm>
+            <a:off x="1052945" y="1025236"/>
+            <a:ext cx="7966364" cy="2544496"/>
+            <a:chOff x="997527" y="1427018"/>
+            <a:chExt cx="7966364" cy="2544496"/>
+          </a:xfrm>
+        </p:grpSpPr>
+        <p:cxnSp>
+          <p:nvCxnSpPr>
+            <p:cNvPr id="12" name="Straight Arrow Connector 11">
+              <a:extLst>
+                <a:ext uri="{FF2B5EF4-FFF2-40B4-BE49-F238E27FC236}">
+                  <a16:creationId xmlns:a16="http://schemas.microsoft.com/office/drawing/2014/main" id="{111C1BD6-0815-5641-AC3A-3D25F41B4F6F}"/>
+                </a:ext>
+              </a:extLst>
+            </p:cNvPr>
+            <p:cNvCxnSpPr>
+              <a:cxnSpLocks/>
+            </p:cNvCxnSpPr>
+            <p:nvPr/>
+          </p:nvCxnSpPr>
+          <p:spPr>
+            <a:xfrm flipV="1">
+              <a:off x="2230582" y="2092038"/>
+              <a:ext cx="0" cy="1759526"/>
+            </a:xfrm>
+            <a:prstGeom prst="straightConnector1">
+              <a:avLst/>
+            </a:prstGeom>
+            <a:ln>
+              <a:tailEnd type="triangle"/>
+            </a:ln>
+          </p:spPr>
+          <p:style>
+            <a:lnRef idx="1">
+              <a:schemeClr val="accent1"/>
+            </a:lnRef>
+            <a:fillRef idx="0">
+              <a:schemeClr val="accent1"/>
+            </a:fillRef>
+            <a:effectRef idx="0">
+              <a:schemeClr val="accent1"/>
+            </a:effectRef>
+            <a:fontRef idx="minor">
+              <a:schemeClr val="tx1"/>
+            </a:fontRef>
+          </p:style>
+        </p:cxnSp>
+        <p:cxnSp>
+          <p:nvCxnSpPr>
+            <p:cNvPr id="13" name="Straight Arrow Connector 12">
+              <a:extLst>
+                <a:ext uri="{FF2B5EF4-FFF2-40B4-BE49-F238E27FC236}">
+                  <a16:creationId xmlns:a16="http://schemas.microsoft.com/office/drawing/2014/main" id="{C25F333E-CF6D-084C-A9A2-80F856235B75}"/>
+                </a:ext>
+              </a:extLst>
+            </p:cNvPr>
+            <p:cNvCxnSpPr>
+              <a:cxnSpLocks/>
+            </p:cNvCxnSpPr>
+            <p:nvPr/>
+          </p:nvCxnSpPr>
+          <p:spPr>
+            <a:xfrm>
+              <a:off x="2244436" y="3131128"/>
+              <a:ext cx="4710545" cy="0"/>
+            </a:xfrm>
+            <a:prstGeom prst="straightConnector1">
+              <a:avLst/>
+            </a:prstGeom>
+            <a:ln>
+              <a:tailEnd type="triangle"/>
+            </a:ln>
+          </p:spPr>
+          <p:style>
+            <a:lnRef idx="1">
+              <a:schemeClr val="accent1"/>
+            </a:lnRef>
+            <a:fillRef idx="0">
+              <a:schemeClr val="accent1"/>
+            </a:fillRef>
+            <a:effectRef idx="0">
+              <a:schemeClr val="accent1"/>
+            </a:effectRef>
+            <a:fontRef idx="minor">
+              <a:schemeClr val="tx1"/>
+            </a:fontRef>
+          </p:style>
+        </p:cxnSp>
+        <p:sp>
+          <p:nvSpPr>
+            <p:cNvPr id="16" name="TextBox 15">
+              <a:extLst>
+                <a:ext uri="{FF2B5EF4-FFF2-40B4-BE49-F238E27FC236}">
+                  <a16:creationId xmlns:a16="http://schemas.microsoft.com/office/drawing/2014/main" id="{F52DF999-09DC-8142-BC2D-9D1F1C9D829D}"/>
+                </a:ext>
+              </a:extLst>
+            </p:cNvPr>
+            <p:cNvSpPr txBox="1"/>
+            <p:nvPr/>
+          </p:nvSpPr>
+          <p:spPr>
+            <a:xfrm>
+              <a:off x="6871855" y="3602182"/>
+              <a:ext cx="401782" cy="369332"/>
+            </a:xfrm>
+            <a:prstGeom prst="rect">
+              <a:avLst/>
+            </a:prstGeom>
+            <a:noFill/>
+          </p:spPr>
+          <p:txBody>
+            <a:bodyPr wrap="square" rtlCol="0">
+              <a:spAutoFit/>
+            </a:bodyPr>
+            <a:lstStyle/>
+            <a:p>
+              <a:r>
+                <a:rPr lang="en-US" dirty="0"/>
+                <a:t> </a:t>
+              </a:r>
+              <a:r>
+                <a:rPr lang="en-US" dirty="0" err="1"/>
+                <a:t>ƛ</a:t>
+              </a:r>
+              <a:r>
+                <a:rPr lang="en-US" dirty="0">
+                  <a:solidFill>
+                    <a:schemeClr val="accent2"/>
+                  </a:solidFill>
+                </a:rPr>
+                <a:t> </a:t>
+              </a:r>
+              <a:endParaRPr lang="en-US" dirty="0"/>
+            </a:p>
+          </p:txBody>
+        </p:sp>
+        <p:sp>
+          <p:nvSpPr>
+            <p:cNvPr id="18" name="TextBox 17">
+              <a:extLst>
+                <a:ext uri="{FF2B5EF4-FFF2-40B4-BE49-F238E27FC236}">
+                  <a16:creationId xmlns:a16="http://schemas.microsoft.com/office/drawing/2014/main" id="{40535382-9EEB-7744-A73A-A6553FFF5228}"/>
+                </a:ext>
+              </a:extLst>
+            </p:cNvPr>
+            <p:cNvSpPr txBox="1"/>
+            <p:nvPr/>
+          </p:nvSpPr>
+          <p:spPr>
+            <a:xfrm rot="16200000">
+              <a:off x="1578209" y="1899281"/>
+              <a:ext cx="399367" cy="646331"/>
+            </a:xfrm>
+            <a:prstGeom prst="rect">
+              <a:avLst/>
+            </a:prstGeom>
+            <a:noFill/>
+          </p:spPr>
+          <p:txBody>
+            <a:bodyPr wrap="square" rtlCol="0">
+              <a:spAutoFit/>
+            </a:bodyPr>
+            <a:lstStyle/>
+            <a:p>
+              <a:r>
+                <a:rPr lang="en-US" dirty="0"/>
+                <a:t> </a:t>
+              </a:r>
+              <a:r>
+                <a:rPr lang="en-US" dirty="0" err="1"/>
+                <a:t>w</a:t>
+              </a:r>
+              <a:r>
+                <a:rPr lang="en-US" baseline="-25000" dirty="0" err="1"/>
+                <a:t>j</a:t>
+              </a:r>
+              <a:r>
+                <a:rPr lang="en-US" dirty="0">
+                  <a:solidFill>
+                    <a:schemeClr val="accent2"/>
+                  </a:solidFill>
+                </a:rPr>
+                <a:t> </a:t>
+              </a:r>
+              <a:endParaRPr lang="en-US" dirty="0"/>
+            </a:p>
+          </p:txBody>
+        </p:sp>
+        <p:sp>
+          <p:nvSpPr>
+            <p:cNvPr id="19" name="TextBox 18">
+              <a:extLst>
+                <a:ext uri="{FF2B5EF4-FFF2-40B4-BE49-F238E27FC236}">
+                  <a16:creationId xmlns:a16="http://schemas.microsoft.com/office/drawing/2014/main" id="{B3939AA6-2EF3-F143-86A5-A4CECC74146E}"/>
+                </a:ext>
+              </a:extLst>
+            </p:cNvPr>
+            <p:cNvSpPr txBox="1"/>
+            <p:nvPr/>
+          </p:nvSpPr>
+          <p:spPr>
+            <a:xfrm>
+              <a:off x="1855300" y="2952180"/>
+              <a:ext cx="399367" cy="369332"/>
+            </a:xfrm>
+            <a:prstGeom prst="rect">
+              <a:avLst/>
+            </a:prstGeom>
+            <a:noFill/>
+          </p:spPr>
+          <p:txBody>
+            <a:bodyPr wrap="square" rtlCol="0">
+              <a:spAutoFit/>
+            </a:bodyPr>
+            <a:lstStyle/>
+            <a:p>
+              <a:r>
+                <a:rPr lang="en-US" dirty="0"/>
+                <a:t> 0</a:t>
+              </a:r>
+            </a:p>
+          </p:txBody>
+        </p:sp>
+        <p:sp>
+          <p:nvSpPr>
+            <p:cNvPr id="20" name="Freeform 19">
+              <a:extLst>
+                <a:ext uri="{FF2B5EF4-FFF2-40B4-BE49-F238E27FC236}">
+                  <a16:creationId xmlns:a16="http://schemas.microsoft.com/office/drawing/2014/main" id="{A5176C9F-A8BD-EB42-BFC6-FEE5E8420017}"/>
+                </a:ext>
+              </a:extLst>
+            </p:cNvPr>
+            <p:cNvSpPr/>
+            <p:nvPr/>
+          </p:nvSpPr>
+          <p:spPr>
+            <a:xfrm>
+              <a:off x="2286000" y="3186546"/>
+              <a:ext cx="4627418" cy="623454"/>
+            </a:xfrm>
+            <a:custGeom>
+              <a:avLst/>
+              <a:gdLst>
+                <a:gd name="connsiteX0" fmla="*/ 0 w 4627418"/>
+                <a:gd name="connsiteY0" fmla="*/ 623454 h 623454"/>
+                <a:gd name="connsiteX1" fmla="*/ 277091 w 4627418"/>
+                <a:gd name="connsiteY1" fmla="*/ 152400 h 623454"/>
+                <a:gd name="connsiteX2" fmla="*/ 1108363 w 4627418"/>
+                <a:gd name="connsiteY2" fmla="*/ 55418 h 623454"/>
+                <a:gd name="connsiteX3" fmla="*/ 4599709 w 4627418"/>
+                <a:gd name="connsiteY3" fmla="*/ 13854 h 623454"/>
+                <a:gd name="connsiteX4" fmla="*/ 4599709 w 4627418"/>
+                <a:gd name="connsiteY4" fmla="*/ 13854 h 623454"/>
+                <a:gd name="connsiteX5" fmla="*/ 4627418 w 4627418"/>
+                <a:gd name="connsiteY5" fmla="*/ 0 h 623454"/>
+              </a:gdLst>
+              <a:ahLst/>
+              <a:cxnLst>
+                <a:cxn ang="0">
+                  <a:pos x="connsiteX0" y="connsiteY0"/>
+                </a:cxn>
+                <a:cxn ang="0">
+                  <a:pos x="connsiteX1" y="connsiteY1"/>
+                </a:cxn>
+                <a:cxn ang="0">
+                  <a:pos x="connsiteX2" y="connsiteY2"/>
+                </a:cxn>
+                <a:cxn ang="0">
+                  <a:pos x="connsiteX3" y="connsiteY3"/>
+                </a:cxn>
+                <a:cxn ang="0">
+                  <a:pos x="connsiteX4" y="connsiteY4"/>
+                </a:cxn>
+                <a:cxn ang="0">
+                  <a:pos x="connsiteX5" y="connsiteY5"/>
+                </a:cxn>
+              </a:cxnLst>
+              <a:rect l="l" t="t" r="r" b="b"/>
+              <a:pathLst>
+                <a:path w="4627418" h="623454">
+                  <a:moveTo>
+                    <a:pt x="0" y="623454"/>
+                  </a:moveTo>
+                  <a:cubicBezTo>
+                    <a:pt x="46182" y="435263"/>
+                    <a:pt x="92364" y="247073"/>
+                    <a:pt x="277091" y="152400"/>
+                  </a:cubicBezTo>
+                  <a:cubicBezTo>
+                    <a:pt x="461818" y="57727"/>
+                    <a:pt x="387927" y="78509"/>
+                    <a:pt x="1108363" y="55418"/>
+                  </a:cubicBezTo>
+                  <a:cubicBezTo>
+                    <a:pt x="1828799" y="32327"/>
+                    <a:pt x="4599709" y="13854"/>
+                    <a:pt x="4599709" y="13854"/>
+                  </a:cubicBezTo>
+                  <a:lnTo>
+                    <a:pt x="4599709" y="13854"/>
+                  </a:lnTo>
+                  <a:lnTo>
+                    <a:pt x="4627418" y="0"/>
+                  </a:lnTo>
+                </a:path>
+              </a:pathLst>
+            </a:custGeom>
+          </p:spPr>
+          <p:style>
+            <a:lnRef idx="1">
+              <a:schemeClr val="accent3"/>
+            </a:lnRef>
+            <a:fillRef idx="0">
+              <a:schemeClr val="accent3"/>
+            </a:fillRef>
+            <a:effectRef idx="0">
+              <a:schemeClr val="accent3"/>
+            </a:effectRef>
+            <a:fontRef idx="minor">
+              <a:schemeClr val="tx1"/>
+            </a:fontRef>
+          </p:style>
+          <p:txBody>
+            <a:bodyPr rtlCol="0" anchor="ctr"/>
+            <a:lstStyle/>
+            <a:p>
+              <a:pPr algn="ctr"/>
+              <a:endParaRPr lang="en-US"/>
+            </a:p>
+          </p:txBody>
+        </p:sp>
+        <p:sp>
+          <p:nvSpPr>
+            <p:cNvPr id="21" name="Freeform 20">
+              <a:extLst>
+                <a:ext uri="{FF2B5EF4-FFF2-40B4-BE49-F238E27FC236}">
+                  <a16:creationId xmlns:a16="http://schemas.microsoft.com/office/drawing/2014/main" id="{3ACD66BC-C1A3-8E4F-9C67-B4E715F753AD}"/>
+                </a:ext>
+              </a:extLst>
+            </p:cNvPr>
+            <p:cNvSpPr/>
+            <p:nvPr/>
+          </p:nvSpPr>
+          <p:spPr>
+            <a:xfrm>
+              <a:off x="2286000" y="2313709"/>
+              <a:ext cx="4475018" cy="637309"/>
+            </a:xfrm>
+            <a:custGeom>
+              <a:avLst/>
+              <a:gdLst>
+                <a:gd name="connsiteX0" fmla="*/ 0 w 4475018"/>
+                <a:gd name="connsiteY0" fmla="*/ 0 h 637309"/>
+                <a:gd name="connsiteX1" fmla="*/ 609600 w 4475018"/>
+                <a:gd name="connsiteY1" fmla="*/ 526473 h 637309"/>
+                <a:gd name="connsiteX2" fmla="*/ 2410691 w 4475018"/>
+                <a:gd name="connsiteY2" fmla="*/ 609600 h 637309"/>
+                <a:gd name="connsiteX3" fmla="*/ 4475018 w 4475018"/>
+                <a:gd name="connsiteY3" fmla="*/ 637309 h 637309"/>
+              </a:gdLst>
+              <a:ahLst/>
+              <a:cxnLst>
+                <a:cxn ang="0">
+                  <a:pos x="connsiteX0" y="connsiteY0"/>
+                </a:cxn>
+                <a:cxn ang="0">
+                  <a:pos x="connsiteX1" y="connsiteY1"/>
+                </a:cxn>
+                <a:cxn ang="0">
+                  <a:pos x="connsiteX2" y="connsiteY2"/>
+                </a:cxn>
+                <a:cxn ang="0">
+                  <a:pos x="connsiteX3" y="connsiteY3"/>
+                </a:cxn>
+              </a:cxnLst>
+              <a:rect l="l" t="t" r="r" b="b"/>
+              <a:pathLst>
+                <a:path w="4475018" h="637309">
+                  <a:moveTo>
+                    <a:pt x="0" y="0"/>
+                  </a:moveTo>
+                  <a:cubicBezTo>
+                    <a:pt x="103909" y="212436"/>
+                    <a:pt x="207818" y="424873"/>
+                    <a:pt x="609600" y="526473"/>
+                  </a:cubicBezTo>
+                  <a:cubicBezTo>
+                    <a:pt x="1011382" y="628073"/>
+                    <a:pt x="1766455" y="591127"/>
+                    <a:pt x="2410691" y="609600"/>
+                  </a:cubicBezTo>
+                  <a:cubicBezTo>
+                    <a:pt x="3054927" y="628073"/>
+                    <a:pt x="3764972" y="632691"/>
+                    <a:pt x="4475018" y="637309"/>
+                  </a:cubicBezTo>
+                </a:path>
+              </a:pathLst>
+            </a:custGeom>
+          </p:spPr>
+          <p:style>
+            <a:lnRef idx="2">
+              <a:schemeClr val="dk1"/>
+            </a:lnRef>
+            <a:fillRef idx="0">
+              <a:schemeClr val="dk1"/>
+            </a:fillRef>
+            <a:effectRef idx="1">
+              <a:schemeClr val="dk1"/>
+            </a:effectRef>
+            <a:fontRef idx="minor">
+              <a:schemeClr val="tx1"/>
+            </a:fontRef>
+          </p:style>
+          <p:txBody>
+            <a:bodyPr rtlCol="0" anchor="ctr"/>
+            <a:lstStyle/>
+            <a:p>
+              <a:pPr algn="ctr"/>
+              <a:endParaRPr lang="en-US"/>
+            </a:p>
+          </p:txBody>
+        </p:sp>
+        <p:sp>
+          <p:nvSpPr>
+            <p:cNvPr id="22" name="Freeform 21">
+              <a:extLst>
+                <a:ext uri="{FF2B5EF4-FFF2-40B4-BE49-F238E27FC236}">
+                  <a16:creationId xmlns:a16="http://schemas.microsoft.com/office/drawing/2014/main" id="{20C73866-051B-8A4A-BEDD-7C92B70A203E}"/>
+                </a:ext>
+              </a:extLst>
+            </p:cNvPr>
+            <p:cNvSpPr/>
+            <p:nvPr/>
+          </p:nvSpPr>
+          <p:spPr>
+            <a:xfrm>
+              <a:off x="2327563" y="2119746"/>
+              <a:ext cx="4461164" cy="748145"/>
+            </a:xfrm>
+            <a:custGeom>
+              <a:avLst/>
+              <a:gdLst>
+                <a:gd name="connsiteX0" fmla="*/ 0 w 4461164"/>
+                <a:gd name="connsiteY0" fmla="*/ 0 h 748145"/>
+                <a:gd name="connsiteX1" fmla="*/ 443346 w 4461164"/>
+                <a:gd name="connsiteY1" fmla="*/ 568036 h 748145"/>
+                <a:gd name="connsiteX2" fmla="*/ 2036619 w 4461164"/>
+                <a:gd name="connsiteY2" fmla="*/ 692727 h 748145"/>
+                <a:gd name="connsiteX3" fmla="*/ 4461164 w 4461164"/>
+                <a:gd name="connsiteY3" fmla="*/ 748145 h 748145"/>
+              </a:gdLst>
+              <a:ahLst/>
+              <a:cxnLst>
+                <a:cxn ang="0">
+                  <a:pos x="connsiteX0" y="connsiteY0"/>
+                </a:cxn>
+                <a:cxn ang="0">
+                  <a:pos x="connsiteX1" y="connsiteY1"/>
+                </a:cxn>
+                <a:cxn ang="0">
+                  <a:pos x="connsiteX2" y="connsiteY2"/>
+                </a:cxn>
+                <a:cxn ang="0">
+                  <a:pos x="connsiteX3" y="connsiteY3"/>
+                </a:cxn>
+              </a:cxnLst>
+              <a:rect l="l" t="t" r="r" b="b"/>
+              <a:pathLst>
+                <a:path w="4461164" h="748145">
+                  <a:moveTo>
+                    <a:pt x="0" y="0"/>
+                  </a:moveTo>
+                  <a:cubicBezTo>
+                    <a:pt x="51955" y="226291"/>
+                    <a:pt x="103910" y="452582"/>
+                    <a:pt x="443346" y="568036"/>
+                  </a:cubicBezTo>
+                  <a:cubicBezTo>
+                    <a:pt x="782783" y="683491"/>
+                    <a:pt x="1366983" y="662709"/>
+                    <a:pt x="2036619" y="692727"/>
+                  </a:cubicBezTo>
+                  <a:cubicBezTo>
+                    <a:pt x="2706255" y="722745"/>
+                    <a:pt x="3583709" y="735445"/>
+                    <a:pt x="4461164" y="748145"/>
+                  </a:cubicBezTo>
+                </a:path>
+              </a:pathLst>
+            </a:custGeom>
+          </p:spPr>
+          <p:style>
+            <a:lnRef idx="1">
+              <a:schemeClr val="accent6"/>
+            </a:lnRef>
+            <a:fillRef idx="0">
+              <a:schemeClr val="accent6"/>
+            </a:fillRef>
+            <a:effectRef idx="0">
+              <a:schemeClr val="accent6"/>
+            </a:effectRef>
+            <a:fontRef idx="minor">
+              <a:schemeClr val="tx1"/>
+            </a:fontRef>
+          </p:style>
+          <p:txBody>
+            <a:bodyPr rtlCol="0" anchor="ctr"/>
+            <a:lstStyle/>
+            <a:p>
+              <a:pPr algn="ctr"/>
+              <a:endParaRPr lang="en-US"/>
+            </a:p>
+          </p:txBody>
+        </p:sp>
+        <p:sp>
+          <p:nvSpPr>
+            <p:cNvPr id="23" name="Freeform 22">
+              <a:extLst>
+                <a:ext uri="{FF2B5EF4-FFF2-40B4-BE49-F238E27FC236}">
+                  <a16:creationId xmlns:a16="http://schemas.microsoft.com/office/drawing/2014/main" id="{5AE68520-E8C9-D34D-93A1-F803AA76B45F}"/>
+                </a:ext>
+              </a:extLst>
+            </p:cNvPr>
+            <p:cNvSpPr/>
+            <p:nvPr/>
+          </p:nvSpPr>
+          <p:spPr>
+            <a:xfrm>
+              <a:off x="2327563" y="2701637"/>
+              <a:ext cx="4530437" cy="360218"/>
+            </a:xfrm>
+            <a:custGeom>
+              <a:avLst/>
+              <a:gdLst>
+                <a:gd name="connsiteX0" fmla="*/ 0 w 4530437"/>
+                <a:gd name="connsiteY0" fmla="*/ 0 h 360218"/>
+                <a:gd name="connsiteX1" fmla="*/ 346364 w 4530437"/>
+                <a:gd name="connsiteY1" fmla="*/ 277090 h 360218"/>
+                <a:gd name="connsiteX2" fmla="*/ 955964 w 4530437"/>
+                <a:gd name="connsiteY2" fmla="*/ 318654 h 360218"/>
+                <a:gd name="connsiteX3" fmla="*/ 4530437 w 4530437"/>
+                <a:gd name="connsiteY3" fmla="*/ 360218 h 360218"/>
+              </a:gdLst>
+              <a:ahLst/>
+              <a:cxnLst>
+                <a:cxn ang="0">
+                  <a:pos x="connsiteX0" y="connsiteY0"/>
+                </a:cxn>
+                <a:cxn ang="0">
+                  <a:pos x="connsiteX1" y="connsiteY1"/>
+                </a:cxn>
+                <a:cxn ang="0">
+                  <a:pos x="connsiteX2" y="connsiteY2"/>
+                </a:cxn>
+                <a:cxn ang="0">
+                  <a:pos x="connsiteX3" y="connsiteY3"/>
+                </a:cxn>
+              </a:cxnLst>
+              <a:rect l="l" t="t" r="r" b="b"/>
+              <a:pathLst>
+                <a:path w="4530437" h="360218">
+                  <a:moveTo>
+                    <a:pt x="0" y="0"/>
+                  </a:moveTo>
+                  <a:cubicBezTo>
+                    <a:pt x="93518" y="111990"/>
+                    <a:pt x="187037" y="223981"/>
+                    <a:pt x="346364" y="277090"/>
+                  </a:cubicBezTo>
+                  <a:cubicBezTo>
+                    <a:pt x="505691" y="330199"/>
+                    <a:pt x="955964" y="318654"/>
+                    <a:pt x="955964" y="318654"/>
+                  </a:cubicBezTo>
+                  <a:lnTo>
+                    <a:pt x="4530437" y="360218"/>
+                  </a:lnTo>
+                </a:path>
+              </a:pathLst>
+            </a:custGeom>
+          </p:spPr>
+          <p:style>
+            <a:lnRef idx="1">
+              <a:schemeClr val="accent2"/>
+            </a:lnRef>
+            <a:fillRef idx="0">
+              <a:schemeClr val="accent2"/>
+            </a:fillRef>
+            <a:effectRef idx="0">
+              <a:schemeClr val="accent2"/>
+            </a:effectRef>
+            <a:fontRef idx="minor">
+              <a:schemeClr val="tx1"/>
+            </a:fontRef>
+          </p:style>
+          <p:txBody>
+            <a:bodyPr rtlCol="0" anchor="ctr"/>
+            <a:lstStyle/>
+            <a:p>
+              <a:pPr algn="ctr"/>
+              <a:endParaRPr lang="en-US"/>
+            </a:p>
+          </p:txBody>
+        </p:sp>
+        <p:cxnSp>
+          <p:nvCxnSpPr>
+            <p:cNvPr id="24" name="Straight Connector 23">
+              <a:extLst>
+                <a:ext uri="{FF2B5EF4-FFF2-40B4-BE49-F238E27FC236}">
+                  <a16:creationId xmlns:a16="http://schemas.microsoft.com/office/drawing/2014/main" id="{7583F02A-0757-574D-8C04-FCF6421D6E5A}"/>
+                </a:ext>
+              </a:extLst>
+            </p:cNvPr>
+            <p:cNvCxnSpPr>
+              <a:cxnSpLocks/>
+            </p:cNvCxnSpPr>
+            <p:nvPr/>
+          </p:nvCxnSpPr>
+          <p:spPr>
+            <a:xfrm>
+              <a:off x="7356763" y="2382984"/>
+              <a:ext cx="193964" cy="0"/>
+            </a:xfrm>
+            <a:prstGeom prst="line">
+              <a:avLst/>
+            </a:prstGeom>
+          </p:spPr>
+          <p:style>
+            <a:lnRef idx="1">
+              <a:schemeClr val="accent1"/>
+            </a:lnRef>
+            <a:fillRef idx="0">
+              <a:schemeClr val="accent1"/>
+            </a:fillRef>
+            <a:effectRef idx="0">
+              <a:schemeClr val="accent1"/>
+            </a:effectRef>
+            <a:fontRef idx="minor">
+              <a:schemeClr val="tx1"/>
+            </a:fontRef>
+          </p:style>
+        </p:cxnSp>
+        <p:cxnSp>
+          <p:nvCxnSpPr>
+            <p:cNvPr id="28" name="Straight Connector 27">
+              <a:extLst>
+                <a:ext uri="{FF2B5EF4-FFF2-40B4-BE49-F238E27FC236}">
+                  <a16:creationId xmlns:a16="http://schemas.microsoft.com/office/drawing/2014/main" id="{ACD68A2A-BFC5-6142-A876-A2A9AE1FDD2C}"/>
+                </a:ext>
+              </a:extLst>
+            </p:cNvPr>
+            <p:cNvCxnSpPr/>
+            <p:nvPr/>
+          </p:nvCxnSpPr>
+          <p:spPr>
+            <a:xfrm>
+              <a:off x="7356763" y="2549240"/>
+              <a:ext cx="193964" cy="0"/>
+            </a:xfrm>
+            <a:prstGeom prst="line">
+              <a:avLst/>
+            </a:prstGeom>
+          </p:spPr>
+          <p:style>
+            <a:lnRef idx="1">
+              <a:schemeClr val="accent3"/>
+            </a:lnRef>
+            <a:fillRef idx="0">
+              <a:schemeClr val="accent3"/>
+            </a:fillRef>
+            <a:effectRef idx="0">
+              <a:schemeClr val="accent3"/>
+            </a:effectRef>
+            <a:fontRef idx="minor">
+              <a:schemeClr val="tx1"/>
+            </a:fontRef>
+          </p:style>
+        </p:cxnSp>
+        <p:cxnSp>
+          <p:nvCxnSpPr>
+            <p:cNvPr id="29" name="Straight Connector 28">
+              <a:extLst>
+                <a:ext uri="{FF2B5EF4-FFF2-40B4-BE49-F238E27FC236}">
+                  <a16:creationId xmlns:a16="http://schemas.microsoft.com/office/drawing/2014/main" id="{74150973-8D3F-234F-B7FD-6548F5B07985}"/>
+                </a:ext>
+              </a:extLst>
+            </p:cNvPr>
+            <p:cNvCxnSpPr/>
+            <p:nvPr/>
+          </p:nvCxnSpPr>
+          <p:spPr>
+            <a:xfrm>
+              <a:off x="7356763" y="2715493"/>
+              <a:ext cx="193964" cy="0"/>
+            </a:xfrm>
+            <a:prstGeom prst="line">
+              <a:avLst/>
+            </a:prstGeom>
+          </p:spPr>
+          <p:style>
+            <a:lnRef idx="1">
+              <a:schemeClr val="accent6"/>
+            </a:lnRef>
+            <a:fillRef idx="0">
+              <a:schemeClr val="accent6"/>
+            </a:fillRef>
+            <a:effectRef idx="0">
+              <a:schemeClr val="accent6"/>
+            </a:effectRef>
+            <a:fontRef idx="minor">
+              <a:schemeClr val="tx1"/>
+            </a:fontRef>
+          </p:style>
+        </p:cxnSp>
+        <p:cxnSp>
+          <p:nvCxnSpPr>
+            <p:cNvPr id="30" name="Straight Connector 29">
+              <a:extLst>
+                <a:ext uri="{FF2B5EF4-FFF2-40B4-BE49-F238E27FC236}">
+                  <a16:creationId xmlns:a16="http://schemas.microsoft.com/office/drawing/2014/main" id="{34725830-D6B1-C744-A416-2E19B79F7058}"/>
+                </a:ext>
+              </a:extLst>
+            </p:cNvPr>
+            <p:cNvCxnSpPr/>
+            <p:nvPr/>
+          </p:nvCxnSpPr>
+          <p:spPr>
+            <a:xfrm>
+              <a:off x="7356763" y="2881749"/>
+              <a:ext cx="193964" cy="0"/>
+            </a:xfrm>
+            <a:prstGeom prst="line">
+              <a:avLst/>
+            </a:prstGeom>
+          </p:spPr>
+          <p:style>
+            <a:lnRef idx="1">
+              <a:schemeClr val="dk1"/>
+            </a:lnRef>
+            <a:fillRef idx="0">
+              <a:schemeClr val="dk1"/>
+            </a:fillRef>
+            <a:effectRef idx="0">
+              <a:schemeClr val="dk1"/>
+            </a:effectRef>
+            <a:fontRef idx="minor">
+              <a:schemeClr val="tx1"/>
+            </a:fontRef>
+          </p:style>
+        </p:cxnSp>
+        <p:sp>
+          <p:nvSpPr>
+            <p:cNvPr id="31" name="TextBox 30">
+              <a:extLst>
+                <a:ext uri="{FF2B5EF4-FFF2-40B4-BE49-F238E27FC236}">
+                  <a16:creationId xmlns:a16="http://schemas.microsoft.com/office/drawing/2014/main" id="{E08662B8-82D4-B047-9687-E57B7F04F5BB}"/>
+                </a:ext>
+              </a:extLst>
+            </p:cNvPr>
+            <p:cNvSpPr txBox="1"/>
+            <p:nvPr/>
+          </p:nvSpPr>
+          <p:spPr>
+            <a:xfrm>
+              <a:off x="7550727" y="2258291"/>
+              <a:ext cx="1413164" cy="769441"/>
+            </a:xfrm>
+            <a:prstGeom prst="rect">
+              <a:avLst/>
+            </a:prstGeom>
+            <a:noFill/>
+          </p:spPr>
+          <p:txBody>
+            <a:bodyPr wrap="square" rtlCol="0">
+              <a:spAutoFit/>
+            </a:bodyPr>
+            <a:lstStyle/>
+            <a:p>
+              <a:r>
+                <a:rPr lang="en-US" sz="1100" dirty="0"/>
+                <a:t>Feature 1</a:t>
+              </a:r>
+            </a:p>
+            <a:p>
+              <a:r>
+                <a:rPr lang="en-US" sz="1100" dirty="0"/>
+                <a:t>Feature 2</a:t>
+              </a:r>
+            </a:p>
+            <a:p>
+              <a:r>
+                <a:rPr lang="en-US" sz="1100" dirty="0"/>
+                <a:t>Feature 3</a:t>
+              </a:r>
+            </a:p>
+            <a:p>
+              <a:r>
+                <a:rPr lang="en-US" sz="1100" dirty="0"/>
+                <a:t>Feature 4</a:t>
+              </a:r>
+            </a:p>
+          </p:txBody>
+        </p:sp>
+        <p:sp>
+          <p:nvSpPr>
+            <p:cNvPr id="3" name="TextBox 2">
+              <a:extLst>
+                <a:ext uri="{FF2B5EF4-FFF2-40B4-BE49-F238E27FC236}">
+                  <a16:creationId xmlns:a16="http://schemas.microsoft.com/office/drawing/2014/main" id="{A29913FA-D78D-D64D-99F8-EF1C8BEB5165}"/>
+                </a:ext>
+              </a:extLst>
+            </p:cNvPr>
+            <p:cNvSpPr txBox="1"/>
+            <p:nvPr/>
+          </p:nvSpPr>
+          <p:spPr>
+            <a:xfrm>
+              <a:off x="997527" y="1427018"/>
+              <a:ext cx="1967346" cy="369332"/>
+            </a:xfrm>
+            <a:prstGeom prst="rect">
+              <a:avLst/>
+            </a:prstGeom>
+            <a:noFill/>
+          </p:spPr>
+          <p:txBody>
+            <a:bodyPr wrap="square" rtlCol="0">
+              <a:spAutoFit/>
+            </a:bodyPr>
+            <a:lstStyle/>
+            <a:p>
+              <a:r>
+                <a:rPr lang="en-US" dirty="0"/>
+                <a:t>Ridge regression</a:t>
+              </a:r>
+            </a:p>
+          </p:txBody>
+        </p:sp>
+      </p:grpSp>
+      <p:cxnSp>
+        <p:nvCxnSpPr>
+          <p:cNvPr id="32" name="Straight Arrow Connector 31">
+            <a:extLst>
+              <a:ext uri="{FF2B5EF4-FFF2-40B4-BE49-F238E27FC236}">
+                <a16:creationId xmlns:a16="http://schemas.microsoft.com/office/drawing/2014/main" id="{19ACC7BF-1128-6343-8B8C-0EAEE90F7A50}"/>
+              </a:ext>
+            </a:extLst>
+          </p:cNvPr>
+          <p:cNvCxnSpPr>
+            <a:cxnSpLocks/>
+          </p:cNvCxnSpPr>
+          <p:nvPr/>
+        </p:nvCxnSpPr>
+        <p:spPr>
+          <a:xfrm flipV="1">
+            <a:off x="2175164" y="4308765"/>
+            <a:ext cx="0" cy="1759526"/>
+          </a:xfrm>
+          <a:prstGeom prst="straightConnector1">
+            <a:avLst/>
+          </a:prstGeom>
+          <a:ln>
+            <a:tailEnd type="triangle"/>
+          </a:ln>
+        </p:spPr>
+        <p:style>
+          <a:lnRef idx="1">
+            <a:schemeClr val="accent1"/>
+          </a:lnRef>
+          <a:fillRef idx="0">
+            <a:schemeClr val="accent1"/>
+          </a:fillRef>
+          <a:effectRef idx="0">
+            <a:schemeClr val="accent1"/>
+          </a:effectRef>
+          <a:fontRef idx="minor">
+            <a:schemeClr val="tx1"/>
+          </a:fontRef>
+        </p:style>
+      </p:cxnSp>
+      <p:cxnSp>
+        <p:nvCxnSpPr>
+          <p:cNvPr id="33" name="Straight Arrow Connector 32">
+            <a:extLst>
+              <a:ext uri="{FF2B5EF4-FFF2-40B4-BE49-F238E27FC236}">
+                <a16:creationId xmlns:a16="http://schemas.microsoft.com/office/drawing/2014/main" id="{311D485E-DB19-AB47-B68F-FEB4018920FF}"/>
+              </a:ext>
+            </a:extLst>
+          </p:cNvPr>
+          <p:cNvCxnSpPr>
+            <a:cxnSpLocks/>
+          </p:cNvCxnSpPr>
+          <p:nvPr/>
+        </p:nvCxnSpPr>
+        <p:spPr>
+          <a:xfrm>
+            <a:off x="2189018" y="5347855"/>
+            <a:ext cx="4710545" cy="0"/>
+          </a:xfrm>
+          <a:prstGeom prst="straightConnector1">
+            <a:avLst/>
+          </a:prstGeom>
+          <a:ln>
+            <a:tailEnd type="triangle"/>
+          </a:ln>
+        </p:spPr>
+        <p:style>
+          <a:lnRef idx="1">
+            <a:schemeClr val="accent1"/>
+          </a:lnRef>
+          <a:fillRef idx="0">
+            <a:schemeClr val="accent1"/>
+          </a:fillRef>
+          <a:effectRef idx="0">
+            <a:schemeClr val="accent1"/>
+          </a:effectRef>
+          <a:fontRef idx="minor">
+            <a:schemeClr val="tx1"/>
+          </a:fontRef>
+        </p:style>
+      </p:cxnSp>
+      <p:sp>
+        <p:nvSpPr>
+          <p:cNvPr id="34" name="TextBox 33">
+            <a:extLst>
+              <a:ext uri="{FF2B5EF4-FFF2-40B4-BE49-F238E27FC236}">
+                <a16:creationId xmlns:a16="http://schemas.microsoft.com/office/drawing/2014/main" id="{6B39328D-2691-0D48-8B67-6329450B81C8}"/>
+              </a:ext>
+            </a:extLst>
+          </p:cNvPr>
+          <p:cNvSpPr txBox="1"/>
+          <p:nvPr/>
+        </p:nvSpPr>
+        <p:spPr>
+          <a:xfrm>
+            <a:off x="6816437" y="5818909"/>
+            <a:ext cx="401782" cy="369332"/>
+          </a:xfrm>
+          <a:prstGeom prst="rect">
+            <a:avLst/>
+          </a:prstGeom>
+          <a:noFill/>
+        </p:spPr>
+        <p:txBody>
+          <a:bodyPr wrap="square" rtlCol="0">
+            <a:spAutoFit/>
+          </a:bodyPr>
+          <a:lstStyle/>
+          <a:p>
+            <a:r>
+              <a:rPr lang="en-US" dirty="0"/>
+              <a:t> </a:t>
+            </a:r>
+            <a:r>
+              <a:rPr lang="en-US" dirty="0" err="1"/>
+              <a:t>ƛ</a:t>
+            </a:r>
+            <a:r>
+              <a:rPr lang="en-US" dirty="0">
+                <a:solidFill>
+                  <a:schemeClr val="accent2"/>
+                </a:solidFill>
+              </a:rPr>
+              <a:t> </a:t>
+            </a:r>
+            <a:endParaRPr lang="en-US" dirty="0"/>
+          </a:p>
+        </p:txBody>
+      </p:sp>
+      <p:sp>
+        <p:nvSpPr>
+          <p:cNvPr id="35" name="TextBox 34">
+            <a:extLst>
+              <a:ext uri="{FF2B5EF4-FFF2-40B4-BE49-F238E27FC236}">
+                <a16:creationId xmlns:a16="http://schemas.microsoft.com/office/drawing/2014/main" id="{31ECF946-FC83-A341-880D-F91EA2F6A498}"/>
+              </a:ext>
+            </a:extLst>
+          </p:cNvPr>
+          <p:cNvSpPr txBox="1"/>
+          <p:nvPr/>
+        </p:nvSpPr>
+        <p:spPr>
+          <a:xfrm rot="16200000">
+            <a:off x="1522791" y="4116008"/>
+            <a:ext cx="399367" cy="646331"/>
+          </a:xfrm>
+          <a:prstGeom prst="rect">
+            <a:avLst/>
+          </a:prstGeom>
+          <a:noFill/>
+        </p:spPr>
+        <p:txBody>
+          <a:bodyPr wrap="square" rtlCol="0">
+            <a:spAutoFit/>
+          </a:bodyPr>
+          <a:lstStyle/>
+          <a:p>
+            <a:r>
+              <a:rPr lang="en-US" dirty="0"/>
+              <a:t> </a:t>
+            </a:r>
+            <a:r>
+              <a:rPr lang="en-US" dirty="0" err="1"/>
+              <a:t>w</a:t>
+            </a:r>
+            <a:r>
+              <a:rPr lang="en-US" baseline="-25000" dirty="0" err="1"/>
+              <a:t>j</a:t>
+            </a:r>
+            <a:r>
+              <a:rPr lang="en-US" dirty="0">
+                <a:solidFill>
+                  <a:schemeClr val="accent2"/>
+                </a:solidFill>
+              </a:rPr>
+              <a:t> </a:t>
+            </a:r>
+            <a:endParaRPr lang="en-US" dirty="0"/>
+          </a:p>
+        </p:txBody>
+      </p:sp>
+      <p:sp>
+        <p:nvSpPr>
+          <p:cNvPr id="36" name="TextBox 35">
+            <a:extLst>
+              <a:ext uri="{FF2B5EF4-FFF2-40B4-BE49-F238E27FC236}">
+                <a16:creationId xmlns:a16="http://schemas.microsoft.com/office/drawing/2014/main" id="{6326DD2D-5C04-4F4B-AAD5-D4AD9DADC55F}"/>
+              </a:ext>
+            </a:extLst>
+          </p:cNvPr>
+          <p:cNvSpPr txBox="1"/>
+          <p:nvPr/>
+        </p:nvSpPr>
+        <p:spPr>
+          <a:xfrm>
+            <a:off x="1799882" y="5168907"/>
+            <a:ext cx="399367" cy="369332"/>
+          </a:xfrm>
+          <a:prstGeom prst="rect">
+            <a:avLst/>
+          </a:prstGeom>
+          <a:noFill/>
+        </p:spPr>
+        <p:txBody>
+          <a:bodyPr wrap="square" rtlCol="0">
+            <a:spAutoFit/>
+          </a:bodyPr>
+          <a:lstStyle/>
+          <a:p>
+            <a:r>
+              <a:rPr lang="en-US" dirty="0"/>
+              <a:t> 0</a:t>
+            </a:r>
+          </a:p>
+        </p:txBody>
+      </p:sp>
+      <p:cxnSp>
+        <p:nvCxnSpPr>
+          <p:cNvPr id="41" name="Straight Connector 40">
+            <a:extLst>
+              <a:ext uri="{FF2B5EF4-FFF2-40B4-BE49-F238E27FC236}">
+                <a16:creationId xmlns:a16="http://schemas.microsoft.com/office/drawing/2014/main" id="{99E37071-400C-1C46-83D3-F151DF8F84E2}"/>
+              </a:ext>
+            </a:extLst>
+          </p:cNvPr>
+          <p:cNvCxnSpPr>
+            <a:cxnSpLocks/>
+          </p:cNvCxnSpPr>
+          <p:nvPr/>
+        </p:nvCxnSpPr>
+        <p:spPr>
+          <a:xfrm>
+            <a:off x="7301345" y="4599711"/>
+            <a:ext cx="193964" cy="0"/>
+          </a:xfrm>
+          <a:prstGeom prst="line">
+            <a:avLst/>
+          </a:prstGeom>
+        </p:spPr>
+        <p:style>
+          <a:lnRef idx="1">
+            <a:schemeClr val="accent1"/>
+          </a:lnRef>
+          <a:fillRef idx="0">
+            <a:schemeClr val="accent1"/>
+          </a:fillRef>
+          <a:effectRef idx="0">
+            <a:schemeClr val="accent1"/>
+          </a:effectRef>
+          <a:fontRef idx="minor">
+            <a:schemeClr val="tx1"/>
+          </a:fontRef>
+        </p:style>
+      </p:cxnSp>
+      <p:cxnSp>
+        <p:nvCxnSpPr>
+          <p:cNvPr id="42" name="Straight Connector 41">
+            <a:extLst>
+              <a:ext uri="{FF2B5EF4-FFF2-40B4-BE49-F238E27FC236}">
+                <a16:creationId xmlns:a16="http://schemas.microsoft.com/office/drawing/2014/main" id="{62946010-DAB4-F847-8FA0-8473AC6EF70B}"/>
+              </a:ext>
+            </a:extLst>
+          </p:cNvPr>
+          <p:cNvCxnSpPr/>
+          <p:nvPr/>
+        </p:nvCxnSpPr>
+        <p:spPr>
+          <a:xfrm>
+            <a:off x="7301345" y="4765967"/>
+            <a:ext cx="193964" cy="0"/>
+          </a:xfrm>
+          <a:prstGeom prst="line">
+            <a:avLst/>
+          </a:prstGeom>
+        </p:spPr>
+        <p:style>
+          <a:lnRef idx="1">
+            <a:schemeClr val="accent3"/>
+          </a:lnRef>
+          <a:fillRef idx="0">
+            <a:schemeClr val="accent3"/>
+          </a:fillRef>
+          <a:effectRef idx="0">
+            <a:schemeClr val="accent3"/>
+          </a:effectRef>
+          <a:fontRef idx="minor">
+            <a:schemeClr val="tx1"/>
+          </a:fontRef>
+        </p:style>
+      </p:cxnSp>
+      <p:cxnSp>
+        <p:nvCxnSpPr>
+          <p:cNvPr id="43" name="Straight Connector 42">
+            <a:extLst>
+              <a:ext uri="{FF2B5EF4-FFF2-40B4-BE49-F238E27FC236}">
+                <a16:creationId xmlns:a16="http://schemas.microsoft.com/office/drawing/2014/main" id="{3053E1CF-963D-344A-8A31-F6A93E930E80}"/>
+              </a:ext>
+            </a:extLst>
+          </p:cNvPr>
+          <p:cNvCxnSpPr/>
+          <p:nvPr/>
+        </p:nvCxnSpPr>
+        <p:spPr>
+          <a:xfrm>
+            <a:off x="7301345" y="4932220"/>
+            <a:ext cx="193964" cy="0"/>
+          </a:xfrm>
+          <a:prstGeom prst="line">
+            <a:avLst/>
+          </a:prstGeom>
+        </p:spPr>
+        <p:style>
+          <a:lnRef idx="1">
+            <a:schemeClr val="accent6"/>
+          </a:lnRef>
+          <a:fillRef idx="0">
+            <a:schemeClr val="accent6"/>
+          </a:fillRef>
+          <a:effectRef idx="0">
+            <a:schemeClr val="accent6"/>
+          </a:effectRef>
+          <a:fontRef idx="minor">
+            <a:schemeClr val="tx1"/>
+          </a:fontRef>
+        </p:style>
+      </p:cxnSp>
+      <p:cxnSp>
+        <p:nvCxnSpPr>
+          <p:cNvPr id="44" name="Straight Connector 43">
+            <a:extLst>
+              <a:ext uri="{FF2B5EF4-FFF2-40B4-BE49-F238E27FC236}">
+                <a16:creationId xmlns:a16="http://schemas.microsoft.com/office/drawing/2014/main" id="{7630D8F3-8126-954F-849C-83D396D0DEBD}"/>
+              </a:ext>
+            </a:extLst>
+          </p:cNvPr>
+          <p:cNvCxnSpPr/>
+          <p:nvPr/>
+        </p:nvCxnSpPr>
+        <p:spPr>
+          <a:xfrm>
+            <a:off x="7301345" y="5098476"/>
+            <a:ext cx="193964" cy="0"/>
+          </a:xfrm>
+          <a:prstGeom prst="line">
+            <a:avLst/>
+          </a:prstGeom>
+        </p:spPr>
+        <p:style>
+          <a:lnRef idx="1">
+            <a:schemeClr val="dk1"/>
+          </a:lnRef>
+          <a:fillRef idx="0">
+            <a:schemeClr val="dk1"/>
+          </a:fillRef>
+          <a:effectRef idx="0">
+            <a:schemeClr val="dk1"/>
+          </a:effectRef>
+          <a:fontRef idx="minor">
+            <a:schemeClr val="tx1"/>
+          </a:fontRef>
+        </p:style>
+      </p:cxnSp>
+      <p:sp>
+        <p:nvSpPr>
+          <p:cNvPr id="45" name="TextBox 44">
+            <a:extLst>
+              <a:ext uri="{FF2B5EF4-FFF2-40B4-BE49-F238E27FC236}">
+                <a16:creationId xmlns:a16="http://schemas.microsoft.com/office/drawing/2014/main" id="{1A2376FB-CBD3-854D-A218-8AF2C2A46528}"/>
+              </a:ext>
+            </a:extLst>
+          </p:cNvPr>
+          <p:cNvSpPr txBox="1"/>
+          <p:nvPr/>
+        </p:nvSpPr>
+        <p:spPr>
+          <a:xfrm>
+            <a:off x="7495309" y="4475018"/>
+            <a:ext cx="1413164" cy="769441"/>
+          </a:xfrm>
+          <a:prstGeom prst="rect">
+            <a:avLst/>
+          </a:prstGeom>
+          <a:noFill/>
+        </p:spPr>
+        <p:txBody>
+          <a:bodyPr wrap="square" rtlCol="0">
+            <a:spAutoFit/>
+          </a:bodyPr>
+          <a:lstStyle/>
+          <a:p>
+            <a:r>
+              <a:rPr lang="en-US" sz="1100" dirty="0"/>
+              <a:t>Feature 1</a:t>
+            </a:r>
+          </a:p>
+          <a:p>
+            <a:r>
+              <a:rPr lang="en-US" sz="1100" dirty="0"/>
+              <a:t>Feature 2</a:t>
+            </a:r>
+          </a:p>
+          <a:p>
+            <a:r>
+              <a:rPr lang="en-US" sz="1100" dirty="0"/>
+              <a:t>Feature 3</a:t>
+            </a:r>
+          </a:p>
+          <a:p>
+            <a:r>
+              <a:rPr lang="en-US" sz="1100" dirty="0"/>
+              <a:t>Feature 4</a:t>
+            </a:r>
+          </a:p>
+        </p:txBody>
+      </p:sp>
+      <p:sp>
+        <p:nvSpPr>
+          <p:cNvPr id="46" name="TextBox 45">
+            <a:extLst>
+              <a:ext uri="{FF2B5EF4-FFF2-40B4-BE49-F238E27FC236}">
+                <a16:creationId xmlns:a16="http://schemas.microsoft.com/office/drawing/2014/main" id="{1539C966-350A-3E4B-89A6-281247B3AB58}"/>
+              </a:ext>
+            </a:extLst>
+          </p:cNvPr>
+          <p:cNvSpPr txBox="1"/>
+          <p:nvPr/>
+        </p:nvSpPr>
+        <p:spPr>
+          <a:xfrm>
+            <a:off x="942109" y="3643745"/>
+            <a:ext cx="1967346" cy="369332"/>
+          </a:xfrm>
+          <a:prstGeom prst="rect">
+            <a:avLst/>
+          </a:prstGeom>
+          <a:noFill/>
+        </p:spPr>
+        <p:txBody>
+          <a:bodyPr wrap="square" rtlCol="0">
+            <a:spAutoFit/>
+          </a:bodyPr>
+          <a:lstStyle/>
+          <a:p>
+            <a:r>
+              <a:rPr lang="en-US" dirty="0"/>
+              <a:t>Lasso regression</a:t>
+            </a:r>
+          </a:p>
+        </p:txBody>
+      </p:sp>
+      <p:sp>
+        <p:nvSpPr>
+          <p:cNvPr id="10" name="Freeform 9">
+            <a:extLst>
+              <a:ext uri="{FF2B5EF4-FFF2-40B4-BE49-F238E27FC236}">
+                <a16:creationId xmlns:a16="http://schemas.microsoft.com/office/drawing/2014/main" id="{27E1E330-43A5-284E-82AF-EED62B362E21}"/>
+              </a:ext>
+            </a:extLst>
+          </p:cNvPr>
+          <p:cNvSpPr/>
+          <p:nvPr/>
+        </p:nvSpPr>
+        <p:spPr>
+          <a:xfrm>
+            <a:off x="2272145" y="5347855"/>
+            <a:ext cx="4475019" cy="637309"/>
+          </a:xfrm>
+          <a:custGeom>
+            <a:avLst/>
+            <a:gdLst>
+              <a:gd name="connsiteX0" fmla="*/ 0 w 4475019"/>
+              <a:gd name="connsiteY0" fmla="*/ 637309 h 637309"/>
+              <a:gd name="connsiteX1" fmla="*/ 471055 w 4475019"/>
+              <a:gd name="connsiteY1" fmla="*/ 0 h 637309"/>
+              <a:gd name="connsiteX2" fmla="*/ 4475019 w 4475019"/>
+              <a:gd name="connsiteY2" fmla="*/ 0 h 637309"/>
+            </a:gdLst>
+            <a:ahLst/>
+            <a:cxnLst>
+              <a:cxn ang="0">
+                <a:pos x="connsiteX0" y="connsiteY0"/>
+              </a:cxn>
+              <a:cxn ang="0">
+                <a:pos x="connsiteX1" y="connsiteY1"/>
+              </a:cxn>
+              <a:cxn ang="0">
+                <a:pos x="connsiteX2" y="connsiteY2"/>
+              </a:cxn>
+            </a:cxnLst>
+            <a:rect l="l" t="t" r="r" b="b"/>
+            <a:pathLst>
+              <a:path w="4475019" h="637309">
+                <a:moveTo>
+                  <a:pt x="0" y="637309"/>
+                </a:moveTo>
+                <a:lnTo>
+                  <a:pt x="471055" y="0"/>
+                </a:lnTo>
+                <a:lnTo>
+                  <a:pt x="4475019" y="0"/>
+                </a:lnTo>
+              </a:path>
+            </a:pathLst>
+          </a:custGeom>
+          <a:noFill/>
+          <a:ln>
+            <a:solidFill>
+              <a:schemeClr val="bg1">
+                <a:lumMod val="50000"/>
+              </a:schemeClr>
+            </a:solidFill>
+          </a:ln>
+        </p:spPr>
+        <p:style>
+          <a:lnRef idx="2">
+            <a:schemeClr val="accent1">
+              <a:shade val="50000"/>
+            </a:schemeClr>
+          </a:lnRef>
+          <a:fillRef idx="1">
+            <a:schemeClr val="accent1"/>
+          </a:fillRef>
+          <a:effectRef idx="0">
+            <a:schemeClr val="accent1"/>
+          </a:effectRef>
+          <a:fontRef idx="minor">
+            <a:schemeClr val="lt1"/>
+          </a:fontRef>
+        </p:style>
+        <p:txBody>
+          <a:bodyPr rtlCol="0" anchor="ctr"/>
+          <a:lstStyle/>
+          <a:p>
+            <a:pPr algn="ctr"/>
+            <a:endParaRPr lang="en-US"/>
+          </a:p>
+        </p:txBody>
+      </p:sp>
+      <p:sp>
+        <p:nvSpPr>
+          <p:cNvPr id="11" name="Freeform 10">
+            <a:extLst>
+              <a:ext uri="{FF2B5EF4-FFF2-40B4-BE49-F238E27FC236}">
+                <a16:creationId xmlns:a16="http://schemas.microsoft.com/office/drawing/2014/main" id="{7193431A-F1AB-BA45-B3E0-6C4428297F5A}"/>
+              </a:ext>
+            </a:extLst>
+          </p:cNvPr>
+          <p:cNvSpPr/>
+          <p:nvPr/>
+        </p:nvSpPr>
+        <p:spPr>
+          <a:xfrm>
+            <a:off x="2258291" y="4959927"/>
+            <a:ext cx="4488873" cy="401782"/>
+          </a:xfrm>
+          <a:custGeom>
+            <a:avLst/>
+            <a:gdLst>
+              <a:gd name="connsiteX0" fmla="*/ 0 w 4488873"/>
+              <a:gd name="connsiteY0" fmla="*/ 0 h 401782"/>
+              <a:gd name="connsiteX1" fmla="*/ 263236 w 4488873"/>
+              <a:gd name="connsiteY1" fmla="*/ 401782 h 401782"/>
+              <a:gd name="connsiteX2" fmla="*/ 4461164 w 4488873"/>
+              <a:gd name="connsiteY2" fmla="*/ 387928 h 401782"/>
+              <a:gd name="connsiteX3" fmla="*/ 4461164 w 4488873"/>
+              <a:gd name="connsiteY3" fmla="*/ 387928 h 401782"/>
+              <a:gd name="connsiteX4" fmla="*/ 4488873 w 4488873"/>
+              <a:gd name="connsiteY4" fmla="*/ 387928 h 401782"/>
+            </a:gdLst>
+            <a:ahLst/>
+            <a:cxnLst>
+              <a:cxn ang="0">
+                <a:pos x="connsiteX0" y="connsiteY0"/>
+              </a:cxn>
+              <a:cxn ang="0">
+                <a:pos x="connsiteX1" y="connsiteY1"/>
+              </a:cxn>
+              <a:cxn ang="0">
+                <a:pos x="connsiteX2" y="connsiteY2"/>
+              </a:cxn>
+              <a:cxn ang="0">
+                <a:pos x="connsiteX3" y="connsiteY3"/>
+              </a:cxn>
+              <a:cxn ang="0">
+                <a:pos x="connsiteX4" y="connsiteY4"/>
+              </a:cxn>
+            </a:cxnLst>
+            <a:rect l="l" t="t" r="r" b="b"/>
+            <a:pathLst>
+              <a:path w="4488873" h="401782">
+                <a:moveTo>
+                  <a:pt x="0" y="0"/>
+                </a:moveTo>
+                <a:lnTo>
+                  <a:pt x="263236" y="401782"/>
+                </a:lnTo>
+                <a:lnTo>
+                  <a:pt x="4461164" y="387928"/>
+                </a:lnTo>
+                <a:lnTo>
+                  <a:pt x="4461164" y="387928"/>
+                </a:lnTo>
+                <a:lnTo>
+                  <a:pt x="4488873" y="387928"/>
+                </a:lnTo>
+              </a:path>
+            </a:pathLst>
+          </a:custGeom>
+        </p:spPr>
+        <p:style>
+          <a:lnRef idx="1">
+            <a:schemeClr val="accent2"/>
+          </a:lnRef>
+          <a:fillRef idx="0">
+            <a:schemeClr val="accent2"/>
+          </a:fillRef>
+          <a:effectRef idx="0">
+            <a:schemeClr val="accent2"/>
+          </a:effectRef>
+          <a:fontRef idx="minor">
+            <a:schemeClr val="tx1"/>
+          </a:fontRef>
+        </p:style>
+        <p:txBody>
+          <a:bodyPr rtlCol="0" anchor="ctr"/>
+          <a:lstStyle/>
+          <a:p>
+            <a:pPr algn="ctr"/>
+            <a:endParaRPr lang="en-US"/>
+          </a:p>
+        </p:txBody>
+      </p:sp>
+      <p:sp>
+        <p:nvSpPr>
+          <p:cNvPr id="47" name="Freeform 46">
+            <a:extLst>
+              <a:ext uri="{FF2B5EF4-FFF2-40B4-BE49-F238E27FC236}">
+                <a16:creationId xmlns:a16="http://schemas.microsoft.com/office/drawing/2014/main" id="{B78ECA2E-0E02-2E44-A1F6-F1B8B85BCB55}"/>
+              </a:ext>
+            </a:extLst>
+          </p:cNvPr>
+          <p:cNvSpPr/>
+          <p:nvPr/>
+        </p:nvSpPr>
+        <p:spPr>
+          <a:xfrm>
+            <a:off x="2272145" y="4765964"/>
+            <a:ext cx="4475019" cy="595745"/>
+          </a:xfrm>
+          <a:custGeom>
+            <a:avLst/>
+            <a:gdLst>
+              <a:gd name="connsiteX0" fmla="*/ 0 w 4475019"/>
+              <a:gd name="connsiteY0" fmla="*/ 0 h 595745"/>
+              <a:gd name="connsiteX1" fmla="*/ 1620982 w 4475019"/>
+              <a:gd name="connsiteY1" fmla="*/ 595745 h 595745"/>
+              <a:gd name="connsiteX2" fmla="*/ 4475019 w 4475019"/>
+              <a:gd name="connsiteY2" fmla="*/ 581891 h 595745"/>
+            </a:gdLst>
+            <a:ahLst/>
+            <a:cxnLst>
+              <a:cxn ang="0">
+                <a:pos x="connsiteX0" y="connsiteY0"/>
+              </a:cxn>
+              <a:cxn ang="0">
+                <a:pos x="connsiteX1" y="connsiteY1"/>
+              </a:cxn>
+              <a:cxn ang="0">
+                <a:pos x="connsiteX2" y="connsiteY2"/>
+              </a:cxn>
+            </a:cxnLst>
+            <a:rect l="l" t="t" r="r" b="b"/>
+            <a:pathLst>
+              <a:path w="4475019" h="595745">
+                <a:moveTo>
+                  <a:pt x="0" y="0"/>
+                </a:moveTo>
+                <a:lnTo>
+                  <a:pt x="1620982" y="595745"/>
+                </a:lnTo>
+                <a:lnTo>
+                  <a:pt x="4475019" y="581891"/>
+                </a:lnTo>
+              </a:path>
+            </a:pathLst>
+          </a:custGeom>
+        </p:spPr>
+        <p:style>
+          <a:lnRef idx="1">
+            <a:schemeClr val="dk1"/>
+          </a:lnRef>
+          <a:fillRef idx="0">
+            <a:schemeClr val="dk1"/>
+          </a:fillRef>
+          <a:effectRef idx="0">
+            <a:schemeClr val="dk1"/>
+          </a:effectRef>
+          <a:fontRef idx="minor">
+            <a:schemeClr val="tx1"/>
+          </a:fontRef>
+        </p:style>
+        <p:txBody>
+          <a:bodyPr rtlCol="0" anchor="ctr"/>
+          <a:lstStyle/>
+          <a:p>
+            <a:pPr algn="ctr"/>
+            <a:endParaRPr lang="en-US"/>
+          </a:p>
+        </p:txBody>
+      </p:sp>
+      <p:sp>
+        <p:nvSpPr>
+          <p:cNvPr id="48" name="Freeform 47">
+            <a:extLst>
+              <a:ext uri="{FF2B5EF4-FFF2-40B4-BE49-F238E27FC236}">
+                <a16:creationId xmlns:a16="http://schemas.microsoft.com/office/drawing/2014/main" id="{C4C13483-5760-BE45-9FC7-4B1D9E00FCE9}"/>
+              </a:ext>
+            </a:extLst>
+          </p:cNvPr>
+          <p:cNvSpPr/>
+          <p:nvPr/>
+        </p:nvSpPr>
+        <p:spPr>
+          <a:xfrm>
+            <a:off x="2286000" y="4488873"/>
+            <a:ext cx="4391891" cy="554182"/>
+          </a:xfrm>
+          <a:custGeom>
+            <a:avLst/>
+            <a:gdLst>
+              <a:gd name="connsiteX0" fmla="*/ 0 w 4391891"/>
+              <a:gd name="connsiteY0" fmla="*/ 0 h 554182"/>
+              <a:gd name="connsiteX1" fmla="*/ 4391891 w 4391891"/>
+              <a:gd name="connsiteY1" fmla="*/ 554182 h 554182"/>
+            </a:gdLst>
+            <a:ahLst/>
+            <a:cxnLst>
+              <a:cxn ang="0">
+                <a:pos x="connsiteX0" y="connsiteY0"/>
+              </a:cxn>
+              <a:cxn ang="0">
+                <a:pos x="connsiteX1" y="connsiteY1"/>
+              </a:cxn>
+            </a:cxnLst>
+            <a:rect l="l" t="t" r="r" b="b"/>
+            <a:pathLst>
+              <a:path w="4391891" h="554182">
+                <a:moveTo>
+                  <a:pt x="0" y="0"/>
+                </a:moveTo>
+                <a:lnTo>
+                  <a:pt x="4391891" y="554182"/>
+                </a:lnTo>
+              </a:path>
+            </a:pathLst>
+          </a:custGeom>
+          <a:noFill/>
+          <a:ln>
+            <a:solidFill>
+              <a:schemeClr val="accent6"/>
+            </a:solidFill>
+          </a:ln>
+        </p:spPr>
+        <p:style>
+          <a:lnRef idx="2">
+            <a:schemeClr val="accent1">
+              <a:shade val="50000"/>
+            </a:schemeClr>
+          </a:lnRef>
+          <a:fillRef idx="1">
+            <a:schemeClr val="accent1"/>
+          </a:fillRef>
+          <a:effectRef idx="0">
+            <a:schemeClr val="accent1"/>
+          </a:effectRef>
+          <a:fontRef idx="minor">
+            <a:schemeClr val="lt1"/>
+          </a:fontRef>
+        </p:style>
+        <p:txBody>
+          <a:bodyPr rtlCol="0" anchor="ctr"/>
+          <a:lstStyle/>
+          <a:p>
+            <a:pPr algn="ctr"/>
+            <a:endParaRPr lang="en-US"/>
+          </a:p>
+        </p:txBody>
+      </p:sp>
+    </p:spTree>
+    <p:extLst>
+      <p:ext uri="{BB962C8B-B14F-4D97-AF65-F5344CB8AC3E}">
+        <p14:creationId xmlns:p14="http://schemas.microsoft.com/office/powerpoint/2010/main" val="4215574844"/>
+      </p:ext>
+    </p:extLst>
+  </p:cSld>
+  <p:clrMapOvr>
+    <a:masterClrMapping/>
+  </p:clrMapOvr>
+</p:sld>
+</file>
+
+<file path=ppt/slides/slide33.xml><?xml version="1.0" encoding="utf-8"?>
+<p:sld xmlns:a="http://schemas.openxmlformats.org/drawingml/2006/main" xmlns:r="http://schemas.openxmlformats.org/officeDocument/2006/relationships" xmlns:p="http://schemas.openxmlformats.org/presentationml/2006/main">
+  <p:cSld>
+    <p:spTree>
+      <p:nvGrpSpPr>
+        <p:cNvPr id="1" name=""/>
+        <p:cNvGrpSpPr/>
+        <p:nvPr/>
+      </p:nvGrpSpPr>
+      <p:grpSpPr>
+        <a:xfrm>
+          <a:off x="0" y="0"/>
+          <a:ext cx="0" cy="0"/>
+          <a:chOff x="0" y="0"/>
+          <a:chExt cx="0" cy="0"/>
+        </a:xfrm>
+      </p:grpSpPr>
+      <p:sp>
+        <p:nvSpPr>
+          <p:cNvPr id="2" name="Rectangle 1"/>
+          <p:cNvSpPr/>
+          <p:nvPr/>
+        </p:nvSpPr>
+        <p:spPr>
+          <a:xfrm>
+            <a:off x="0" y="0"/>
+            <a:ext cx="12192000" cy="6858000"/>
+          </a:xfrm>
+          <a:prstGeom prst="rect">
+            <a:avLst/>
+          </a:prstGeom>
+          <a:solidFill>
+            <a:srgbClr val="7030A0"/>
+          </a:solidFill>
+          <a:ln>
+            <a:noFill/>
+          </a:ln>
+        </p:spPr>
+        <p:style>
+          <a:lnRef idx="2">
+            <a:schemeClr val="accent1">
+              <a:shade val="50000"/>
+            </a:schemeClr>
+          </a:lnRef>
+          <a:fillRef idx="1">
+            <a:schemeClr val="accent1"/>
+          </a:fillRef>
+          <a:effectRef idx="0">
+            <a:schemeClr val="accent1"/>
+          </a:effectRef>
+          <a:fontRef idx="minor">
+            <a:schemeClr val="lt1"/>
+          </a:fontRef>
+        </p:style>
+        <p:txBody>
+          <a:bodyPr rtlCol="0" anchor="ctr"/>
+          <a:lstStyle/>
+          <a:p>
+            <a:pPr algn="ctr"/>
+            <a:endParaRPr lang="fr-FR" sz="2400"/>
+          </a:p>
+        </p:txBody>
+      </p:sp>
+      <p:sp>
+        <p:nvSpPr>
+          <p:cNvPr id="3" name="Rectangle 2"/>
+          <p:cNvSpPr/>
+          <p:nvPr/>
+        </p:nvSpPr>
+        <p:spPr>
+          <a:xfrm>
+            <a:off x="0" y="6213309"/>
+            <a:ext cx="12192000" cy="644691"/>
+          </a:xfrm>
+          <a:prstGeom prst="rect">
+            <a:avLst/>
+          </a:prstGeom>
+          <a:solidFill>
+            <a:srgbClr val="240539"/>
+          </a:solidFill>
+          <a:ln>
+            <a:noFill/>
+          </a:ln>
+        </p:spPr>
+        <p:style>
+          <a:lnRef idx="2">
+            <a:schemeClr val="accent1">
+              <a:shade val="50000"/>
+            </a:schemeClr>
+          </a:lnRef>
+          <a:fillRef idx="1">
+            <a:schemeClr val="accent1"/>
+          </a:fillRef>
+          <a:effectRef idx="0">
+            <a:schemeClr val="accent1"/>
+          </a:effectRef>
+          <a:fontRef idx="minor">
+            <a:schemeClr val="lt1"/>
+          </a:fontRef>
+        </p:style>
+        <p:txBody>
+          <a:bodyPr rtlCol="0" anchor="ctr"/>
+          <a:lstStyle/>
+          <a:p>
+            <a:pPr algn="ctr"/>
+            <a:endParaRPr lang="fr-FR" sz="2400"/>
+          </a:p>
+        </p:txBody>
+      </p:sp>
+      <p:sp>
+        <p:nvSpPr>
+          <p:cNvPr id="4" name="ZoneTexte 3"/>
+          <p:cNvSpPr txBox="1"/>
+          <p:nvPr/>
+        </p:nvSpPr>
+        <p:spPr>
+          <a:xfrm>
+            <a:off x="239350" y="6337969"/>
+            <a:ext cx="3072341" cy="420564"/>
+          </a:xfrm>
+          <a:prstGeom prst="rect">
+            <a:avLst/>
+          </a:prstGeom>
+          <a:noFill/>
+        </p:spPr>
+        <p:txBody>
+          <a:bodyPr wrap="square" rtlCol="0">
+            <a:spAutoFit/>
+          </a:bodyPr>
+          <a:lstStyle/>
+          <a:p>
+            <a:r>
+              <a:rPr lang="fr-FR" sz="2133" dirty="0">
+                <a:solidFill>
+                  <a:schemeClr val="bg1"/>
+                </a:solidFill>
+              </a:rPr>
+              <a:t>Sprint 3 - </a:t>
+            </a:r>
+            <a:r>
+              <a:rPr lang="fr-FR" sz="2133" dirty="0" err="1">
+                <a:solidFill>
+                  <a:schemeClr val="bg1"/>
+                </a:solidFill>
+              </a:rPr>
+              <a:t>Retrieval</a:t>
+            </a:r>
+            <a:endParaRPr lang="fr-FR" sz="2133" dirty="0">
+              <a:solidFill>
+                <a:schemeClr val="bg1"/>
+              </a:solidFill>
+            </a:endParaRPr>
+          </a:p>
+        </p:txBody>
+      </p:sp>
+      <p:sp>
+        <p:nvSpPr>
+          <p:cNvPr id="5" name="Espace réservé du contenu 2"/>
+          <p:cNvSpPr txBox="1">
+            <a:spLocks/>
+          </p:cNvSpPr>
+          <p:nvPr/>
+        </p:nvSpPr>
+        <p:spPr>
+          <a:xfrm>
+            <a:off x="143339" y="2560309"/>
+            <a:ext cx="10972800" cy="868692"/>
+          </a:xfrm>
+          <a:prstGeom prst="rect">
+            <a:avLst/>
+          </a:prstGeom>
+        </p:spPr>
+        <p:txBody>
+          <a:bodyPr>
+            <a:normAutofit/>
+          </a:bodyPr>
+          <a:lstStyle>
+            <a:lvl1pPr marL="342900" indent="-342900" algn="l" defTabSz="914400" rtl="0" eaLnBrk="1" latinLnBrk="0" hangingPunct="1">
+              <a:spcBef>
+                <a:spcPct val="20000"/>
+              </a:spcBef>
+              <a:buFont typeface="Arial" panose="020B0604020202020204" pitchFamily="34" charset="0"/>
+              <a:buChar char="•"/>
+              <a:defRPr sz="3200" kern="1200">
+                <a:solidFill>
+                  <a:schemeClr val="tx1"/>
+                </a:solidFill>
+                <a:latin typeface="+mn-lt"/>
+                <a:ea typeface="+mn-ea"/>
+                <a:cs typeface="+mn-cs"/>
+              </a:defRPr>
+            </a:lvl1pPr>
+            <a:lvl2pPr marL="742950" indent="-285750" algn="l" defTabSz="914400" rtl="0" eaLnBrk="1" latinLnBrk="0" hangingPunct="1">
+              <a:spcBef>
+                <a:spcPct val="20000"/>
+              </a:spcBef>
+              <a:buFont typeface="Arial" panose="020B0604020202020204" pitchFamily="34" charset="0"/>
+              <a:buChar char="–"/>
+              <a:defRPr sz="2800" kern="1200">
+                <a:solidFill>
+                  <a:schemeClr val="tx1"/>
+                </a:solidFill>
+                <a:latin typeface="+mn-lt"/>
+                <a:ea typeface="+mn-ea"/>
+                <a:cs typeface="+mn-cs"/>
+              </a:defRPr>
+            </a:lvl2pPr>
+            <a:lvl3pPr marL="1143000" indent="-228600" algn="l" defTabSz="914400" rtl="0" eaLnBrk="1" latinLnBrk="0" hangingPunct="1">
+              <a:spcBef>
+                <a:spcPct val="20000"/>
+              </a:spcBef>
+              <a:buFont typeface="Arial" panose="020B0604020202020204" pitchFamily="34" charset="0"/>
+              <a:buChar char="•"/>
+              <a:defRPr sz="2400" kern="1200">
+                <a:solidFill>
+                  <a:schemeClr val="tx1"/>
+                </a:solidFill>
+                <a:latin typeface="+mn-lt"/>
+                <a:ea typeface="+mn-ea"/>
+                <a:cs typeface="+mn-cs"/>
+              </a:defRPr>
+            </a:lvl3pPr>
+            <a:lvl4pPr marL="1600200" indent="-228600" algn="l" defTabSz="914400" rtl="0" eaLnBrk="1" latinLnBrk="0" hangingPunct="1">
+              <a:spcBef>
+                <a:spcPct val="20000"/>
+              </a:spcBef>
+              <a:buFont typeface="Arial" panose="020B0604020202020204" pitchFamily="34" charset="0"/>
+              <a:buChar char="–"/>
+              <a:defRPr sz="2000" kern="1200">
+                <a:solidFill>
+                  <a:schemeClr val="tx1"/>
+                </a:solidFill>
+                <a:latin typeface="+mn-lt"/>
+                <a:ea typeface="+mn-ea"/>
+                <a:cs typeface="+mn-cs"/>
+              </a:defRPr>
+            </a:lvl4pPr>
+            <a:lvl5pPr marL="2057400" indent="-228600" algn="l" defTabSz="914400" rtl="0" eaLnBrk="1" latinLnBrk="0" hangingPunct="1">
+              <a:spcBef>
+                <a:spcPct val="20000"/>
+              </a:spcBef>
+              <a:buFont typeface="Arial" panose="020B0604020202020204" pitchFamily="34" charset="0"/>
+              <a:buChar char="»"/>
+              <a:defRPr sz="2000" kern="1200">
+                <a:solidFill>
+                  <a:schemeClr val="tx1"/>
+                </a:solidFill>
+                <a:latin typeface="+mn-lt"/>
+                <a:ea typeface="+mn-ea"/>
+                <a:cs typeface="+mn-cs"/>
+              </a:defRPr>
+            </a:lvl5pPr>
+            <a:lvl6pPr marL="2514600" indent="-228600" algn="l" defTabSz="914400" rtl="0" eaLnBrk="1" latinLnBrk="0" hangingPunct="1">
+              <a:spcBef>
+                <a:spcPct val="20000"/>
+              </a:spcBef>
+              <a:buFont typeface="Arial" panose="020B0604020202020204" pitchFamily="34" charset="0"/>
+              <a:buChar char="•"/>
+              <a:defRPr sz="2000" kern="1200">
+                <a:solidFill>
+                  <a:schemeClr val="tx1"/>
+                </a:solidFill>
+                <a:latin typeface="+mn-lt"/>
+                <a:ea typeface="+mn-ea"/>
+                <a:cs typeface="+mn-cs"/>
+              </a:defRPr>
+            </a:lvl6pPr>
+            <a:lvl7pPr marL="2971800" indent="-228600" algn="l" defTabSz="914400" rtl="0" eaLnBrk="1" latinLnBrk="0" hangingPunct="1">
+              <a:spcBef>
+                <a:spcPct val="20000"/>
+              </a:spcBef>
+              <a:buFont typeface="Arial" panose="020B0604020202020204" pitchFamily="34" charset="0"/>
+              <a:buChar char="•"/>
+              <a:defRPr sz="2000" kern="1200">
+                <a:solidFill>
+                  <a:schemeClr val="tx1"/>
+                </a:solidFill>
+                <a:latin typeface="+mn-lt"/>
+                <a:ea typeface="+mn-ea"/>
+                <a:cs typeface="+mn-cs"/>
+              </a:defRPr>
+            </a:lvl7pPr>
+            <a:lvl8pPr marL="3429000" indent="-228600" algn="l" defTabSz="914400" rtl="0" eaLnBrk="1" latinLnBrk="0" hangingPunct="1">
+              <a:spcBef>
+                <a:spcPct val="20000"/>
+              </a:spcBef>
+              <a:buFont typeface="Arial" panose="020B0604020202020204" pitchFamily="34" charset="0"/>
+              <a:buChar char="•"/>
+              <a:defRPr sz="2000" kern="1200">
+                <a:solidFill>
+                  <a:schemeClr val="tx1"/>
+                </a:solidFill>
+                <a:latin typeface="+mn-lt"/>
+                <a:ea typeface="+mn-ea"/>
+                <a:cs typeface="+mn-cs"/>
+              </a:defRPr>
+            </a:lvl8pPr>
+            <a:lvl9pPr marL="3886200" indent="-228600" algn="l" defTabSz="914400" rtl="0" eaLnBrk="1" latinLnBrk="0" hangingPunct="1">
+              <a:spcBef>
+                <a:spcPct val="20000"/>
+              </a:spcBef>
+              <a:buFont typeface="Arial" panose="020B0604020202020204" pitchFamily="34" charset="0"/>
+              <a:buChar char="•"/>
+              <a:defRPr sz="2000" kern="1200">
+                <a:solidFill>
+                  <a:schemeClr val="tx1"/>
+                </a:solidFill>
+                <a:latin typeface="+mn-lt"/>
+                <a:ea typeface="+mn-ea"/>
+                <a:cs typeface="+mn-cs"/>
+              </a:defRPr>
+            </a:lvl9pPr>
+          </a:lstStyle>
+          <a:p>
+            <a:pPr marL="0" indent="0">
+              <a:buNone/>
+            </a:pPr>
+            <a:r>
+              <a:rPr lang="fr-FR" sz="3733" dirty="0" err="1">
+                <a:solidFill>
+                  <a:schemeClr val="bg1"/>
+                </a:solidFill>
+              </a:rPr>
+              <a:t>Implementation</a:t>
+            </a:r>
+            <a:r>
+              <a:rPr lang="fr-FR" sz="3733" dirty="0">
+                <a:solidFill>
+                  <a:schemeClr val="bg1"/>
+                </a:solidFill>
+              </a:rPr>
+              <a:t>: Lasso </a:t>
+            </a:r>
+            <a:r>
+              <a:rPr lang="fr-FR" sz="3733">
+                <a:solidFill>
+                  <a:schemeClr val="bg1"/>
+                </a:solidFill>
+              </a:rPr>
+              <a:t>implementation</a:t>
+            </a:r>
+            <a:endParaRPr lang="fr-FR" sz="3733" dirty="0">
+              <a:solidFill>
+                <a:schemeClr val="bg1"/>
+              </a:solidFill>
+            </a:endParaRPr>
+          </a:p>
+        </p:txBody>
+      </p:sp>
+    </p:spTree>
+    <p:extLst>
+      <p:ext uri="{BB962C8B-B14F-4D97-AF65-F5344CB8AC3E}">
+        <p14:creationId xmlns:p14="http://schemas.microsoft.com/office/powerpoint/2010/main" val="2966371824"/>
       </p:ext>
     </p:extLst>
   </p:cSld>
